--- a/report/cloud_slides.pptx
+++ b/report/cloud_slides.pptx
@@ -1,27 +1,30 @@
 
 <file path=ppt/presentation.xml><?xml version="1.0" encoding="utf-8"?>
-<p:presentation xmlns:a="http://schemas.openxmlformats.org/drawingml/2006/main" xmlns:r="http://schemas.openxmlformats.org/officeDocument/2006/relationships" xmlns:p="http://schemas.openxmlformats.org/presentationml/2006/main" autoCompressPictures="0">
+<p:presentation xmlns:a="http://schemas.openxmlformats.org/drawingml/2006/main" xmlns:r="http://schemas.openxmlformats.org/officeDocument/2006/relationships" xmlns:p="http://schemas.openxmlformats.org/presentationml/2006/main" saveSubsetFonts="1" autoCompressPictures="0">
   <p:sldMasterIdLst>
     <p:sldMasterId id="2147483840" r:id="rId1"/>
   </p:sldMasterIdLst>
   <p:notesMasterIdLst>
-    <p:notesMasterId r:id="rId13"/>
+    <p:notesMasterId r:id="rId16"/>
   </p:notesMasterIdLst>
   <p:handoutMasterIdLst>
-    <p:handoutMasterId r:id="rId14"/>
+    <p:handoutMasterId r:id="rId17"/>
   </p:handoutMasterIdLst>
   <p:sldIdLst>
-    <p:sldId id="256" r:id="rId2"/>
-    <p:sldId id="259" r:id="rId3"/>
-    <p:sldId id="260" r:id="rId4"/>
-    <p:sldId id="268" r:id="rId5"/>
-    <p:sldId id="265" r:id="rId6"/>
-    <p:sldId id="263" r:id="rId7"/>
-    <p:sldId id="266" r:id="rId8"/>
-    <p:sldId id="258" r:id="rId9"/>
-    <p:sldId id="264" r:id="rId10"/>
-    <p:sldId id="261" r:id="rId11"/>
-    <p:sldId id="262" r:id="rId12"/>
+    <p:sldId id="270" r:id="rId2"/>
+    <p:sldId id="256" r:id="rId3"/>
+    <p:sldId id="259" r:id="rId4"/>
+    <p:sldId id="260" r:id="rId5"/>
+    <p:sldId id="268" r:id="rId6"/>
+    <p:sldId id="265" r:id="rId7"/>
+    <p:sldId id="263" r:id="rId8"/>
+    <p:sldId id="266" r:id="rId9"/>
+    <p:sldId id="258" r:id="rId10"/>
+    <p:sldId id="264" r:id="rId11"/>
+    <p:sldId id="261" r:id="rId12"/>
+    <p:sldId id="262" r:id="rId13"/>
+    <p:sldId id="272" r:id="rId14"/>
+    <p:sldId id="271" r:id="rId15"/>
   </p:sldIdLst>
   <p:sldSz cx="12192000" cy="6858000"/>
   <p:notesSz cx="6858000" cy="9144000"/>
@@ -214,7 +217,7 @@
           <a:p>
             <a:fld id="{4DCEAADA-4C47-4769-B95E-71546FB5600D}" type="datetimeFigureOut">
               <a:rPr lang="fr-CH" smtClean="0"/>
-              <a:t>05.12.2015</a:t>
+              <a:t>05.12.15</a:t>
             </a:fld>
             <a:endParaRPr lang="fr-CH"/>
           </a:p>
@@ -384,7 +387,7 @@
           <a:p>
             <a:fld id="{805956EA-FB26-4CDB-951C-46CB272907B1}" type="datetimeFigureOut">
               <a:rPr lang="fr-CH" smtClean="0"/>
-              <a:t>05.12.2015</a:t>
+              <a:t>05.12.15</a:t>
             </a:fld>
             <a:endParaRPr lang="fr-CH"/>
           </a:p>
@@ -718,7 +721,7 @@
           <a:p>
             <a:fld id="{6A0968FE-7051-485D-B2C4-C28AE661FC27}" type="slidenum">
               <a:rPr lang="fr-CH" smtClean="0"/>
-              <a:t>1</a:t>
+              <a:t>2</a:t>
             </a:fld>
             <a:endParaRPr lang="fr-CH"/>
           </a:p>
@@ -4032,6 +4035,14 @@
 <file path=ppt/slides/slide1.xml><?xml version="1.0" encoding="utf-8"?>
 <p:sld xmlns:a="http://schemas.openxmlformats.org/drawingml/2006/main" xmlns:r="http://schemas.openxmlformats.org/officeDocument/2006/relationships" xmlns:p="http://schemas.openxmlformats.org/presentationml/2006/main">
   <p:cSld>
+    <p:bg>
+      <p:bgPr>
+        <a:solidFill>
+          <a:schemeClr val="tx1"/>
+        </a:solidFill>
+        <a:effectLst/>
+      </p:bgPr>
+    </p:bg>
     <p:spTree>
       <p:nvGrpSpPr>
         <p:cNvPr id="1" name=""/>
@@ -4046,6 +4057,43 @@
           <a:chExt cx="0" cy="0"/>
         </a:xfrm>
       </p:grpSpPr>
+    </p:spTree>
+    <p:extLst>
+      <p:ext uri="{BB962C8B-B14F-4D97-AF65-F5344CB8AC3E}">
+        <p14:creationId xmlns:p14="http://schemas.microsoft.com/office/powerpoint/2010/main" val="357787227"/>
+      </p:ext>
+    </p:extLst>
+  </p:cSld>
+  <p:clrMapOvr>
+    <a:masterClrMapping/>
+  </p:clrMapOvr>
+  <p:timing>
+    <p:tnLst>
+      <p:par>
+        <p:cTn id="1" dur="indefinite" restart="never" nodeType="tmRoot"/>
+      </p:par>
+    </p:tnLst>
+  </p:timing>
+</p:sld>
+</file>
+
+<file path=ppt/slides/slide10.xml><?xml version="1.0" encoding="utf-8"?>
+<p:sld xmlns:a="http://schemas.openxmlformats.org/drawingml/2006/main" xmlns:r="http://schemas.openxmlformats.org/officeDocument/2006/relationships" xmlns:p="http://schemas.openxmlformats.org/presentationml/2006/main">
+  <p:cSld>
+    <p:spTree>
+      <p:nvGrpSpPr>
+        <p:cNvPr id="1" name=""/>
+        <p:cNvGrpSpPr/>
+        <p:nvPr/>
+      </p:nvGrpSpPr>
+      <p:grpSpPr>
+        <a:xfrm>
+          <a:off x="0" y="0"/>
+          <a:ext cx="0" cy="0"/>
+          <a:chOff x="0" y="0"/>
+          <a:chExt cx="0" cy="0"/>
+        </a:xfrm>
+      </p:grpSpPr>
       <p:sp>
         <p:nvSpPr>
           <p:cNvPr id="2" name="Title 1"/>
@@ -4053,90 +4101,28 @@
             <a:spLocks noGrp="1"/>
           </p:cNvSpPr>
           <p:nvPr>
-            <p:ph type="ctrTitle"/>
+            <p:ph type="title"/>
           </p:nvPr>
         </p:nvSpPr>
         <p:spPr>
           <a:xfrm>
-            <a:off x="1069848" y="1298448"/>
-            <a:ext cx="7723170" cy="3255264"/>
+            <a:off x="252918" y="1123837"/>
+            <a:ext cx="3110391" cy="4601183"/>
           </a:xfrm>
         </p:spPr>
         <p:txBody>
-          <a:bodyPr>
-            <a:normAutofit fontScale="90000"/>
-          </a:bodyPr>
-          <a:lstStyle/>
-          <a:p>
-            <a:r>
-              <a:rPr lang="fr-CH" dirty="0" smtClean="0"/>
-              <a:t/>
-            </a:r>
-            <a:br>
-              <a:rPr lang="fr-CH" dirty="0" smtClean="0"/>
-            </a:br>
-            <a:r>
-              <a:rPr lang="en-US" sz="5300" b="1" dirty="0"/>
-              <a:t>Development of a file sharing by invitation service based on AWS S3</a:t>
-            </a:r>
-            <a:r>
-              <a:rPr lang="fr-CH" sz="5300" b="1" dirty="0"/>
-              <a:t/>
-            </a:r>
-            <a:br>
-              <a:rPr lang="fr-CH" sz="5300" b="1" dirty="0"/>
-            </a:br>
-            <a:r>
-              <a:rPr lang="fr-CH" sz="5300" b="1" dirty="0" smtClean="0"/>
-              <a:t>					</a:t>
-            </a:r>
-            <a:r>
-              <a:rPr lang="fr-CH" dirty="0" smtClean="0"/>
-              <a:t>Project 17</a:t>
-            </a:r>
-            <a:endParaRPr lang="fr-CH" dirty="0"/>
-          </a:p>
-        </p:txBody>
-      </p:sp>
-      <p:sp>
-        <p:nvSpPr>
-          <p:cNvPr id="3" name="Subtitle 2"/>
-          <p:cNvSpPr>
-            <a:spLocks noGrp="1"/>
-          </p:cNvSpPr>
-          <p:nvPr>
-            <p:ph type="subTitle" idx="1"/>
-          </p:nvPr>
-        </p:nvSpPr>
-        <p:spPr/>
-        <p:txBody>
           <a:bodyPr/>
           <a:lstStyle/>
           <a:p>
             <a:r>
-              <a:rPr lang="fr-CH" dirty="0" smtClean="0"/>
-              <a:t>Mathieu </a:t>
-            </a:r>
-            <a:r>
-              <a:rPr lang="fr-CH" dirty="0" err="1" smtClean="0"/>
-              <a:t>Devaud</a:t>
-            </a:r>
-            <a:endParaRPr lang="fr-CH" dirty="0" smtClean="0"/>
-          </a:p>
-          <a:p>
-            <a:r>
-              <a:rPr lang="fr-CH" dirty="0" err="1" smtClean="0"/>
-              <a:t>Frederic</a:t>
-            </a:r>
-            <a:r>
-              <a:rPr lang="fr-CH" dirty="0" smtClean="0"/>
-              <a:t> </a:t>
-            </a:r>
-            <a:r>
-              <a:rPr lang="fr-CH" dirty="0" err="1" smtClean="0"/>
-              <a:t>Montet</a:t>
-            </a:r>
-            <a:endParaRPr lang="fr-CH" dirty="0"/>
+              <a:rPr lang="fr-CH" b="1" dirty="0" err="1" smtClean="0"/>
+              <a:t>Presigned</a:t>
+            </a:r>
+            <a:r>
+              <a:rPr lang="fr-CH" b="1" dirty="0" smtClean="0"/>
+              <a:t> URL</a:t>
+            </a:r>
+            <a:endParaRPr lang="fr-CH" b="1" dirty="0"/>
           </a:p>
         </p:txBody>
       </p:sp>
@@ -4155,7 +4141,7 @@
           <a:bodyPr/>
           <a:lstStyle/>
           <a:p>
-            <a:fld id="{CB0673B8-73F1-483E-914F-97F91E35C1F7}" type="datetime2">
+            <a:fld id="{567179FF-B5CF-4733-8008-E8A373DC24D9}" type="datetime2">
               <a:rPr lang="en-US" smtClean="0"/>
               <a:t>Saturday, December 5, 2015</a:t>
             </a:fld>
@@ -4179,14 +4165,10 @@
           <a:lstStyle/>
           <a:p>
             <a:r>
-              <a:rPr lang="en-US" b="1" dirty="0"/>
-              <a:t>Development of a file sharing by invitation service based on AWS </a:t>
-            </a:r>
-            <a:r>
-              <a:rPr lang="en-US" b="1" dirty="0" smtClean="0"/>
-              <a:t>S3</a:t>
-            </a:r>
-            <a:endParaRPr lang="fr-CH" b="1" dirty="0"/>
+              <a:rPr lang="en-US" smtClean="0"/>
+              <a:t>Development of a file sharing by invitation service based on AWS S3</a:t>
+            </a:r>
+            <a:endParaRPr lang="en-US" dirty="0"/>
           </a:p>
         </p:txBody>
       </p:sp>
@@ -4208,15 +4190,110 @@
             <a:fld id="{4FAB73BC-B049-4115-A692-8D63A059BFB8}" type="slidenum">
               <a:rPr lang="en-US" smtClean="0"/>
               <a:pPr/>
-              <a:t>1</a:t>
+              <a:t>10</a:t>
             </a:fld>
             <a:endParaRPr lang="en-US" dirty="0"/>
           </a:p>
         </p:txBody>
       </p:sp>
+      <p:sp>
+        <p:nvSpPr>
+          <p:cNvPr id="8" name="Content Placeholder 7"/>
+          <p:cNvSpPr>
+            <a:spLocks noGrp="1"/>
+          </p:cNvSpPr>
+          <p:nvPr>
+            <p:ph idx="1"/>
+          </p:nvPr>
+        </p:nvSpPr>
+        <p:spPr/>
+        <p:txBody>
+          <a:bodyPr/>
+          <a:lstStyle/>
+          <a:p>
+            <a:r>
+              <a:rPr lang="fr-CH" dirty="0" err="1" smtClean="0">
+                <a:latin typeface="Frutiger LT Std 55 Roman" charset="0"/>
+                <a:ea typeface="Frutiger LT Std 55 Roman" charset="0"/>
+                <a:cs typeface="Frutiger LT Std 55 Roman" charset="0"/>
+              </a:rPr>
+              <a:t>Parameters</a:t>
+            </a:r>
+            <a:r>
+              <a:rPr lang="fr-CH" dirty="0" smtClean="0">
+                <a:latin typeface="Frutiger LT Std 55 Roman" charset="0"/>
+                <a:ea typeface="Frutiger LT Std 55 Roman" charset="0"/>
+                <a:cs typeface="Frutiger LT Std 55 Roman" charset="0"/>
+              </a:rPr>
+              <a:t> :</a:t>
+            </a:r>
+          </a:p>
+          <a:p>
+            <a:endParaRPr lang="fr-CH" dirty="0"/>
+          </a:p>
+          <a:p>
+            <a:endParaRPr lang="fr-CH" dirty="0" smtClean="0"/>
+          </a:p>
+          <a:p>
+            <a:endParaRPr lang="fr-CH" dirty="0"/>
+          </a:p>
+          <a:p>
+            <a:endParaRPr lang="fr-CH" dirty="0" smtClean="0"/>
+          </a:p>
+          <a:p>
+            <a:endParaRPr lang="fr-CH" dirty="0"/>
+          </a:p>
+          <a:p>
+            <a:endParaRPr lang="fr-CH" dirty="0" smtClean="0"/>
+          </a:p>
+          <a:p>
+            <a:endParaRPr lang="fr-CH" dirty="0"/>
+          </a:p>
+          <a:p>
+            <a:endParaRPr lang="fr-CH" dirty="0"/>
+          </a:p>
+        </p:txBody>
+      </p:sp>
       <p:pic>
         <p:nvPicPr>
-          <p:cNvPr id="7" name="Picture 6"/>
+          <p:cNvPr id="10" name="Content Placeholder 6"/>
+          <p:cNvPicPr>
+            <a:picLocks noChangeAspect="1"/>
+          </p:cNvPicPr>
+          <p:nvPr/>
+        </p:nvPicPr>
+        <p:blipFill>
+          <a:blip r:embed="rId2"/>
+          <a:stretch>
+            <a:fillRect/>
+          </a:stretch>
+        </p:blipFill>
+        <p:spPr>
+          <a:xfrm>
+            <a:off x="4065143" y="2105470"/>
+            <a:ext cx="4124325" cy="1838325"/>
+          </a:xfrm>
+          <a:prstGeom prst="roundRect">
+            <a:avLst>
+              <a:gd name="adj" fmla="val 8594"/>
+            </a:avLst>
+          </a:prstGeom>
+          <a:solidFill>
+            <a:srgbClr val="FFFFFF">
+              <a:shade val="85000"/>
+            </a:srgbClr>
+          </a:solidFill>
+          <a:ln>
+            <a:noFill/>
+          </a:ln>
+          <a:effectLst>
+            <a:reflection blurRad="12700" stA="38000" endPos="28000" dist="5000" dir="5400000" sy="-100000" algn="bl" rotWithShape="0"/>
+          </a:effectLst>
+        </p:spPr>
+      </p:pic>
+      <p:pic>
+        <p:nvPicPr>
+          <p:cNvPr id="11" name="Picture 10"/>
           <p:cNvPicPr/>
           <p:nvPr/>
         </p:nvPicPr>
@@ -4251,7 +4328,7 @@
       </p:pic>
       <p:pic>
         <p:nvPicPr>
-          <p:cNvPr id="8" name="Image 1"/>
+          <p:cNvPr id="12" name="Image 1"/>
           <p:cNvPicPr>
             <a:picLocks noChangeAspect="1"/>
           </p:cNvPicPr>
@@ -4272,7 +4349,7 @@
         </p:blipFill>
         <p:spPr bwMode="auto">
           <a:xfrm>
-            <a:off x="130387" y="73169"/>
+            <a:off x="2187787" y="43371"/>
             <a:ext cx="1260987" cy="648000"/>
           </a:xfrm>
           <a:prstGeom prst="rect">
@@ -4287,7 +4364,7 @@
     </p:spTree>
     <p:extLst>
       <p:ext uri="{BB962C8B-B14F-4D97-AF65-F5344CB8AC3E}">
-        <p14:creationId xmlns:p14="http://schemas.microsoft.com/office/powerpoint/2010/main" val="220936655"/>
+        <p14:creationId xmlns:p14="http://schemas.microsoft.com/office/powerpoint/2010/main" val="143658703"/>
       </p:ext>
     </p:extLst>
   </p:cSld>
@@ -4304,7 +4381,7 @@
 </p:sld>
 </file>
 
-<file path=ppt/slides/slide10.xml><?xml version="1.0" encoding="utf-8"?>
+<file path=ppt/slides/slide11.xml><?xml version="1.0" encoding="utf-8"?>
 <p:sld xmlns:a="http://schemas.openxmlformats.org/drawingml/2006/main" xmlns:r="http://schemas.openxmlformats.org/officeDocument/2006/relationships" xmlns:p="http://schemas.openxmlformats.org/presentationml/2006/main">
   <p:cSld>
     <p:spTree>
@@ -4334,7 +4411,7 @@
         <p:spPr>
           <a:xfrm>
             <a:off x="252918" y="1123837"/>
-            <a:ext cx="3053699" cy="4601183"/>
+            <a:ext cx="3195856" cy="4601183"/>
           </a:xfrm>
         </p:spPr>
         <p:txBody>
@@ -4342,10 +4419,10 @@
           <a:lstStyle/>
           <a:p>
             <a:r>
-              <a:rPr lang="fr-CH" dirty="0" err="1" smtClean="0"/>
+              <a:rPr lang="fr-CH" b="1" dirty="0" err="1" smtClean="0"/>
               <a:t>Demonstration</a:t>
             </a:r>
-            <a:endParaRPr lang="fr-CH" dirty="0"/>
+            <a:endParaRPr lang="fr-CH" b="1" dirty="0"/>
           </a:p>
         </p:txBody>
       </p:sp>
@@ -4365,22 +4442,42 @@
           <a:lstStyle/>
           <a:p>
             <a:r>
-              <a:rPr lang="fr-CH" dirty="0" err="1" smtClean="0"/>
+              <a:rPr lang="fr-CH" dirty="0" err="1" smtClean="0">
+                <a:latin typeface="Frutiger LT Std 55 Roman" charset="0"/>
+                <a:ea typeface="Frutiger LT Std 55 Roman" charset="0"/>
+                <a:cs typeface="Frutiger LT Std 55 Roman" charset="0"/>
+              </a:rPr>
               <a:t>Enjoy</a:t>
             </a:r>
             <a:r>
-              <a:rPr lang="fr-CH" dirty="0" smtClean="0"/>
+              <a:rPr lang="fr-CH" dirty="0" smtClean="0">
+                <a:latin typeface="Frutiger LT Std 55 Roman" charset="0"/>
+                <a:ea typeface="Frutiger LT Std 55 Roman" charset="0"/>
+                <a:cs typeface="Frutiger LT Std 55 Roman" charset="0"/>
+              </a:rPr>
               <a:t> the </a:t>
             </a:r>
             <a:r>
-              <a:rPr lang="fr-CH" dirty="0" err="1" smtClean="0"/>
+              <a:rPr lang="fr-CH" dirty="0" err="1" smtClean="0">
+                <a:latin typeface="Frutiger LT Std 55 Roman" charset="0"/>
+                <a:ea typeface="Frutiger LT Std 55 Roman" charset="0"/>
+                <a:cs typeface="Frutiger LT Std 55 Roman" charset="0"/>
+              </a:rPr>
               <a:t>demonstration</a:t>
             </a:r>
             <a:r>
-              <a:rPr lang="fr-CH" dirty="0" smtClean="0"/>
+              <a:rPr lang="fr-CH" dirty="0" smtClean="0">
+                <a:latin typeface="Frutiger LT Std 55 Roman" charset="0"/>
+                <a:ea typeface="Frutiger LT Std 55 Roman" charset="0"/>
+                <a:cs typeface="Frutiger LT Std 55 Roman" charset="0"/>
+              </a:rPr>
               <a:t> !</a:t>
             </a:r>
-            <a:endParaRPr lang="fr-CH" dirty="0"/>
+            <a:endParaRPr lang="fr-CH" dirty="0">
+              <a:latin typeface="Frutiger LT Std 55 Roman" charset="0"/>
+              <a:ea typeface="Frutiger LT Std 55 Roman" charset="0"/>
+              <a:cs typeface="Frutiger LT Std 55 Roman" charset="0"/>
+            </a:endParaRPr>
           </a:p>
         </p:txBody>
       </p:sp>
@@ -4448,7 +4545,7 @@
             <a:fld id="{4FAB73BC-B049-4115-A692-8D63A059BFB8}" type="slidenum">
               <a:rPr lang="en-US" smtClean="0"/>
               <a:pPr/>
-              <a:t>10</a:t>
+              <a:t>11</a:t>
             </a:fld>
             <a:endParaRPr lang="en-US" dirty="0"/>
           </a:p>
@@ -4544,7 +4641,7 @@
 </p:sld>
 </file>
 
-<file path=ppt/slides/slide11.xml><?xml version="1.0" encoding="utf-8"?>
+<file path=ppt/slides/slide12.xml><?xml version="1.0" encoding="utf-8"?>
 <p:sld xmlns:a="http://schemas.openxmlformats.org/drawingml/2006/main" xmlns:r="http://schemas.openxmlformats.org/officeDocument/2006/relationships" xmlns:p="http://schemas.openxmlformats.org/presentationml/2006/main">
   <p:cSld>
     <p:spTree>
@@ -4577,10 +4674,10 @@
           <a:lstStyle/>
           <a:p>
             <a:r>
-              <a:rPr lang="fr-CH" dirty="0" smtClean="0"/>
+              <a:rPr lang="fr-CH" b="1" dirty="0" smtClean="0"/>
               <a:t>Conclusion</a:t>
             </a:r>
-            <a:endParaRPr lang="fr-CH" dirty="0"/>
+            <a:endParaRPr lang="fr-CH" b="1" dirty="0"/>
           </a:p>
         </p:txBody>
       </p:sp>
@@ -4600,155 +4697,299 @@
           <a:lstStyle/>
           <a:p>
             <a:r>
-              <a:rPr lang="fr-CH" dirty="0"/>
+              <a:rPr lang="fr-CH" dirty="0">
+                <a:latin typeface="Frutiger LT Std 55 Roman" charset="0"/>
+                <a:ea typeface="Frutiger LT Std 55 Roman" charset="0"/>
+                <a:cs typeface="Frutiger LT Std 55 Roman" charset="0"/>
+              </a:rPr>
               <a:t>9</a:t>
             </a:r>
             <a:r>
-              <a:rPr lang="fr-CH" dirty="0" smtClean="0"/>
+              <a:rPr lang="fr-CH" dirty="0" smtClean="0">
+                <a:latin typeface="Frutiger LT Std 55 Roman" charset="0"/>
+                <a:ea typeface="Frutiger LT Std 55 Roman" charset="0"/>
+                <a:cs typeface="Frutiger LT Std 55 Roman" charset="0"/>
+              </a:rPr>
               <a:t>0 % objectives </a:t>
             </a:r>
             <a:r>
-              <a:rPr lang="fr-CH" dirty="0" err="1" smtClean="0"/>
+              <a:rPr lang="fr-CH" dirty="0" err="1" smtClean="0">
+                <a:latin typeface="Frutiger LT Std 55 Roman" charset="0"/>
+                <a:ea typeface="Frutiger LT Std 55 Roman" charset="0"/>
+                <a:cs typeface="Frutiger LT Std 55 Roman" charset="0"/>
+              </a:rPr>
               <a:t>reached</a:t>
             </a:r>
-            <a:endParaRPr lang="fr-CH" dirty="0"/>
-          </a:p>
-          <a:p>
-            <a:r>
-              <a:rPr lang="fr-CH" dirty="0" smtClean="0"/>
+            <a:endParaRPr lang="fr-CH" dirty="0">
+              <a:latin typeface="Frutiger LT Std 55 Roman" charset="0"/>
+              <a:ea typeface="Frutiger LT Std 55 Roman" charset="0"/>
+              <a:cs typeface="Frutiger LT Std 55 Roman" charset="0"/>
+            </a:endParaRPr>
+          </a:p>
+          <a:p>
+            <a:r>
+              <a:rPr lang="fr-CH" dirty="0" smtClean="0">
+                <a:latin typeface="Frutiger LT Std 55 Roman" charset="0"/>
+                <a:ea typeface="Frutiger LT Std 55 Roman" charset="0"/>
+                <a:cs typeface="Frutiger LT Std 55 Roman" charset="0"/>
+              </a:rPr>
               <a:t>Good team spirit</a:t>
             </a:r>
           </a:p>
           <a:p>
             <a:r>
-              <a:rPr lang="fr-CH" dirty="0" smtClean="0"/>
+              <a:rPr lang="fr-CH" dirty="0" smtClean="0">
+                <a:latin typeface="Frutiger LT Std 55 Roman" charset="0"/>
+                <a:ea typeface="Frutiger LT Std 55 Roman" charset="0"/>
+                <a:cs typeface="Frutiger LT Std 55 Roman" charset="0"/>
+              </a:rPr>
               <a:t>Lots of new </a:t>
             </a:r>
             <a:r>
-              <a:rPr lang="fr-CH" dirty="0" err="1" smtClean="0"/>
+              <a:rPr lang="fr-CH" dirty="0" err="1" smtClean="0">
+                <a:latin typeface="Frutiger LT Std 55 Roman" charset="0"/>
+                <a:ea typeface="Frutiger LT Std 55 Roman" charset="0"/>
+                <a:cs typeface="Frutiger LT Std 55 Roman" charset="0"/>
+              </a:rPr>
               <a:t>things</a:t>
             </a:r>
             <a:r>
-              <a:rPr lang="fr-CH" dirty="0" smtClean="0"/>
+              <a:rPr lang="fr-CH" dirty="0" smtClean="0">
+                <a:latin typeface="Frutiger LT Std 55 Roman" charset="0"/>
+                <a:ea typeface="Frutiger LT Std 55 Roman" charset="0"/>
+                <a:cs typeface="Frutiger LT Std 55 Roman" charset="0"/>
+              </a:rPr>
               <a:t> </a:t>
             </a:r>
             <a:r>
-              <a:rPr lang="fr-CH" dirty="0" err="1" smtClean="0"/>
+              <a:rPr lang="fr-CH" dirty="0" err="1" smtClean="0">
+                <a:latin typeface="Frutiger LT Std 55 Roman" charset="0"/>
+                <a:ea typeface="Frutiger LT Std 55 Roman" charset="0"/>
+                <a:cs typeface="Frutiger LT Std 55 Roman" charset="0"/>
+              </a:rPr>
               <a:t>learned</a:t>
             </a:r>
             <a:r>
-              <a:rPr lang="fr-CH" dirty="0" smtClean="0"/>
+              <a:rPr lang="fr-CH" dirty="0" smtClean="0">
+                <a:latin typeface="Frutiger LT Std 55 Roman" charset="0"/>
+                <a:ea typeface="Frutiger LT Std 55 Roman" charset="0"/>
+                <a:cs typeface="Frutiger LT Std 55 Roman" charset="0"/>
+              </a:rPr>
               <a:t> (the hard </a:t>
             </a:r>
             <a:r>
-              <a:rPr lang="fr-CH" dirty="0" err="1" smtClean="0"/>
+              <a:rPr lang="fr-CH" dirty="0" err="1" smtClean="0">
+                <a:latin typeface="Frutiger LT Std 55 Roman" charset="0"/>
+                <a:ea typeface="Frutiger LT Std 55 Roman" charset="0"/>
+                <a:cs typeface="Frutiger LT Std 55 Roman" charset="0"/>
+              </a:rPr>
               <a:t>way</a:t>
             </a:r>
             <a:r>
-              <a:rPr lang="fr-CH" dirty="0" smtClean="0"/>
+              <a:rPr lang="fr-CH" dirty="0" smtClean="0">
+                <a:latin typeface="Frutiger LT Std 55 Roman" charset="0"/>
+                <a:ea typeface="Frutiger LT Std 55 Roman" charset="0"/>
+                <a:cs typeface="Frutiger LT Std 55 Roman" charset="0"/>
+              </a:rPr>
               <a:t>)</a:t>
             </a:r>
           </a:p>
           <a:p>
-            <a:endParaRPr lang="fr-CH" dirty="0"/>
-          </a:p>
-          <a:p>
-            <a:r>
-              <a:rPr lang="fr-CH" dirty="0" err="1" smtClean="0"/>
+            <a:endParaRPr lang="fr-CH" dirty="0">
+              <a:latin typeface="Frutiger LT Std 55 Roman" charset="0"/>
+              <a:ea typeface="Frutiger LT Std 55 Roman" charset="0"/>
+              <a:cs typeface="Frutiger LT Std 55 Roman" charset="0"/>
+            </a:endParaRPr>
+          </a:p>
+          <a:p>
+            <a:r>
+              <a:rPr lang="fr-CH" dirty="0" err="1" smtClean="0">
+                <a:latin typeface="Frutiger LT Std 55 Roman" charset="0"/>
+                <a:ea typeface="Frutiger LT Std 55 Roman" charset="0"/>
+                <a:cs typeface="Frutiger LT Std 55 Roman" charset="0"/>
+              </a:rPr>
               <a:t>Improvements</a:t>
             </a:r>
             <a:r>
-              <a:rPr lang="fr-CH" dirty="0" smtClean="0"/>
+              <a:rPr lang="fr-CH" dirty="0" smtClean="0">
+                <a:latin typeface="Frutiger LT Std 55 Roman" charset="0"/>
+                <a:ea typeface="Frutiger LT Std 55 Roman" charset="0"/>
+                <a:cs typeface="Frutiger LT Std 55 Roman" charset="0"/>
+              </a:rPr>
               <a:t> : </a:t>
             </a:r>
           </a:p>
           <a:p>
             <a:pPr lvl="1"/>
             <a:r>
-              <a:rPr lang="fr-CH" dirty="0" err="1" smtClean="0"/>
+              <a:rPr lang="fr-CH" dirty="0" err="1" smtClean="0">
+                <a:latin typeface="Frutiger LT Std 55 Roman" charset="0"/>
+                <a:ea typeface="Frutiger LT Std 55 Roman" charset="0"/>
+                <a:cs typeface="Frutiger LT Std 55 Roman" charset="0"/>
+              </a:rPr>
               <a:t>Handle</a:t>
             </a:r>
             <a:r>
-              <a:rPr lang="fr-CH" dirty="0" smtClean="0"/>
+              <a:rPr lang="fr-CH" dirty="0" smtClean="0">
+                <a:latin typeface="Frutiger LT Std 55 Roman" charset="0"/>
+                <a:ea typeface="Frutiger LT Std 55 Roman" charset="0"/>
+                <a:cs typeface="Frutiger LT Std 55 Roman" charset="0"/>
+              </a:rPr>
               <a:t> the </a:t>
             </a:r>
             <a:r>
-              <a:rPr lang="fr-CH" dirty="0" err="1" smtClean="0"/>
+              <a:rPr lang="fr-CH" dirty="0" err="1" smtClean="0">
+                <a:latin typeface="Frutiger LT Std 55 Roman" charset="0"/>
+                <a:ea typeface="Frutiger LT Std 55 Roman" charset="0"/>
+                <a:cs typeface="Frutiger LT Std 55 Roman" charset="0"/>
+              </a:rPr>
               <a:t>boundary</a:t>
             </a:r>
             <a:r>
-              <a:rPr lang="fr-CH" dirty="0" smtClean="0"/>
+              <a:rPr lang="fr-CH" dirty="0" smtClean="0">
+                <a:latin typeface="Frutiger LT Std 55 Roman" charset="0"/>
+                <a:ea typeface="Frutiger LT Std 55 Roman" charset="0"/>
+                <a:cs typeface="Frutiger LT Std 55 Roman" charset="0"/>
+              </a:rPr>
               <a:t> </a:t>
             </a:r>
             <a:r>
-              <a:rPr lang="fr-CH" dirty="0" err="1" smtClean="0"/>
+              <a:rPr lang="fr-CH" dirty="0" err="1" smtClean="0">
+                <a:latin typeface="Frutiger LT Std 55 Roman" charset="0"/>
+                <a:ea typeface="Frutiger LT Std 55 Roman" charset="0"/>
+                <a:cs typeface="Frutiger LT Std 55 Roman" charset="0"/>
+              </a:rPr>
               <a:t>problem</a:t>
             </a:r>
             <a:r>
-              <a:rPr lang="fr-CH" dirty="0"/>
+              <a:rPr lang="fr-CH" dirty="0">
+                <a:latin typeface="Frutiger LT Std 55 Roman" charset="0"/>
+                <a:ea typeface="Frutiger LT Std 55 Roman" charset="0"/>
+                <a:cs typeface="Frutiger LT Std 55 Roman" charset="0"/>
+              </a:rPr>
               <a:t> </a:t>
             </a:r>
             <a:r>
-              <a:rPr lang="fr-CH" dirty="0" err="1" smtClean="0"/>
+              <a:rPr lang="fr-CH" dirty="0" err="1" smtClean="0">
+                <a:latin typeface="Frutiger LT Std 55 Roman" charset="0"/>
+                <a:ea typeface="Frutiger LT Std 55 Roman" charset="0"/>
+                <a:cs typeface="Frutiger LT Std 55 Roman" charset="0"/>
+              </a:rPr>
               <a:t>when</a:t>
             </a:r>
             <a:r>
-              <a:rPr lang="fr-CH" dirty="0" smtClean="0"/>
+              <a:rPr lang="fr-CH" dirty="0" smtClean="0">
+                <a:latin typeface="Frutiger LT Std 55 Roman" charset="0"/>
+                <a:ea typeface="Frutiger LT Std 55 Roman" charset="0"/>
+                <a:cs typeface="Frutiger LT Std 55 Roman" charset="0"/>
+              </a:rPr>
               <a:t> </a:t>
             </a:r>
             <a:r>
-              <a:rPr lang="fr-CH" dirty="0" err="1" smtClean="0"/>
+              <a:rPr lang="fr-CH" dirty="0" err="1" smtClean="0">
+                <a:latin typeface="Frutiger LT Std 55 Roman" charset="0"/>
+                <a:ea typeface="Frutiger LT Std 55 Roman" charset="0"/>
+                <a:cs typeface="Frutiger LT Std 55 Roman" charset="0"/>
+              </a:rPr>
               <a:t>uploading</a:t>
             </a:r>
             <a:r>
-              <a:rPr lang="fr-CH" dirty="0" smtClean="0"/>
+              <a:rPr lang="fr-CH" dirty="0" smtClean="0">
+                <a:latin typeface="Frutiger LT Std 55 Roman" charset="0"/>
+                <a:ea typeface="Frutiger LT Std 55 Roman" charset="0"/>
+                <a:cs typeface="Frutiger LT Std 55 Roman" charset="0"/>
+              </a:rPr>
               <a:t> </a:t>
             </a:r>
           </a:p>
           <a:p>
             <a:pPr lvl="1"/>
             <a:r>
-              <a:rPr lang="fr-CH" dirty="0" err="1" smtClean="0"/>
+              <a:rPr lang="fr-CH" dirty="0" err="1" smtClean="0">
+                <a:latin typeface="Frutiger LT Std 55 Roman" charset="0"/>
+                <a:ea typeface="Frutiger LT Std 55 Roman" charset="0"/>
+                <a:cs typeface="Frutiger LT Std 55 Roman" charset="0"/>
+              </a:rPr>
               <a:t>Status</a:t>
             </a:r>
             <a:r>
-              <a:rPr lang="fr-CH" dirty="0" smtClean="0"/>
+              <a:rPr lang="fr-CH" dirty="0" smtClean="0">
+                <a:latin typeface="Frutiger LT Std 55 Roman" charset="0"/>
+                <a:ea typeface="Frutiger LT Std 55 Roman" charset="0"/>
+                <a:cs typeface="Frutiger LT Std 55 Roman" charset="0"/>
+              </a:rPr>
               <a:t> monitoring </a:t>
             </a:r>
             <a:r>
-              <a:rPr lang="fr-CH" dirty="0" err="1" smtClean="0"/>
+              <a:rPr lang="fr-CH" dirty="0" err="1" smtClean="0">
+                <a:latin typeface="Frutiger LT Std 55 Roman" charset="0"/>
+                <a:ea typeface="Frutiger LT Std 55 Roman" charset="0"/>
+                <a:cs typeface="Frutiger LT Std 55 Roman" charset="0"/>
+              </a:rPr>
               <a:t>based</a:t>
             </a:r>
             <a:r>
-              <a:rPr lang="fr-CH" dirty="0" smtClean="0"/>
+              <a:rPr lang="fr-CH" dirty="0" smtClean="0">
+                <a:latin typeface="Frutiger LT Std 55 Roman" charset="0"/>
+                <a:ea typeface="Frutiger LT Std 55 Roman" charset="0"/>
+                <a:cs typeface="Frutiger LT Std 55 Roman" charset="0"/>
+              </a:rPr>
               <a:t> on </a:t>
             </a:r>
             <a:r>
-              <a:rPr lang="fr-CH" dirty="0" err="1" smtClean="0"/>
+              <a:rPr lang="fr-CH" dirty="0" err="1" smtClean="0">
+                <a:latin typeface="Frutiger LT Std 55 Roman" charset="0"/>
+                <a:ea typeface="Frutiger LT Std 55 Roman" charset="0"/>
+                <a:cs typeface="Frutiger LT Std 55 Roman" charset="0"/>
+              </a:rPr>
               <a:t>Cloudwatch</a:t>
             </a:r>
-            <a:endParaRPr lang="fr-CH" dirty="0" smtClean="0"/>
+            <a:endParaRPr lang="fr-CH" dirty="0" smtClean="0">
+              <a:latin typeface="Frutiger LT Std 55 Roman" charset="0"/>
+              <a:ea typeface="Frutiger LT Std 55 Roman" charset="0"/>
+              <a:cs typeface="Frutiger LT Std 55 Roman" charset="0"/>
+            </a:endParaRPr>
           </a:p>
           <a:p>
             <a:pPr lvl="1"/>
             <a:r>
-              <a:rPr lang="fr-CH" dirty="0" smtClean="0"/>
+              <a:rPr lang="fr-CH" dirty="0" smtClean="0">
+                <a:latin typeface="Frutiger LT Std 55 Roman" charset="0"/>
+                <a:ea typeface="Frutiger LT Std 55 Roman" charset="0"/>
+                <a:cs typeface="Frutiger LT Std 55 Roman" charset="0"/>
+              </a:rPr>
               <a:t>URL </a:t>
             </a:r>
             <a:r>
-              <a:rPr lang="fr-CH" dirty="0" err="1" smtClean="0"/>
+              <a:rPr lang="fr-CH" dirty="0" err="1" smtClean="0">
+                <a:latin typeface="Frutiger LT Std 55 Roman" charset="0"/>
+                <a:ea typeface="Frutiger LT Std 55 Roman" charset="0"/>
+                <a:cs typeface="Frutiger LT Std 55 Roman" charset="0"/>
+              </a:rPr>
               <a:t>shortener</a:t>
             </a:r>
-            <a:endParaRPr lang="fr-CH" dirty="0" smtClean="0"/>
+            <a:endParaRPr lang="fr-CH" dirty="0" smtClean="0">
+              <a:latin typeface="Frutiger LT Std 55 Roman" charset="0"/>
+              <a:ea typeface="Frutiger LT Std 55 Roman" charset="0"/>
+              <a:cs typeface="Frutiger LT Std 55 Roman" charset="0"/>
+            </a:endParaRPr>
           </a:p>
           <a:p>
             <a:pPr lvl="1"/>
             <a:r>
-              <a:rPr lang="fr-CH" dirty="0" err="1" smtClean="0"/>
+              <a:rPr lang="fr-CH" dirty="0" err="1" smtClean="0">
+                <a:latin typeface="Frutiger LT Std 55 Roman" charset="0"/>
+                <a:ea typeface="Frutiger LT Std 55 Roman" charset="0"/>
+                <a:cs typeface="Frutiger LT Std 55 Roman" charset="0"/>
+              </a:rPr>
               <a:t>Deployement</a:t>
             </a:r>
             <a:r>
-              <a:rPr lang="fr-CH" dirty="0" smtClean="0"/>
+              <a:rPr lang="fr-CH" dirty="0" smtClean="0">
+                <a:latin typeface="Frutiger LT Std 55 Roman" charset="0"/>
+                <a:ea typeface="Frutiger LT Std 55 Roman" charset="0"/>
+                <a:cs typeface="Frutiger LT Std 55 Roman" charset="0"/>
+              </a:rPr>
               <a:t> on production</a:t>
             </a:r>
           </a:p>
@@ -4826,7 +5067,7 @@
             <a:fld id="{4FAB73BC-B049-4115-A692-8D63A059BFB8}" type="slidenum">
               <a:rPr lang="en-US" smtClean="0"/>
               <a:pPr/>
-              <a:t>11</a:t>
+              <a:t>12</a:t>
             </a:fld>
             <a:endParaRPr lang="en-US" dirty="0"/>
           </a:p>
@@ -4922,6 +5163,327 @@
 </p:sld>
 </file>
 
+<file path=ppt/slides/slide13.xml><?xml version="1.0" encoding="utf-8"?>
+<p:sld xmlns:a="http://schemas.openxmlformats.org/drawingml/2006/main" xmlns:r="http://schemas.openxmlformats.org/officeDocument/2006/relationships" xmlns:p="http://schemas.openxmlformats.org/presentationml/2006/main">
+  <p:cSld>
+    <p:spTree>
+      <p:nvGrpSpPr>
+        <p:cNvPr id="1" name=""/>
+        <p:cNvGrpSpPr/>
+        <p:nvPr/>
+      </p:nvGrpSpPr>
+      <p:grpSpPr>
+        <a:xfrm>
+          <a:off x="0" y="0"/>
+          <a:ext cx="0" cy="0"/>
+          <a:chOff x="0" y="0"/>
+          <a:chExt cx="0" cy="0"/>
+        </a:xfrm>
+      </p:grpSpPr>
+      <p:sp>
+        <p:nvSpPr>
+          <p:cNvPr id="4" name="Date Placeholder 3"/>
+          <p:cNvSpPr>
+            <a:spLocks noGrp="1"/>
+          </p:cNvSpPr>
+          <p:nvPr>
+            <p:ph type="dt" sz="half" idx="10"/>
+          </p:nvPr>
+        </p:nvSpPr>
+        <p:spPr/>
+        <p:txBody>
+          <a:bodyPr/>
+          <a:lstStyle/>
+          <a:p>
+            <a:fld id="{567179FF-B5CF-4733-8008-E8A373DC24D9}" type="datetime2">
+              <a:rPr lang="en-US" smtClean="0"/>
+              <a:t>Saturday, December 5, 2015</a:t>
+            </a:fld>
+            <a:endParaRPr lang="en-US" dirty="0"/>
+          </a:p>
+        </p:txBody>
+      </p:sp>
+      <p:sp>
+        <p:nvSpPr>
+          <p:cNvPr id="5" name="Footer Placeholder 4"/>
+          <p:cNvSpPr>
+            <a:spLocks noGrp="1"/>
+          </p:cNvSpPr>
+          <p:nvPr>
+            <p:ph type="ftr" sz="quarter" idx="11"/>
+          </p:nvPr>
+        </p:nvSpPr>
+        <p:spPr/>
+        <p:txBody>
+          <a:bodyPr/>
+          <a:lstStyle/>
+          <a:p>
+            <a:r>
+              <a:rPr lang="en-US" smtClean="0"/>
+              <a:t>Development of a file sharing by invitation service based on AWS S3</a:t>
+            </a:r>
+            <a:endParaRPr lang="en-US" dirty="0"/>
+          </a:p>
+        </p:txBody>
+      </p:sp>
+      <p:sp>
+        <p:nvSpPr>
+          <p:cNvPr id="6" name="Slide Number Placeholder 5"/>
+          <p:cNvSpPr>
+            <a:spLocks noGrp="1"/>
+          </p:cNvSpPr>
+          <p:nvPr>
+            <p:ph type="sldNum" sz="quarter" idx="12"/>
+          </p:nvPr>
+        </p:nvSpPr>
+        <p:spPr/>
+        <p:txBody>
+          <a:bodyPr/>
+          <a:lstStyle/>
+          <a:p>
+            <a:fld id="{4FAB73BC-B049-4115-A692-8D63A059BFB8}" type="slidenum">
+              <a:rPr lang="en-US" smtClean="0"/>
+              <a:pPr/>
+              <a:t>13</a:t>
+            </a:fld>
+            <a:endParaRPr lang="en-US" dirty="0"/>
+          </a:p>
+        </p:txBody>
+      </p:sp>
+      <p:pic>
+        <p:nvPicPr>
+          <p:cNvPr id="7" name="Image 1"/>
+          <p:cNvPicPr>
+            <a:picLocks noChangeAspect="1"/>
+          </p:cNvPicPr>
+          <p:nvPr/>
+        </p:nvPicPr>
+        <p:blipFill>
+          <a:blip r:embed="rId2">
+            <a:extLst>
+              <a:ext uri="{28A0092B-C50C-407E-A947-70E740481C1C}">
+                <a14:useLocalDpi xmlns:a14="http://schemas.microsoft.com/office/drawing/2010/main" val="0"/>
+              </a:ext>
+            </a:extLst>
+          </a:blip>
+          <a:srcRect/>
+          <a:stretch>
+            <a:fillRect/>
+          </a:stretch>
+        </p:blipFill>
+        <p:spPr bwMode="auto">
+          <a:xfrm>
+            <a:off x="2187787" y="43371"/>
+            <a:ext cx="1260987" cy="648000"/>
+          </a:xfrm>
+          <a:prstGeom prst="rect">
+            <a:avLst/>
+          </a:prstGeom>
+          <a:noFill/>
+          <a:ln>
+            <a:noFill/>
+          </a:ln>
+        </p:spPr>
+      </p:pic>
+      <p:pic>
+        <p:nvPicPr>
+          <p:cNvPr id="8" name="Picture 7"/>
+          <p:cNvPicPr/>
+          <p:nvPr/>
+        </p:nvPicPr>
+        <p:blipFill rotWithShape="1">
+          <a:blip r:embed="rId3">
+            <a:extLst>
+              <a:ext uri="{28A0092B-C50C-407E-A947-70E740481C1C}">
+                <a14:useLocalDpi xmlns:a14="http://schemas.microsoft.com/office/drawing/2010/main" val="0"/>
+              </a:ext>
+            </a:extLst>
+          </a:blip>
+          <a:srcRect t="35423" b="36238"/>
+          <a:stretch/>
+        </p:blipFill>
+        <p:spPr bwMode="auto">
+          <a:xfrm>
+            <a:off x="8385048" y="65214"/>
+            <a:ext cx="3721735" cy="655955"/>
+          </a:xfrm>
+          <a:prstGeom prst="rect">
+            <a:avLst/>
+          </a:prstGeom>
+          <a:ln>
+            <a:noFill/>
+          </a:ln>
+          <a:extLst>
+            <a:ext uri="{53640926-AAD7-44D8-BBD7-CCE9431645EC}">
+              <a14:shadowObscured xmlns:a14="http://schemas.microsoft.com/office/drawing/2010/main"/>
+            </a:ext>
+          </a:extLst>
+        </p:spPr>
+      </p:pic>
+      <p:sp>
+        <p:nvSpPr>
+          <p:cNvPr id="11" name="Title 1"/>
+          <p:cNvSpPr txBox="1">
+            <a:spLocks/>
+          </p:cNvSpPr>
+          <p:nvPr/>
+        </p:nvSpPr>
+        <p:spPr>
+          <a:xfrm>
+            <a:off x="405319" y="1276237"/>
+            <a:ext cx="2947482" cy="4601183"/>
+          </a:xfrm>
+          <a:prstGeom prst="rect">
+            <a:avLst/>
+          </a:prstGeom>
+        </p:spPr>
+        <p:txBody>
+          <a:bodyPr vert="horz" lIns="91440" tIns="45720" rIns="91440" bIns="45720" rtlCol="0" anchor="ctr">
+            <a:normAutofit/>
+          </a:bodyPr>
+          <a:lstStyle>
+            <a:lvl1pPr algn="l" defTabSz="914400" rtl="0" eaLnBrk="1" latinLnBrk="0" hangingPunct="1">
+              <a:lnSpc>
+                <a:spcPct val="90000"/>
+              </a:lnSpc>
+              <a:spcBef>
+                <a:spcPct val="0"/>
+              </a:spcBef>
+              <a:buNone/>
+              <a:defRPr sz="3600" kern="1200" spc="-60" baseline="0">
+                <a:solidFill>
+                  <a:srgbClr val="FFFFFF"/>
+                </a:solidFill>
+                <a:latin typeface="+mj-lt"/>
+                <a:ea typeface="+mj-ea"/>
+                <a:cs typeface="+mj-cs"/>
+              </a:defRPr>
+            </a:lvl1pPr>
+          </a:lstStyle>
+          <a:p>
+            <a:r>
+              <a:rPr lang="fr-CH" b="1" dirty="0" smtClean="0"/>
+              <a:t>Question</a:t>
+            </a:r>
+            <a:endParaRPr lang="fr-CH" b="1" dirty="0"/>
+          </a:p>
+        </p:txBody>
+      </p:sp>
+      <p:sp>
+        <p:nvSpPr>
+          <p:cNvPr id="12" name="Title 11"/>
+          <p:cNvSpPr>
+            <a:spLocks noGrp="1"/>
+          </p:cNvSpPr>
+          <p:nvPr>
+            <p:ph type="title"/>
+          </p:nvPr>
+        </p:nvSpPr>
+        <p:spPr>
+          <a:xfrm>
+            <a:off x="7298433" y="2473295"/>
+            <a:ext cx="2947482" cy="1822127"/>
+          </a:xfrm>
+        </p:spPr>
+        <p:txBody>
+          <a:bodyPr>
+            <a:normAutofit/>
+          </a:bodyPr>
+          <a:lstStyle/>
+          <a:p>
+            <a:r>
+              <a:rPr lang="fr-CH" sz="11500" dirty="0" smtClean="0">
+                <a:solidFill>
+                  <a:schemeClr val="tx1">
+                    <a:lumMod val="50000"/>
+                    <a:lumOff val="50000"/>
+                  </a:schemeClr>
+                </a:solidFill>
+                <a:latin typeface="Frutiger LT Std 55 Roman" charset="0"/>
+                <a:ea typeface="Frutiger LT Std 55 Roman" charset="0"/>
+                <a:cs typeface="Frutiger LT Std 55 Roman" charset="0"/>
+              </a:rPr>
+              <a:t>?</a:t>
+            </a:r>
+            <a:endParaRPr lang="fr-CH" sz="11500" dirty="0">
+              <a:solidFill>
+                <a:schemeClr val="tx1">
+                  <a:lumMod val="50000"/>
+                  <a:lumOff val="50000"/>
+                </a:schemeClr>
+              </a:solidFill>
+              <a:latin typeface="Frutiger LT Std 55 Roman" charset="0"/>
+              <a:ea typeface="Frutiger LT Std 55 Roman" charset="0"/>
+              <a:cs typeface="Frutiger LT Std 55 Roman" charset="0"/>
+            </a:endParaRPr>
+          </a:p>
+        </p:txBody>
+      </p:sp>
+    </p:spTree>
+    <p:extLst>
+      <p:ext uri="{BB962C8B-B14F-4D97-AF65-F5344CB8AC3E}">
+        <p14:creationId xmlns:p14="http://schemas.microsoft.com/office/powerpoint/2010/main" val="1213391901"/>
+      </p:ext>
+    </p:extLst>
+  </p:cSld>
+  <p:clrMapOvr>
+    <a:masterClrMapping/>
+  </p:clrMapOvr>
+  <p:timing>
+    <p:tnLst>
+      <p:par>
+        <p:cTn id="1" dur="indefinite" restart="never" nodeType="tmRoot"/>
+      </p:par>
+    </p:tnLst>
+  </p:timing>
+</p:sld>
+</file>
+
+<file path=ppt/slides/slide14.xml><?xml version="1.0" encoding="utf-8"?>
+<p:sld xmlns:a="http://schemas.openxmlformats.org/drawingml/2006/main" xmlns:r="http://schemas.openxmlformats.org/officeDocument/2006/relationships" xmlns:p="http://schemas.openxmlformats.org/presentationml/2006/main">
+  <p:cSld>
+    <p:bg>
+      <p:bgPr>
+        <a:solidFill>
+          <a:schemeClr val="tx1"/>
+        </a:solidFill>
+        <a:effectLst/>
+      </p:bgPr>
+    </p:bg>
+    <p:spTree>
+      <p:nvGrpSpPr>
+        <p:cNvPr id="1" name=""/>
+        <p:cNvGrpSpPr/>
+        <p:nvPr/>
+      </p:nvGrpSpPr>
+      <p:grpSpPr>
+        <a:xfrm>
+          <a:off x="0" y="0"/>
+          <a:ext cx="0" cy="0"/>
+          <a:chOff x="0" y="0"/>
+          <a:chExt cx="0" cy="0"/>
+        </a:xfrm>
+      </p:grpSpPr>
+    </p:spTree>
+    <p:extLst>
+      <p:ext uri="{BB962C8B-B14F-4D97-AF65-F5344CB8AC3E}">
+        <p14:creationId xmlns:p14="http://schemas.microsoft.com/office/powerpoint/2010/main" val="1589923797"/>
+      </p:ext>
+    </p:extLst>
+  </p:cSld>
+  <p:clrMapOvr>
+    <a:masterClrMapping/>
+  </p:clrMapOvr>
+  <p:timing>
+    <p:tnLst>
+      <p:par>
+        <p:cTn id="1" dur="indefinite" restart="never" nodeType="tmRoot"/>
+      </p:par>
+    </p:tnLst>
+  </p:timing>
+</p:sld>
+</file>
+
 <file path=ppt/slides/slide2.xml><?xml version="1.0" encoding="utf-8"?>
 <p:sld xmlns:a="http://schemas.openxmlformats.org/drawingml/2006/main" xmlns:r="http://schemas.openxmlformats.org/officeDocument/2006/relationships" xmlns:p="http://schemas.openxmlformats.org/presentationml/2006/main">
   <p:cSld>
@@ -4946,7 +5508,62 @@
             <a:spLocks noGrp="1"/>
           </p:cNvSpPr>
           <p:nvPr>
-            <p:ph type="title"/>
+            <p:ph type="ctrTitle"/>
+          </p:nvPr>
+        </p:nvSpPr>
+        <p:spPr>
+          <a:xfrm>
+            <a:off x="1069848" y="1298448"/>
+            <a:ext cx="7723170" cy="3255264"/>
+          </a:xfrm>
+          <a:ln>
+            <a:noFill/>
+          </a:ln>
+        </p:spPr>
+        <p:txBody>
+          <a:bodyPr>
+            <a:normAutofit fontScale="90000"/>
+          </a:bodyPr>
+          <a:lstStyle/>
+          <a:p>
+            <a:r>
+              <a:rPr lang="fr-CH" dirty="0" smtClean="0"/>
+              <a:t/>
+            </a:r>
+            <a:br>
+              <a:rPr lang="fr-CH" dirty="0" smtClean="0"/>
+            </a:br>
+            <a:r>
+              <a:rPr lang="en-US" sz="5300" b="1" dirty="0"/>
+              <a:t>Development of a file sharing by invitation service based on AWS S3</a:t>
+            </a:r>
+            <a:r>
+              <a:rPr lang="fr-CH" sz="5300" b="1" dirty="0"/>
+              <a:t/>
+            </a:r>
+            <a:br>
+              <a:rPr lang="fr-CH" sz="5300" b="1" dirty="0"/>
+            </a:br>
+            <a:r>
+              <a:rPr lang="fr-CH" sz="5300" b="1" dirty="0" smtClean="0"/>
+              <a:t>					</a:t>
+            </a:r>
+            <a:r>
+              <a:rPr lang="fr-CH" dirty="0" smtClean="0"/>
+              <a:t>Project 17</a:t>
+            </a:r>
+            <a:endParaRPr lang="fr-CH" dirty="0"/>
+          </a:p>
+        </p:txBody>
+      </p:sp>
+      <p:sp>
+        <p:nvSpPr>
+          <p:cNvPr id="3" name="Subtitle 2"/>
+          <p:cNvSpPr>
+            <a:spLocks noGrp="1"/>
+          </p:cNvSpPr>
+          <p:nvPr>
+            <p:ph type="subTitle" idx="1"/>
           </p:nvPr>
         </p:nvSpPr>
         <p:spPr/>
@@ -4956,7 +5573,26 @@
           <a:p>
             <a:r>
               <a:rPr lang="fr-CH" dirty="0" smtClean="0"/>
-              <a:t>Plan</a:t>
+              <a:t>Mathieu </a:t>
+            </a:r>
+            <a:r>
+              <a:rPr lang="fr-CH" dirty="0" err="1" smtClean="0"/>
+              <a:t>Devaud</a:t>
+            </a:r>
+            <a:endParaRPr lang="fr-CH" dirty="0" smtClean="0"/>
+          </a:p>
+          <a:p>
+            <a:r>
+              <a:rPr lang="fr-CH" dirty="0" err="1" smtClean="0"/>
+              <a:t>Frederic</a:t>
+            </a:r>
+            <a:r>
+              <a:rPr lang="fr-CH" dirty="0" smtClean="0"/>
+              <a:t> </a:t>
+            </a:r>
+            <a:r>
+              <a:rPr lang="fr-CH" dirty="0" err="1" smtClean="0"/>
+              <a:t>Montet</a:t>
             </a:r>
             <a:endParaRPr lang="fr-CH" dirty="0"/>
           </a:p>
@@ -4964,12 +5600,12 @@
       </p:sp>
       <p:sp>
         <p:nvSpPr>
-          <p:cNvPr id="3" name="Content Placeholder 2"/>
-          <p:cNvSpPr>
-            <a:spLocks noGrp="1"/>
-          </p:cNvSpPr>
-          <p:nvPr>
-            <p:ph idx="1"/>
+          <p:cNvPr id="4" name="Date Placeholder 3"/>
+          <p:cNvSpPr>
+            <a:spLocks noGrp="1"/>
+          </p:cNvSpPr>
+          <p:nvPr>
+            <p:ph type="dt" sz="half" idx="10"/>
           </p:nvPr>
         </p:nvSpPr>
         <p:spPr/>
@@ -4977,90 +5613,7 @@
           <a:bodyPr/>
           <a:lstStyle/>
           <a:p>
-            <a:r>
-              <a:rPr lang="fr-CH" dirty="0" err="1" smtClean="0"/>
-              <a:t>Context</a:t>
-            </a:r>
-            <a:endParaRPr lang="fr-CH" dirty="0" smtClean="0"/>
-          </a:p>
-          <a:p>
-            <a:r>
-              <a:rPr lang="fr-CH" dirty="0" smtClean="0"/>
-              <a:t>Objectives</a:t>
-            </a:r>
-            <a:endParaRPr lang="fr-CH" dirty="0" smtClean="0"/>
-          </a:p>
-          <a:p>
-            <a:r>
-              <a:rPr lang="fr-CH" dirty="0" smtClean="0"/>
-              <a:t>Amazon </a:t>
-            </a:r>
-            <a:r>
-              <a:rPr lang="fr-CH" dirty="0" smtClean="0"/>
-              <a:t>S3</a:t>
-            </a:r>
-          </a:p>
-          <a:p>
-            <a:r>
-              <a:rPr lang="fr-CH" dirty="0" err="1" smtClean="0"/>
-              <a:t>Technology</a:t>
-            </a:r>
-            <a:endParaRPr lang="fr-CH" dirty="0" smtClean="0"/>
-          </a:p>
-          <a:p>
-            <a:r>
-              <a:rPr lang="fr-CH" dirty="0" smtClean="0"/>
-              <a:t>Concept</a:t>
-            </a:r>
-          </a:p>
-          <a:p>
-            <a:r>
-              <a:rPr lang="fr-CH" dirty="0" smtClean="0"/>
-              <a:t>Key </a:t>
-            </a:r>
-            <a:r>
-              <a:rPr lang="fr-CH" dirty="0" err="1" smtClean="0"/>
-              <a:t>functions</a:t>
-            </a:r>
-            <a:endParaRPr lang="fr-CH" dirty="0" smtClean="0"/>
-          </a:p>
-          <a:p>
-            <a:r>
-              <a:rPr lang="fr-CH" dirty="0" err="1" smtClean="0"/>
-              <a:t>Demonstration</a:t>
-            </a:r>
-            <a:endParaRPr lang="fr-CH" dirty="0"/>
-          </a:p>
-          <a:p>
-            <a:r>
-              <a:rPr lang="fr-CH" dirty="0" smtClean="0"/>
-              <a:t>Conclusion</a:t>
-            </a:r>
-          </a:p>
-          <a:p>
-            <a:endParaRPr lang="fr-CH" dirty="0" smtClean="0"/>
-          </a:p>
-          <a:p>
-            <a:endParaRPr lang="fr-CH" dirty="0" smtClean="0"/>
-          </a:p>
-        </p:txBody>
-      </p:sp>
-      <p:sp>
-        <p:nvSpPr>
-          <p:cNvPr id="4" name="Date Placeholder 3"/>
-          <p:cNvSpPr>
-            <a:spLocks noGrp="1"/>
-          </p:cNvSpPr>
-          <p:nvPr>
-            <p:ph type="dt" sz="half" idx="10"/>
-          </p:nvPr>
-        </p:nvSpPr>
-        <p:spPr/>
-        <p:txBody>
-          <a:bodyPr/>
-          <a:lstStyle/>
-          <a:p>
-            <a:fld id="{567179FF-B5CF-4733-8008-E8A373DC24D9}" type="datetime2">
+            <a:fld id="{CB0673B8-73F1-483E-914F-97F91E35C1F7}" type="datetime2">
               <a:rPr lang="en-US" smtClean="0"/>
               <a:t>Saturday, December 5, 2015</a:t>
             </a:fld>
@@ -5084,10 +5637,14 @@
           <a:lstStyle/>
           <a:p>
             <a:r>
-              <a:rPr lang="en-US" smtClean="0"/>
-              <a:t>Development of a file sharing by invitation service based on AWS S3</a:t>
-            </a:r>
-            <a:endParaRPr lang="en-US" dirty="0"/>
+              <a:rPr lang="en-US" b="1" dirty="0"/>
+              <a:t>Development of a file sharing by invitation service based on AWS </a:t>
+            </a:r>
+            <a:r>
+              <a:rPr lang="en-US" b="1" dirty="0" smtClean="0"/>
+              <a:t>S3</a:t>
+            </a:r>
+            <a:endParaRPr lang="fr-CH" b="1" dirty="0"/>
           </a:p>
         </p:txBody>
       </p:sp>
@@ -5110,6 +5667,336 @@
               <a:rPr lang="en-US" smtClean="0"/>
               <a:pPr/>
               <a:t>2</a:t>
+            </a:fld>
+            <a:endParaRPr lang="en-US" dirty="0"/>
+          </a:p>
+        </p:txBody>
+      </p:sp>
+      <p:pic>
+        <p:nvPicPr>
+          <p:cNvPr id="7" name="Picture 6"/>
+          <p:cNvPicPr/>
+          <p:nvPr/>
+        </p:nvPicPr>
+        <p:blipFill rotWithShape="1">
+          <a:blip r:embed="rId3">
+            <a:extLst>
+              <a:ext uri="{28A0092B-C50C-407E-A947-70E740481C1C}">
+                <a14:useLocalDpi xmlns:a14="http://schemas.microsoft.com/office/drawing/2010/main" val="0"/>
+              </a:ext>
+            </a:extLst>
+          </a:blip>
+          <a:srcRect t="35423" b="36238"/>
+          <a:stretch/>
+        </p:blipFill>
+        <p:spPr bwMode="auto">
+          <a:xfrm>
+            <a:off x="8443327" y="83928"/>
+            <a:ext cx="3721735" cy="655955"/>
+          </a:xfrm>
+          <a:prstGeom prst="rect">
+            <a:avLst/>
+          </a:prstGeom>
+          <a:ln>
+            <a:noFill/>
+          </a:ln>
+          <a:extLst>
+            <a:ext uri="{53640926-AAD7-44D8-BBD7-CCE9431645EC}">
+              <a14:shadowObscured xmlns:a14="http://schemas.microsoft.com/office/drawing/2010/main"/>
+            </a:ext>
+          </a:extLst>
+        </p:spPr>
+      </p:pic>
+      <p:pic>
+        <p:nvPicPr>
+          <p:cNvPr id="8" name="Image 1"/>
+          <p:cNvPicPr>
+            <a:picLocks noChangeAspect="1"/>
+          </p:cNvPicPr>
+          <p:nvPr/>
+        </p:nvPicPr>
+        <p:blipFill>
+          <a:blip r:embed="rId4">
+            <a:extLst>
+              <a:ext uri="{28A0092B-C50C-407E-A947-70E740481C1C}">
+                <a14:useLocalDpi xmlns:a14="http://schemas.microsoft.com/office/drawing/2010/main" val="0"/>
+              </a:ext>
+            </a:extLst>
+          </a:blip>
+          <a:srcRect/>
+          <a:stretch>
+            <a:fillRect/>
+          </a:stretch>
+        </p:blipFill>
+        <p:spPr bwMode="auto">
+          <a:xfrm>
+            <a:off x="0" y="73129"/>
+            <a:ext cx="1260987" cy="648000"/>
+          </a:xfrm>
+          <a:prstGeom prst="rect">
+            <a:avLst/>
+          </a:prstGeom>
+          <a:noFill/>
+          <a:ln>
+            <a:noFill/>
+          </a:ln>
+        </p:spPr>
+      </p:pic>
+    </p:spTree>
+    <p:extLst>
+      <p:ext uri="{BB962C8B-B14F-4D97-AF65-F5344CB8AC3E}">
+        <p14:creationId xmlns:p14="http://schemas.microsoft.com/office/powerpoint/2010/main" val="220936655"/>
+      </p:ext>
+    </p:extLst>
+  </p:cSld>
+  <p:clrMapOvr>
+    <a:masterClrMapping/>
+  </p:clrMapOvr>
+  <p:timing>
+    <p:tnLst>
+      <p:par>
+        <p:cTn id="1" dur="indefinite" restart="never" nodeType="tmRoot"/>
+      </p:par>
+    </p:tnLst>
+  </p:timing>
+</p:sld>
+</file>
+
+<file path=ppt/slides/slide3.xml><?xml version="1.0" encoding="utf-8"?>
+<p:sld xmlns:a="http://schemas.openxmlformats.org/drawingml/2006/main" xmlns:r="http://schemas.openxmlformats.org/officeDocument/2006/relationships" xmlns:p="http://schemas.openxmlformats.org/presentationml/2006/main">
+  <p:cSld>
+    <p:spTree>
+      <p:nvGrpSpPr>
+        <p:cNvPr id="1" name=""/>
+        <p:cNvGrpSpPr/>
+        <p:nvPr/>
+      </p:nvGrpSpPr>
+      <p:grpSpPr>
+        <a:xfrm>
+          <a:off x="0" y="0"/>
+          <a:ext cx="0" cy="0"/>
+          <a:chOff x="0" y="0"/>
+          <a:chExt cx="0" cy="0"/>
+        </a:xfrm>
+      </p:grpSpPr>
+      <p:sp>
+        <p:nvSpPr>
+          <p:cNvPr id="2" name="Title 1"/>
+          <p:cNvSpPr>
+            <a:spLocks noGrp="1"/>
+          </p:cNvSpPr>
+          <p:nvPr>
+            <p:ph type="title"/>
+          </p:nvPr>
+        </p:nvSpPr>
+        <p:spPr/>
+        <p:txBody>
+          <a:bodyPr/>
+          <a:lstStyle/>
+          <a:p>
+            <a:r>
+              <a:rPr lang="fr-CH" b="1" dirty="0" smtClean="0"/>
+              <a:t>Plan</a:t>
+            </a:r>
+            <a:endParaRPr lang="fr-CH" b="1" dirty="0"/>
+          </a:p>
+        </p:txBody>
+      </p:sp>
+      <p:sp>
+        <p:nvSpPr>
+          <p:cNvPr id="3" name="Content Placeholder 2"/>
+          <p:cNvSpPr>
+            <a:spLocks noGrp="1"/>
+          </p:cNvSpPr>
+          <p:nvPr>
+            <p:ph idx="1"/>
+          </p:nvPr>
+        </p:nvSpPr>
+        <p:spPr/>
+        <p:txBody>
+          <a:bodyPr/>
+          <a:lstStyle/>
+          <a:p>
+            <a:r>
+              <a:rPr lang="fr-CH" dirty="0" err="1" smtClean="0">
+                <a:latin typeface="Frutiger LT Std 55 Roman" charset="0"/>
+                <a:ea typeface="Frutiger LT Std 55 Roman" charset="0"/>
+                <a:cs typeface="Frutiger LT Std 55 Roman" charset="0"/>
+              </a:rPr>
+              <a:t>Context</a:t>
+            </a:r>
+            <a:endParaRPr lang="fr-CH" dirty="0" smtClean="0">
+              <a:latin typeface="Frutiger LT Std 55 Roman" charset="0"/>
+              <a:ea typeface="Frutiger LT Std 55 Roman" charset="0"/>
+              <a:cs typeface="Frutiger LT Std 55 Roman" charset="0"/>
+            </a:endParaRPr>
+          </a:p>
+          <a:p>
+            <a:r>
+              <a:rPr lang="fr-CH" dirty="0" smtClean="0">
+                <a:latin typeface="Frutiger LT Std 55 Roman" charset="0"/>
+                <a:ea typeface="Frutiger LT Std 55 Roman" charset="0"/>
+                <a:cs typeface="Frutiger LT Std 55 Roman" charset="0"/>
+              </a:rPr>
+              <a:t>Objectives</a:t>
+            </a:r>
+          </a:p>
+          <a:p>
+            <a:r>
+              <a:rPr lang="fr-CH" dirty="0" smtClean="0">
+                <a:latin typeface="Frutiger LT Std 55 Roman" charset="0"/>
+                <a:ea typeface="Frutiger LT Std 55 Roman" charset="0"/>
+                <a:cs typeface="Frutiger LT Std 55 Roman" charset="0"/>
+              </a:rPr>
+              <a:t>Amazon S3</a:t>
+            </a:r>
+          </a:p>
+          <a:p>
+            <a:r>
+              <a:rPr lang="fr-CH" dirty="0" err="1" smtClean="0">
+                <a:latin typeface="Frutiger LT Std 55 Roman" charset="0"/>
+                <a:ea typeface="Frutiger LT Std 55 Roman" charset="0"/>
+                <a:cs typeface="Frutiger LT Std 55 Roman" charset="0"/>
+              </a:rPr>
+              <a:t>Technology</a:t>
+            </a:r>
+            <a:endParaRPr lang="fr-CH" dirty="0" smtClean="0">
+              <a:latin typeface="Frutiger LT Std 55 Roman" charset="0"/>
+              <a:ea typeface="Frutiger LT Std 55 Roman" charset="0"/>
+              <a:cs typeface="Frutiger LT Std 55 Roman" charset="0"/>
+            </a:endParaRPr>
+          </a:p>
+          <a:p>
+            <a:r>
+              <a:rPr lang="fr-CH" dirty="0" smtClean="0">
+                <a:latin typeface="Frutiger LT Std 55 Roman" charset="0"/>
+                <a:ea typeface="Frutiger LT Std 55 Roman" charset="0"/>
+                <a:cs typeface="Frutiger LT Std 55 Roman" charset="0"/>
+              </a:rPr>
+              <a:t>Concept</a:t>
+            </a:r>
+          </a:p>
+          <a:p>
+            <a:r>
+              <a:rPr lang="fr-CH" dirty="0" smtClean="0">
+                <a:latin typeface="Frutiger LT Std 55 Roman" charset="0"/>
+                <a:ea typeface="Frutiger LT Std 55 Roman" charset="0"/>
+                <a:cs typeface="Frutiger LT Std 55 Roman" charset="0"/>
+              </a:rPr>
+              <a:t>Key </a:t>
+            </a:r>
+            <a:r>
+              <a:rPr lang="fr-CH" dirty="0" err="1" smtClean="0">
+                <a:latin typeface="Frutiger LT Std 55 Roman" charset="0"/>
+                <a:ea typeface="Frutiger LT Std 55 Roman" charset="0"/>
+                <a:cs typeface="Frutiger LT Std 55 Roman" charset="0"/>
+              </a:rPr>
+              <a:t>functions</a:t>
+            </a:r>
+            <a:endParaRPr lang="fr-CH" dirty="0" smtClean="0">
+              <a:latin typeface="Frutiger LT Std 55 Roman" charset="0"/>
+              <a:ea typeface="Frutiger LT Std 55 Roman" charset="0"/>
+              <a:cs typeface="Frutiger LT Std 55 Roman" charset="0"/>
+            </a:endParaRPr>
+          </a:p>
+          <a:p>
+            <a:r>
+              <a:rPr lang="fr-CH" dirty="0" err="1" smtClean="0">
+                <a:latin typeface="Frutiger LT Std 55 Roman" charset="0"/>
+                <a:ea typeface="Frutiger LT Std 55 Roman" charset="0"/>
+                <a:cs typeface="Frutiger LT Std 55 Roman" charset="0"/>
+              </a:rPr>
+              <a:t>Demonstration</a:t>
+            </a:r>
+            <a:endParaRPr lang="fr-CH" dirty="0">
+              <a:latin typeface="Frutiger LT Std 55 Roman" charset="0"/>
+              <a:ea typeface="Frutiger LT Std 55 Roman" charset="0"/>
+              <a:cs typeface="Frutiger LT Std 55 Roman" charset="0"/>
+            </a:endParaRPr>
+          </a:p>
+          <a:p>
+            <a:r>
+              <a:rPr lang="fr-CH" dirty="0" smtClean="0">
+                <a:latin typeface="Frutiger LT Std 55 Roman" charset="0"/>
+                <a:ea typeface="Frutiger LT Std 55 Roman" charset="0"/>
+                <a:cs typeface="Frutiger LT Std 55 Roman" charset="0"/>
+              </a:rPr>
+              <a:t>Conclusion</a:t>
+            </a:r>
+          </a:p>
+          <a:p>
+            <a:endParaRPr lang="fr-CH" dirty="0" smtClean="0"/>
+          </a:p>
+          <a:p>
+            <a:endParaRPr lang="fr-CH" dirty="0" smtClean="0"/>
+          </a:p>
+        </p:txBody>
+      </p:sp>
+      <p:sp>
+        <p:nvSpPr>
+          <p:cNvPr id="4" name="Date Placeholder 3"/>
+          <p:cNvSpPr>
+            <a:spLocks noGrp="1"/>
+          </p:cNvSpPr>
+          <p:nvPr>
+            <p:ph type="dt" sz="half" idx="10"/>
+          </p:nvPr>
+        </p:nvSpPr>
+        <p:spPr/>
+        <p:txBody>
+          <a:bodyPr/>
+          <a:lstStyle/>
+          <a:p>
+            <a:fld id="{567179FF-B5CF-4733-8008-E8A373DC24D9}" type="datetime2">
+              <a:rPr lang="en-US" smtClean="0"/>
+              <a:t>Saturday, December 5, 2015</a:t>
+            </a:fld>
+            <a:endParaRPr lang="en-US" dirty="0"/>
+          </a:p>
+        </p:txBody>
+      </p:sp>
+      <p:sp>
+        <p:nvSpPr>
+          <p:cNvPr id="5" name="Footer Placeholder 4"/>
+          <p:cNvSpPr>
+            <a:spLocks noGrp="1"/>
+          </p:cNvSpPr>
+          <p:nvPr>
+            <p:ph type="ftr" sz="quarter" idx="11"/>
+          </p:nvPr>
+        </p:nvSpPr>
+        <p:spPr/>
+        <p:txBody>
+          <a:bodyPr/>
+          <a:lstStyle/>
+          <a:p>
+            <a:r>
+              <a:rPr lang="en-US" smtClean="0"/>
+              <a:t>Development of a file sharing by invitation service based on AWS S3</a:t>
+            </a:r>
+            <a:endParaRPr lang="en-US" dirty="0"/>
+          </a:p>
+        </p:txBody>
+      </p:sp>
+      <p:sp>
+        <p:nvSpPr>
+          <p:cNvPr id="6" name="Slide Number Placeholder 5"/>
+          <p:cNvSpPr>
+            <a:spLocks noGrp="1"/>
+          </p:cNvSpPr>
+          <p:nvPr>
+            <p:ph type="sldNum" sz="quarter" idx="12"/>
+          </p:nvPr>
+        </p:nvSpPr>
+        <p:spPr/>
+        <p:txBody>
+          <a:bodyPr/>
+          <a:lstStyle/>
+          <a:p>
+            <a:fld id="{4FAB73BC-B049-4115-A692-8D63A059BFB8}" type="slidenum">
+              <a:rPr lang="en-US" smtClean="0"/>
+              <a:pPr/>
+              <a:t>3</a:t>
             </a:fld>
             <a:endParaRPr lang="en-US" dirty="0"/>
           </a:p>
@@ -5205,7 +6092,7 @@
 </p:sld>
 </file>
 
-<file path=ppt/slides/slide3.xml><?xml version="1.0" encoding="utf-8"?>
+<file path=ppt/slides/slide4.xml><?xml version="1.0" encoding="utf-8"?>
 <p:sld xmlns:a="http://schemas.openxmlformats.org/drawingml/2006/main" xmlns:r="http://schemas.openxmlformats.org/officeDocument/2006/relationships" xmlns:p="http://schemas.openxmlformats.org/presentationml/2006/main">
   <p:cSld>
     <p:spTree>
@@ -5238,10 +6125,10 @@
           <a:lstStyle/>
           <a:p>
             <a:r>
-              <a:rPr lang="fr-CH" dirty="0" err="1" smtClean="0"/>
+              <a:rPr lang="fr-CH" b="1" dirty="0" err="1" smtClean="0"/>
               <a:t>Context</a:t>
             </a:r>
-            <a:endParaRPr lang="fr-CH" dirty="0"/>
+            <a:endParaRPr lang="fr-CH" b="1" dirty="0"/>
           </a:p>
         </p:txBody>
       </p:sp>
@@ -5309,7 +6196,7 @@
             <a:fld id="{4FAB73BC-B049-4115-A692-8D63A059BFB8}" type="slidenum">
               <a:rPr lang="en-US" smtClean="0"/>
               <a:pPr/>
-              <a:t>3</a:t>
+              <a:t>4</a:t>
             </a:fld>
             <a:endParaRPr lang="en-US" dirty="0"/>
           </a:p>
@@ -5401,93 +6288,160 @@
           <a:lstStyle/>
           <a:p>
             <a:r>
-              <a:rPr lang="fr-CH" dirty="0" smtClean="0"/>
-              <a:t>File sharing system on Amazon AWS S3</a:t>
-            </a:r>
-          </a:p>
-          <a:p>
-            <a:endParaRPr lang="fr-CH" dirty="0"/>
-          </a:p>
-          <a:p>
-            <a:endParaRPr lang="fr-CH" dirty="0" smtClean="0"/>
-          </a:p>
-          <a:p>
-            <a:r>
-              <a:rPr lang="fr-CH" dirty="0" err="1" smtClean="0"/>
+              <a:rPr lang="fr-CH" dirty="0" smtClean="0">
+                <a:latin typeface="Frutiger LT Std 55 Roman" charset="0"/>
+                <a:ea typeface="Frutiger LT Std 55 Roman" charset="0"/>
+                <a:cs typeface="Frutiger LT Std 55 Roman" charset="0"/>
+              </a:rPr>
+              <a:t>File sharing system on Amazon AWS </a:t>
+            </a:r>
+            <a:r>
+              <a:rPr lang="fr-CH" dirty="0" smtClean="0">
+                <a:latin typeface="Frutiger LT Std 55 Roman" charset="0"/>
+                <a:ea typeface="Frutiger LT Std 55 Roman" charset="0"/>
+                <a:cs typeface="Frutiger LT Std 55 Roman" charset="0"/>
+              </a:rPr>
+              <a:t>S3</a:t>
+            </a:r>
+            <a:endParaRPr lang="fr-CH" dirty="0" smtClean="0">
+              <a:latin typeface="Frutiger LT Std 55 Roman" charset="0"/>
+              <a:ea typeface="Frutiger LT Std 55 Roman" charset="0"/>
+              <a:cs typeface="Frutiger LT Std 55 Roman" charset="0"/>
+            </a:endParaRPr>
+          </a:p>
+          <a:p>
+            <a:r>
+              <a:rPr lang="fr-CH" dirty="0" err="1" smtClean="0">
+                <a:latin typeface="Frutiger LT Std 55 Roman" charset="0"/>
+                <a:ea typeface="Frutiger LT Std 55 Roman" charset="0"/>
+                <a:cs typeface="Frutiger LT Std 55 Roman" charset="0"/>
+              </a:rPr>
               <a:t>Primary</a:t>
             </a:r>
             <a:r>
-              <a:rPr lang="fr-CH" dirty="0" smtClean="0"/>
+              <a:rPr lang="fr-CH" dirty="0" smtClean="0">
+                <a:latin typeface="Frutiger LT Std 55 Roman" charset="0"/>
+                <a:ea typeface="Frutiger LT Std 55 Roman" charset="0"/>
+                <a:cs typeface="Frutiger LT Std 55 Roman" charset="0"/>
+              </a:rPr>
               <a:t> user </a:t>
             </a:r>
             <a:r>
-              <a:rPr lang="fr-CH" dirty="0" err="1" smtClean="0"/>
+              <a:rPr lang="fr-CH" dirty="0" err="1" smtClean="0">
+                <a:latin typeface="Frutiger LT Std 55 Roman" charset="0"/>
+                <a:ea typeface="Frutiger LT Std 55 Roman" charset="0"/>
+                <a:cs typeface="Frutiger LT Std 55 Roman" charset="0"/>
+              </a:rPr>
               <a:t>with</a:t>
             </a:r>
             <a:r>
-              <a:rPr lang="fr-CH" dirty="0" smtClean="0"/>
+              <a:rPr lang="fr-CH" dirty="0" smtClean="0">
+                <a:latin typeface="Frutiger LT Std 55 Roman" charset="0"/>
+                <a:ea typeface="Frutiger LT Std 55 Roman" charset="0"/>
+                <a:cs typeface="Frutiger LT Std 55 Roman" charset="0"/>
+              </a:rPr>
               <a:t> Amazon </a:t>
             </a:r>
             <a:r>
-              <a:rPr lang="fr-CH" dirty="0" err="1" smtClean="0"/>
+              <a:rPr lang="fr-CH" dirty="0" err="1" smtClean="0">
+                <a:latin typeface="Frutiger LT Std 55 Roman" charset="0"/>
+                <a:ea typeface="Frutiger LT Std 55 Roman" charset="0"/>
+                <a:cs typeface="Frutiger LT Std 55 Roman" charset="0"/>
+              </a:rPr>
               <a:t>account</a:t>
             </a:r>
-            <a:endParaRPr lang="fr-CH" dirty="0" smtClean="0"/>
-          </a:p>
-          <a:p>
-            <a:endParaRPr lang="fr-CH" dirty="0" smtClean="0"/>
-          </a:p>
-          <a:p>
-            <a:endParaRPr lang="fr-CH" dirty="0" smtClean="0"/>
-          </a:p>
-          <a:p>
-            <a:r>
-              <a:rPr lang="fr-CH" dirty="0" err="1" smtClean="0"/>
+            <a:endParaRPr lang="fr-CH" dirty="0" smtClean="0">
+              <a:latin typeface="Frutiger LT Std 55 Roman" charset="0"/>
+              <a:ea typeface="Frutiger LT Std 55 Roman" charset="0"/>
+              <a:cs typeface="Frutiger LT Std 55 Roman" charset="0"/>
+            </a:endParaRPr>
+          </a:p>
+          <a:p>
+            <a:r>
+              <a:rPr lang="fr-CH" dirty="0" err="1" smtClean="0">
+                <a:latin typeface="Frutiger LT Std 55 Roman" charset="0"/>
+                <a:ea typeface="Frutiger LT Std 55 Roman" charset="0"/>
+                <a:cs typeface="Frutiger LT Std 55 Roman" charset="0"/>
+              </a:rPr>
               <a:t>Secondary</a:t>
             </a:r>
             <a:r>
-              <a:rPr lang="fr-CH" dirty="0" smtClean="0"/>
+              <a:rPr lang="fr-CH" dirty="0" smtClean="0">
+                <a:latin typeface="Frutiger LT Std 55 Roman" charset="0"/>
+                <a:ea typeface="Frutiger LT Std 55 Roman" charset="0"/>
+                <a:cs typeface="Frutiger LT Std 55 Roman" charset="0"/>
+              </a:rPr>
               <a:t> </a:t>
             </a:r>
             <a:r>
-              <a:rPr lang="fr-CH" dirty="0" err="1" smtClean="0"/>
+              <a:rPr lang="fr-CH" dirty="0" err="1" smtClean="0">
+                <a:latin typeface="Frutiger LT Std 55 Roman" charset="0"/>
+                <a:ea typeface="Frutiger LT Std 55 Roman" charset="0"/>
+                <a:cs typeface="Frutiger LT Std 55 Roman" charset="0"/>
+              </a:rPr>
               <a:t>users</a:t>
             </a:r>
             <a:r>
-              <a:rPr lang="fr-CH" dirty="0" smtClean="0"/>
+              <a:rPr lang="fr-CH" dirty="0" smtClean="0">
+                <a:latin typeface="Frutiger LT Std 55 Roman" charset="0"/>
+                <a:ea typeface="Frutiger LT Std 55 Roman" charset="0"/>
+                <a:cs typeface="Frutiger LT Std 55 Roman" charset="0"/>
+              </a:rPr>
               <a:t> </a:t>
             </a:r>
             <a:r>
-              <a:rPr lang="fr-CH" dirty="0" err="1" smtClean="0"/>
+              <a:rPr lang="fr-CH" dirty="0" err="1" smtClean="0">
+                <a:latin typeface="Frutiger LT Std 55 Roman" charset="0"/>
+                <a:ea typeface="Frutiger LT Std 55 Roman" charset="0"/>
+                <a:cs typeface="Frutiger LT Std 55 Roman" charset="0"/>
+              </a:rPr>
               <a:t>without</a:t>
             </a:r>
             <a:r>
-              <a:rPr lang="fr-CH" dirty="0" smtClean="0"/>
+              <a:rPr lang="fr-CH" dirty="0" smtClean="0">
+                <a:latin typeface="Frutiger LT Std 55 Roman" charset="0"/>
+                <a:ea typeface="Frutiger LT Std 55 Roman" charset="0"/>
+                <a:cs typeface="Frutiger LT Std 55 Roman" charset="0"/>
+              </a:rPr>
               <a:t> </a:t>
             </a:r>
             <a:r>
-              <a:rPr lang="fr-CH" dirty="0" err="1" smtClean="0"/>
+              <a:rPr lang="fr-CH" dirty="0" err="1" smtClean="0">
+                <a:latin typeface="Frutiger LT Std 55 Roman" charset="0"/>
+                <a:ea typeface="Frutiger LT Std 55 Roman" charset="0"/>
+                <a:cs typeface="Frutiger LT Std 55 Roman" charset="0"/>
+              </a:rPr>
               <a:t>account</a:t>
             </a:r>
-            <a:endParaRPr lang="fr-CH" dirty="0" smtClean="0"/>
-          </a:p>
-          <a:p>
-            <a:endParaRPr lang="fr-CH" dirty="0" smtClean="0"/>
-          </a:p>
-          <a:p>
-            <a:endParaRPr lang="fr-CH" dirty="0"/>
-          </a:p>
-          <a:p>
-            <a:r>
-              <a:rPr lang="fr-CH" dirty="0" smtClean="0"/>
+            <a:endParaRPr lang="fr-CH" dirty="0">
+              <a:latin typeface="Frutiger LT Std 55 Roman" charset="0"/>
+              <a:ea typeface="Frutiger LT Std 55 Roman" charset="0"/>
+              <a:cs typeface="Frutiger LT Std 55 Roman" charset="0"/>
+            </a:endParaRPr>
+          </a:p>
+          <a:p>
+            <a:r>
+              <a:rPr lang="fr-CH" dirty="0" smtClean="0">
+                <a:latin typeface="Frutiger LT Std 55 Roman" charset="0"/>
+                <a:ea typeface="Frutiger LT Std 55 Roman" charset="0"/>
+                <a:cs typeface="Frutiger LT Std 55 Roman" charset="0"/>
+              </a:rPr>
               <a:t>Invitation via </a:t>
             </a:r>
             <a:r>
-              <a:rPr lang="fr-CH" dirty="0" err="1" smtClean="0"/>
+              <a:rPr lang="fr-CH" dirty="0" err="1" smtClean="0">
+                <a:latin typeface="Frutiger LT Std 55 Roman" charset="0"/>
+                <a:ea typeface="Frutiger LT Std 55 Roman" charset="0"/>
+                <a:cs typeface="Frutiger LT Std 55 Roman" charset="0"/>
+              </a:rPr>
               <a:t>presigned</a:t>
             </a:r>
             <a:r>
-              <a:rPr lang="fr-CH" dirty="0" smtClean="0"/>
+              <a:rPr lang="fr-CH" dirty="0" smtClean="0">
+                <a:latin typeface="Frutiger LT Std 55 Roman" charset="0"/>
+                <a:ea typeface="Frutiger LT Std 55 Roman" charset="0"/>
+                <a:cs typeface="Frutiger LT Std 55 Roman" charset="0"/>
+              </a:rPr>
               <a:t> URL</a:t>
             </a:r>
           </a:p>
@@ -5699,7 +6653,7 @@
 </p:sld>
 </file>
 
-<file path=ppt/slides/slide4.xml><?xml version="1.0" encoding="utf-8"?>
+<file path=ppt/slides/slide5.xml><?xml version="1.0" encoding="utf-8"?>
 <p:sld xmlns:a="http://schemas.openxmlformats.org/drawingml/2006/main" xmlns:r="http://schemas.openxmlformats.org/officeDocument/2006/relationships" xmlns:p="http://schemas.openxmlformats.org/presentationml/2006/main">
   <p:cSld>
     <p:spTree>
@@ -5732,10 +6686,10 @@
           <a:lstStyle/>
           <a:p>
             <a:r>
-              <a:rPr lang="fr-CH" dirty="0" smtClean="0"/>
+              <a:rPr lang="fr-CH" b="1" dirty="0" smtClean="0"/>
               <a:t>Objectives</a:t>
             </a:r>
-            <a:endParaRPr lang="fr-CH" dirty="0"/>
+            <a:endParaRPr lang="fr-CH" b="1" dirty="0"/>
           </a:p>
         </p:txBody>
       </p:sp>
@@ -5803,7 +6757,7 @@
             <a:fld id="{4FAB73BC-B049-4115-A692-8D63A059BFB8}" type="slidenum">
               <a:rPr lang="en-US" smtClean="0"/>
               <a:pPr/>
-              <a:t>4</a:t>
+              <a:t>5</a:t>
             </a:fld>
             <a:endParaRPr lang="en-US" dirty="0"/>
           </a:p>
@@ -5900,223 +6854,595 @@
           <a:lstStyle/>
           <a:p>
             <a:r>
-              <a:rPr lang="fr-CH" dirty="0"/>
+              <a:rPr lang="fr-CH" dirty="0">
+                <a:latin typeface="Frutiger LT Std 55 Roman" charset="0"/>
+                <a:ea typeface="Frutiger LT Std 55 Roman" charset="0"/>
+                <a:cs typeface="Frutiger LT Std 55 Roman" charset="0"/>
+              </a:rPr>
               <a:t>No full user </a:t>
             </a:r>
             <a:r>
-              <a:rPr lang="fr-CH" dirty="0" err="1"/>
+              <a:rPr lang="fr-CH" dirty="0" err="1">
+                <a:latin typeface="Frutiger LT Std 55 Roman" charset="0"/>
+                <a:ea typeface="Frutiger LT Std 55 Roman" charset="0"/>
+                <a:cs typeface="Frutiger LT Std 55 Roman" charset="0"/>
+              </a:rPr>
               <a:t>account</a:t>
             </a:r>
             <a:r>
-              <a:rPr lang="fr-CH" dirty="0"/>
-              <a:t> management</a:t>
-            </a:r>
-          </a:p>
-          <a:p>
-            <a:endParaRPr lang="fr-CH" dirty="0"/>
-          </a:p>
-          <a:p>
-            <a:r>
-              <a:rPr lang="fr-CH" dirty="0"/>
-              <a:t>Assume one principal user</a:t>
-            </a:r>
-          </a:p>
-          <a:p>
-            <a:endParaRPr lang="fr-CH" dirty="0"/>
-          </a:p>
-          <a:p>
-            <a:r>
-              <a:rPr lang="fr-CH" dirty="0"/>
+              <a:rPr lang="fr-CH" dirty="0">
+                <a:latin typeface="Frutiger LT Std 55 Roman" charset="0"/>
+                <a:ea typeface="Frutiger LT Std 55 Roman" charset="0"/>
+                <a:cs typeface="Frutiger LT Std 55 Roman" charset="0"/>
+              </a:rPr>
+              <a:t> </a:t>
+            </a:r>
+            <a:r>
+              <a:rPr lang="fr-CH" dirty="0" smtClean="0">
+                <a:latin typeface="Frutiger LT Std 55 Roman" charset="0"/>
+                <a:ea typeface="Frutiger LT Std 55 Roman" charset="0"/>
+                <a:cs typeface="Frutiger LT Std 55 Roman" charset="0"/>
+              </a:rPr>
+              <a:t>management</a:t>
+            </a:r>
+            <a:endParaRPr lang="fr-CH" dirty="0">
+              <a:latin typeface="Frutiger LT Std 55 Roman" charset="0"/>
+              <a:ea typeface="Frutiger LT Std 55 Roman" charset="0"/>
+              <a:cs typeface="Frutiger LT Std 55 Roman" charset="0"/>
+            </a:endParaRPr>
+          </a:p>
+          <a:p>
+            <a:r>
+              <a:rPr lang="fr-CH" dirty="0">
+                <a:latin typeface="Frutiger LT Std 55 Roman" charset="0"/>
+                <a:ea typeface="Frutiger LT Std 55 Roman" charset="0"/>
+                <a:cs typeface="Frutiger LT Std 55 Roman" charset="0"/>
+              </a:rPr>
+              <a:t>Assume one principal </a:t>
+            </a:r>
+            <a:r>
+              <a:rPr lang="fr-CH" dirty="0" smtClean="0">
+                <a:latin typeface="Frutiger LT Std 55 Roman" charset="0"/>
+                <a:ea typeface="Frutiger LT Std 55 Roman" charset="0"/>
+                <a:cs typeface="Frutiger LT Std 55 Roman" charset="0"/>
+              </a:rPr>
+              <a:t>user</a:t>
+            </a:r>
+            <a:endParaRPr lang="fr-CH" dirty="0">
+              <a:latin typeface="Frutiger LT Std 55 Roman" charset="0"/>
+              <a:ea typeface="Frutiger LT Std 55 Roman" charset="0"/>
+              <a:cs typeface="Frutiger LT Std 55 Roman" charset="0"/>
+            </a:endParaRPr>
+          </a:p>
+          <a:p>
+            <a:r>
+              <a:rPr lang="fr-CH" dirty="0">
+                <a:latin typeface="Frutiger LT Std 55 Roman" charset="0"/>
+                <a:ea typeface="Frutiger LT Std 55 Roman" charset="0"/>
+                <a:cs typeface="Frutiger LT Std 55 Roman" charset="0"/>
+              </a:rPr>
               <a:t>Principal user </a:t>
             </a:r>
             <a:r>
-              <a:rPr lang="fr-CH" dirty="0" err="1"/>
+              <a:rPr lang="fr-CH" dirty="0" err="1">
+                <a:latin typeface="Frutiger LT Std 55 Roman" charset="0"/>
+                <a:ea typeface="Frutiger LT Std 55 Roman" charset="0"/>
+                <a:cs typeface="Frutiger LT Std 55 Roman" charset="0"/>
+              </a:rPr>
               <a:t>can</a:t>
             </a:r>
             <a:r>
-              <a:rPr lang="fr-CH" dirty="0"/>
+              <a:rPr lang="fr-CH" dirty="0">
+                <a:latin typeface="Frutiger LT Std 55 Roman" charset="0"/>
+                <a:ea typeface="Frutiger LT Std 55 Roman" charset="0"/>
+                <a:cs typeface="Frutiger LT Std 55 Roman" charset="0"/>
+              </a:rPr>
               <a:t> </a:t>
             </a:r>
             <a:r>
-              <a:rPr lang="fr-CH" dirty="0" err="1"/>
+              <a:rPr lang="fr-CH" dirty="0" err="1">
+                <a:latin typeface="Frutiger LT Std 55 Roman" charset="0"/>
+                <a:ea typeface="Frutiger LT Std 55 Roman" charset="0"/>
+                <a:cs typeface="Frutiger LT Std 55 Roman" charset="0"/>
+              </a:rPr>
               <a:t>create</a:t>
             </a:r>
             <a:r>
-              <a:rPr lang="fr-CH" dirty="0"/>
+              <a:rPr lang="fr-CH" dirty="0">
+                <a:latin typeface="Frutiger LT Std 55 Roman" charset="0"/>
+                <a:ea typeface="Frutiger LT Std 55 Roman" charset="0"/>
+                <a:cs typeface="Frutiger LT Std 55 Roman" charset="0"/>
+              </a:rPr>
               <a:t> </a:t>
             </a:r>
             <a:r>
-              <a:rPr lang="fr-CH" dirty="0" err="1"/>
+              <a:rPr lang="fr-CH" dirty="0" err="1">
+                <a:latin typeface="Frutiger LT Std 55 Roman" charset="0"/>
+                <a:ea typeface="Frutiger LT Std 55 Roman" charset="0"/>
+                <a:cs typeface="Frutiger LT Std 55 Roman" charset="0"/>
+              </a:rPr>
               <a:t>temporary</a:t>
             </a:r>
             <a:r>
-              <a:rPr lang="fr-CH" dirty="0"/>
+              <a:rPr lang="fr-CH" dirty="0">
+                <a:latin typeface="Frutiger LT Std 55 Roman" charset="0"/>
+                <a:ea typeface="Frutiger LT Std 55 Roman" charset="0"/>
+                <a:cs typeface="Frutiger LT Std 55 Roman" charset="0"/>
+              </a:rPr>
               <a:t> </a:t>
             </a:r>
             <a:r>
-              <a:rPr lang="fr-CH" dirty="0" err="1"/>
+              <a:rPr lang="fr-CH" dirty="0" err="1">
+                <a:latin typeface="Frutiger LT Std 55 Roman" charset="0"/>
+                <a:ea typeface="Frutiger LT Std 55 Roman" charset="0"/>
+                <a:cs typeface="Frutiger LT Std 55 Roman" charset="0"/>
+              </a:rPr>
               <a:t>URLs</a:t>
             </a:r>
             <a:r>
-              <a:rPr lang="fr-CH" dirty="0"/>
-              <a:t> to invite </a:t>
-            </a:r>
-            <a:r>
-              <a:rPr lang="fr-CH" dirty="0" err="1"/>
+              <a:rPr lang="fr-CH" dirty="0">
+                <a:latin typeface="Frutiger LT Std 55 Roman" charset="0"/>
+                <a:ea typeface="Frutiger LT Std 55 Roman" charset="0"/>
+                <a:cs typeface="Frutiger LT Std 55 Roman" charset="0"/>
+              </a:rPr>
+              <a:t> </a:t>
+            </a:r>
+            <a:r>
+              <a:rPr lang="fr-CH" dirty="0" smtClean="0">
+                <a:latin typeface="Frutiger LT Std 55 Roman" charset="0"/>
+                <a:ea typeface="Frutiger LT Std 55 Roman" charset="0"/>
+                <a:cs typeface="Frutiger LT Std 55 Roman" charset="0"/>
+              </a:rPr>
+              <a:t>to </a:t>
+            </a:r>
+            <a:r>
+              <a:rPr lang="fr-CH" dirty="0">
+                <a:latin typeface="Frutiger LT Std 55 Roman" charset="0"/>
+                <a:ea typeface="Frutiger LT Std 55 Roman" charset="0"/>
+                <a:cs typeface="Frutiger LT Std 55 Roman" charset="0"/>
+              </a:rPr>
+              <a:t>invite </a:t>
+            </a:r>
+            <a:r>
+              <a:rPr lang="fr-CH" dirty="0" smtClean="0">
+                <a:latin typeface="Frutiger LT Std 55 Roman" charset="0"/>
+                <a:ea typeface="Frutiger LT Std 55 Roman" charset="0"/>
+                <a:cs typeface="Frutiger LT Std 55 Roman" charset="0"/>
+              </a:rPr>
+              <a:t/>
+            </a:r>
+            <a:br>
+              <a:rPr lang="fr-CH" dirty="0" smtClean="0">
+                <a:latin typeface="Frutiger LT Std 55 Roman" charset="0"/>
+                <a:ea typeface="Frutiger LT Std 55 Roman" charset="0"/>
+                <a:cs typeface="Frutiger LT Std 55 Roman" charset="0"/>
+              </a:rPr>
+            </a:br>
+            <a:r>
+              <a:rPr lang="fr-CH" dirty="0" err="1" smtClean="0">
+                <a:latin typeface="Frutiger LT Std 55 Roman" charset="0"/>
+                <a:ea typeface="Frutiger LT Std 55 Roman" charset="0"/>
+                <a:cs typeface="Frutiger LT Std 55 Roman" charset="0"/>
+              </a:rPr>
               <a:t>another</a:t>
             </a:r>
             <a:r>
-              <a:rPr lang="fr-CH" dirty="0"/>
-              <a:t> user to </a:t>
-            </a:r>
-            <a:r>
-              <a:rPr lang="fr-CH" dirty="0" err="1"/>
+              <a:rPr lang="fr-CH" dirty="0" smtClean="0">
+                <a:latin typeface="Frutiger LT Std 55 Roman" charset="0"/>
+                <a:ea typeface="Frutiger LT Std 55 Roman" charset="0"/>
+                <a:cs typeface="Frutiger LT Std 55 Roman" charset="0"/>
+              </a:rPr>
+              <a:t> </a:t>
+            </a:r>
+            <a:r>
+              <a:rPr lang="fr-CH" dirty="0">
+                <a:latin typeface="Frutiger LT Std 55 Roman" charset="0"/>
+                <a:ea typeface="Frutiger LT Std 55 Roman" charset="0"/>
+                <a:cs typeface="Frutiger LT Std 55 Roman" charset="0"/>
+              </a:rPr>
+              <a:t>user to </a:t>
+            </a:r>
+            <a:r>
+              <a:rPr lang="fr-CH" dirty="0" err="1">
+                <a:latin typeface="Frutiger LT Std 55 Roman" charset="0"/>
+                <a:ea typeface="Frutiger LT Std 55 Roman" charset="0"/>
+                <a:cs typeface="Frutiger LT Std 55 Roman" charset="0"/>
+              </a:rPr>
               <a:t>deposit</a:t>
             </a:r>
             <a:r>
-              <a:rPr lang="fr-CH" dirty="0"/>
-              <a:t> a file on the service</a:t>
-            </a:r>
-          </a:p>
-          <a:p>
-            <a:endParaRPr lang="fr-CH" dirty="0"/>
-          </a:p>
-          <a:p>
-            <a:r>
-              <a:rPr lang="fr-CH" dirty="0" err="1"/>
+              <a:rPr lang="fr-CH" dirty="0">
+                <a:latin typeface="Frutiger LT Std 55 Roman" charset="0"/>
+                <a:ea typeface="Frutiger LT Std 55 Roman" charset="0"/>
+                <a:cs typeface="Frutiger LT Std 55 Roman" charset="0"/>
+              </a:rPr>
+              <a:t> a file on the </a:t>
+            </a:r>
+            <a:r>
+              <a:rPr lang="fr-CH" dirty="0" smtClean="0">
+                <a:latin typeface="Frutiger LT Std 55 Roman" charset="0"/>
+                <a:ea typeface="Frutiger LT Std 55 Roman" charset="0"/>
+                <a:cs typeface="Frutiger LT Std 55 Roman" charset="0"/>
+              </a:rPr>
+              <a:t>service</a:t>
+            </a:r>
+            <a:endParaRPr lang="fr-CH" dirty="0">
+              <a:latin typeface="Frutiger LT Std 55 Roman" charset="0"/>
+              <a:ea typeface="Frutiger LT Std 55 Roman" charset="0"/>
+              <a:cs typeface="Frutiger LT Std 55 Roman" charset="0"/>
+            </a:endParaRPr>
+          </a:p>
+          <a:p>
+            <a:r>
+              <a:rPr lang="fr-CH" dirty="0" err="1">
+                <a:latin typeface="Frutiger LT Std 55 Roman" charset="0"/>
+                <a:ea typeface="Frutiger LT Std 55 Roman" charset="0"/>
+                <a:cs typeface="Frutiger LT Std 55 Roman" charset="0"/>
+              </a:rPr>
               <a:t>Invited</a:t>
             </a:r>
             <a:r>
-              <a:rPr lang="fr-CH" dirty="0"/>
+              <a:rPr lang="fr-CH" dirty="0">
+                <a:latin typeface="Frutiger LT Std 55 Roman" charset="0"/>
+                <a:ea typeface="Frutiger LT Std 55 Roman" charset="0"/>
+                <a:cs typeface="Frutiger LT Std 55 Roman" charset="0"/>
+              </a:rPr>
               <a:t> user </a:t>
             </a:r>
             <a:r>
-              <a:rPr lang="fr-CH" dirty="0" err="1"/>
+              <a:rPr lang="fr-CH" dirty="0" err="1">
+                <a:latin typeface="Frutiger LT Std 55 Roman" charset="0"/>
+                <a:ea typeface="Frutiger LT Std 55 Roman" charset="0"/>
+                <a:cs typeface="Frutiger LT Std 55 Roman" charset="0"/>
+              </a:rPr>
               <a:t>navigates</a:t>
             </a:r>
             <a:r>
-              <a:rPr lang="fr-CH" dirty="0"/>
+              <a:rPr lang="fr-CH" dirty="0">
+                <a:latin typeface="Frutiger LT Std 55 Roman" charset="0"/>
+                <a:ea typeface="Frutiger LT Std 55 Roman" charset="0"/>
+                <a:cs typeface="Frutiger LT Std 55 Roman" charset="0"/>
+              </a:rPr>
               <a:t> to URL and </a:t>
             </a:r>
             <a:r>
-              <a:rPr lang="fr-CH" dirty="0" err="1"/>
+              <a:rPr lang="fr-CH" dirty="0" err="1">
+                <a:latin typeface="Frutiger LT Std 55 Roman" charset="0"/>
+                <a:ea typeface="Frutiger LT Std 55 Roman" charset="0"/>
+                <a:cs typeface="Frutiger LT Std 55 Roman" charset="0"/>
+              </a:rPr>
               <a:t>sees</a:t>
             </a:r>
             <a:r>
-              <a:rPr lang="fr-CH" dirty="0"/>
+              <a:rPr lang="fr-CH" dirty="0">
+                <a:latin typeface="Frutiger LT Std 55 Roman" charset="0"/>
+                <a:ea typeface="Frutiger LT Std 55 Roman" charset="0"/>
+                <a:cs typeface="Frutiger LT Std 55 Roman" charset="0"/>
+              </a:rPr>
               <a:t> </a:t>
             </a:r>
             <a:r>
-              <a:rPr lang="fr-CH" dirty="0" err="1"/>
+              <a:rPr lang="fr-CH" dirty="0" err="1">
+                <a:latin typeface="Frutiger LT Std 55 Roman" charset="0"/>
+                <a:ea typeface="Frutiger LT Std 55 Roman" charset="0"/>
+                <a:cs typeface="Frutiger LT Std 55 Roman" charset="0"/>
+              </a:rPr>
               <a:t>customized</a:t>
             </a:r>
             <a:r>
-              <a:rPr lang="fr-CH" dirty="0"/>
-              <a:t> page </a:t>
-            </a:r>
-            <a:r>
-              <a:rPr lang="fr-CH" dirty="0" err="1"/>
+              <a:rPr lang="fr-CH" dirty="0">
+                <a:latin typeface="Frutiger LT Std 55 Roman" charset="0"/>
+                <a:ea typeface="Frutiger LT Std 55 Roman" charset="0"/>
+                <a:cs typeface="Frutiger LT Std 55 Roman" charset="0"/>
+              </a:rPr>
+              <a:t> </a:t>
+            </a:r>
+            <a:r>
+              <a:rPr lang="fr-CH" dirty="0" smtClean="0">
+                <a:latin typeface="Frutiger LT Std 55 Roman" charset="0"/>
+                <a:ea typeface="Frutiger LT Std 55 Roman" charset="0"/>
+                <a:cs typeface="Frutiger LT Std 55 Roman" charset="0"/>
+              </a:rPr>
+              <a:t/>
+            </a:r>
+            <a:br>
+              <a:rPr lang="fr-CH" dirty="0" smtClean="0">
+                <a:latin typeface="Frutiger LT Std 55 Roman" charset="0"/>
+                <a:ea typeface="Frutiger LT Std 55 Roman" charset="0"/>
+                <a:cs typeface="Frutiger LT Std 55 Roman" charset="0"/>
+              </a:rPr>
+            </a:br>
+            <a:r>
+              <a:rPr lang="fr-CH" dirty="0" smtClean="0">
+                <a:latin typeface="Frutiger LT Std 55 Roman" charset="0"/>
+                <a:ea typeface="Frutiger LT Std 55 Roman" charset="0"/>
+                <a:cs typeface="Frutiger LT Std 55 Roman" charset="0"/>
+              </a:rPr>
+              <a:t>page </a:t>
+            </a:r>
+            <a:r>
+              <a:rPr lang="fr-CH" dirty="0" err="1">
+                <a:latin typeface="Frutiger LT Std 55 Roman" charset="0"/>
+                <a:ea typeface="Frutiger LT Std 55 Roman" charset="0"/>
+                <a:cs typeface="Frutiger LT Std 55 Roman" charset="0"/>
+              </a:rPr>
               <a:t>inviting</a:t>
             </a:r>
             <a:r>
-              <a:rPr lang="fr-CH" dirty="0"/>
+              <a:rPr lang="fr-CH" dirty="0">
+                <a:latin typeface="Frutiger LT Std 55 Roman" charset="0"/>
+                <a:ea typeface="Frutiger LT Std 55 Roman" charset="0"/>
+                <a:cs typeface="Frutiger LT Std 55 Roman" charset="0"/>
+              </a:rPr>
               <a:t> </a:t>
             </a:r>
             <a:r>
-              <a:rPr lang="fr-CH" dirty="0" err="1"/>
+              <a:rPr lang="fr-CH" dirty="0" err="1">
+                <a:latin typeface="Frutiger LT Std 55 Roman" charset="0"/>
+                <a:ea typeface="Frutiger LT Std 55 Roman" charset="0"/>
+                <a:cs typeface="Frutiger LT Std 55 Roman" charset="0"/>
+              </a:rPr>
               <a:t>him</a:t>
             </a:r>
             <a:r>
-              <a:rPr lang="fr-CH" dirty="0"/>
+              <a:rPr lang="fr-CH" dirty="0">
+                <a:latin typeface="Frutiger LT Std 55 Roman" charset="0"/>
+                <a:ea typeface="Frutiger LT Std 55 Roman" charset="0"/>
+                <a:cs typeface="Frutiger LT Std 55 Roman" charset="0"/>
+              </a:rPr>
               <a:t> to </a:t>
             </a:r>
             <a:r>
-              <a:rPr lang="fr-CH" dirty="0" err="1"/>
+              <a:rPr lang="fr-CH" dirty="0" err="1">
+                <a:latin typeface="Frutiger LT Std 55 Roman" charset="0"/>
+                <a:ea typeface="Frutiger LT Std 55 Roman" charset="0"/>
+                <a:cs typeface="Frutiger LT Std 55 Roman" charset="0"/>
+              </a:rPr>
               <a:t>upload</a:t>
             </a:r>
             <a:r>
-              <a:rPr lang="fr-CH" dirty="0"/>
-              <a:t> file (no registration or </a:t>
-            </a:r>
-            <a:r>
-              <a:rPr lang="fr-CH" dirty="0" err="1"/>
+              <a:rPr lang="fr-CH" dirty="0">
+                <a:latin typeface="Frutiger LT Std 55 Roman" charset="0"/>
+                <a:ea typeface="Frutiger LT Std 55 Roman" charset="0"/>
+                <a:cs typeface="Frutiger LT Std 55 Roman" charset="0"/>
+              </a:rPr>
+              <a:t> file </a:t>
+            </a:r>
+            <a:r>
+              <a:rPr lang="fr-CH" dirty="0" smtClean="0">
+                <a:latin typeface="Frutiger LT Std 55 Roman" charset="0"/>
+                <a:ea typeface="Frutiger LT Std 55 Roman" charset="0"/>
+                <a:cs typeface="Frutiger LT Std 55 Roman" charset="0"/>
+              </a:rPr>
+              <a:t>(</a:t>
+            </a:r>
+            <a:r>
+              <a:rPr lang="fr-CH" dirty="0">
+                <a:latin typeface="Frutiger LT Std 55 Roman" charset="0"/>
+                <a:ea typeface="Frutiger LT Std 55 Roman" charset="0"/>
+                <a:cs typeface="Frutiger LT Std 55 Roman" charset="0"/>
+              </a:rPr>
+              <a:t>no registration or </a:t>
+            </a:r>
+            <a:r>
+              <a:rPr lang="fr-CH" dirty="0" err="1">
+                <a:latin typeface="Frutiger LT Std 55 Roman" charset="0"/>
+                <a:ea typeface="Frutiger LT Std 55 Roman" charset="0"/>
+                <a:cs typeface="Frutiger LT Std 55 Roman" charset="0"/>
+              </a:rPr>
               <a:t>authentication</a:t>
             </a:r>
             <a:r>
-              <a:rPr lang="fr-CH" dirty="0"/>
+              <a:rPr lang="fr-CH" dirty="0">
+                <a:latin typeface="Frutiger LT Std 55 Roman" charset="0"/>
+                <a:ea typeface="Frutiger LT Std 55 Roman" charset="0"/>
+                <a:cs typeface="Frutiger LT Std 55 Roman" charset="0"/>
+              </a:rPr>
               <a:t> </a:t>
             </a:r>
             <a:r>
-              <a:rPr lang="fr-CH" dirty="0" err="1"/>
+              <a:rPr lang="fr-CH" dirty="0" err="1">
+                <a:latin typeface="Frutiger LT Std 55 Roman" charset="0"/>
+                <a:ea typeface="Frutiger LT Std 55 Roman" charset="0"/>
+                <a:cs typeface="Frutiger LT Std 55 Roman" charset="0"/>
+              </a:rPr>
               <a:t>necessary</a:t>
             </a:r>
             <a:r>
-              <a:rPr lang="fr-CH" dirty="0"/>
+              <a:rPr lang="fr-CH" dirty="0" smtClean="0">
+                <a:latin typeface="Frutiger LT Std 55 Roman" charset="0"/>
+                <a:ea typeface="Frutiger LT Std 55 Roman" charset="0"/>
+                <a:cs typeface="Frutiger LT Std 55 Roman" charset="0"/>
+              </a:rPr>
               <a:t>)</a:t>
             </a:r>
-          </a:p>
-          <a:p>
-            <a:endParaRPr lang="fr-CH" dirty="0"/>
-          </a:p>
-          <a:p>
-            <a:r>
-              <a:rPr lang="fr-CH" dirty="0"/>
+            <a:endParaRPr lang="fr-CH" dirty="0">
+              <a:latin typeface="Frutiger LT Std 55 Roman" charset="0"/>
+              <a:ea typeface="Frutiger LT Std 55 Roman" charset="0"/>
+              <a:cs typeface="Frutiger LT Std 55 Roman" charset="0"/>
+            </a:endParaRPr>
+          </a:p>
+          <a:p>
+            <a:r>
+              <a:rPr lang="fr-CH" dirty="0">
+                <a:latin typeface="Frutiger LT Std 55 Roman" charset="0"/>
+                <a:ea typeface="Frutiger LT Std 55 Roman" charset="0"/>
+                <a:cs typeface="Frutiger LT Std 55 Roman" charset="0"/>
+              </a:rPr>
               <a:t>Principal user </a:t>
             </a:r>
             <a:r>
-              <a:rPr lang="fr-CH" dirty="0" err="1"/>
+              <a:rPr lang="fr-CH" dirty="0" err="1">
+                <a:latin typeface="Frutiger LT Std 55 Roman" charset="0"/>
+                <a:ea typeface="Frutiger LT Std 55 Roman" charset="0"/>
+                <a:cs typeface="Frutiger LT Std 55 Roman" charset="0"/>
+              </a:rPr>
               <a:t>is</a:t>
             </a:r>
             <a:r>
-              <a:rPr lang="fr-CH" dirty="0"/>
+              <a:rPr lang="fr-CH" dirty="0">
+                <a:latin typeface="Frutiger LT Std 55 Roman" charset="0"/>
+                <a:ea typeface="Frutiger LT Std 55 Roman" charset="0"/>
+                <a:cs typeface="Frutiger LT Std 55 Roman" charset="0"/>
+              </a:rPr>
               <a:t> able to </a:t>
             </a:r>
             <a:r>
-              <a:rPr lang="fr-CH" dirty="0" err="1"/>
+              <a:rPr lang="fr-CH" dirty="0" err="1">
+                <a:latin typeface="Frutiger LT Std 55 Roman" charset="0"/>
+                <a:ea typeface="Frutiger LT Std 55 Roman" charset="0"/>
+                <a:cs typeface="Frutiger LT Std 55 Roman" charset="0"/>
+              </a:rPr>
               <a:t>see</a:t>
             </a:r>
             <a:r>
-              <a:rPr lang="fr-CH" dirty="0"/>
+              <a:rPr lang="fr-CH" dirty="0">
+                <a:latin typeface="Frutiger LT Std 55 Roman" charset="0"/>
+                <a:ea typeface="Frutiger LT Std 55 Roman" charset="0"/>
+                <a:cs typeface="Frutiger LT Std 55 Roman" charset="0"/>
+              </a:rPr>
               <a:t> </a:t>
             </a:r>
             <a:r>
-              <a:rPr lang="fr-CH" dirty="0" err="1"/>
+              <a:rPr lang="fr-CH" dirty="0" err="1">
+                <a:latin typeface="Frutiger LT Std 55 Roman" charset="0"/>
+                <a:ea typeface="Frutiger LT Std 55 Roman" charset="0"/>
+                <a:cs typeface="Frutiger LT Std 55 Roman" charset="0"/>
+              </a:rPr>
               <a:t>status</a:t>
             </a:r>
             <a:r>
-              <a:rPr lang="fr-CH" dirty="0"/>
+              <a:rPr lang="fr-CH" dirty="0">
+                <a:latin typeface="Frutiger LT Std 55 Roman" charset="0"/>
+                <a:ea typeface="Frutiger LT Std 55 Roman" charset="0"/>
+                <a:cs typeface="Frutiger LT Std 55 Roman" charset="0"/>
+              </a:rPr>
               <a:t> for </a:t>
             </a:r>
             <a:r>
-              <a:rPr lang="fr-CH" dirty="0" err="1"/>
+              <a:rPr lang="fr-CH" dirty="0" err="1">
+                <a:latin typeface="Frutiger LT Std 55 Roman" charset="0"/>
+                <a:ea typeface="Frutiger LT Std 55 Roman" charset="0"/>
+                <a:cs typeface="Frutiger LT Std 55 Roman" charset="0"/>
+              </a:rPr>
               <a:t>each</a:t>
             </a:r>
             <a:r>
-              <a:rPr lang="fr-CH" dirty="0"/>
-              <a:t> URL </a:t>
-            </a:r>
-            <a:r>
-              <a:rPr lang="fr-CH" dirty="0" err="1"/>
+              <a:rPr lang="fr-CH" dirty="0">
+                <a:latin typeface="Frutiger LT Std 55 Roman" charset="0"/>
+                <a:ea typeface="Frutiger LT Std 55 Roman" charset="0"/>
+                <a:cs typeface="Frutiger LT Std 55 Roman" charset="0"/>
+              </a:rPr>
+              <a:t> </a:t>
+            </a:r>
+            <a:r>
+              <a:rPr lang="fr-CH" dirty="0" smtClean="0">
+                <a:latin typeface="Frutiger LT Std 55 Roman" charset="0"/>
+                <a:ea typeface="Frutiger LT Std 55 Roman" charset="0"/>
+                <a:cs typeface="Frutiger LT Std 55 Roman" charset="0"/>
+              </a:rPr>
+              <a:t/>
+            </a:r>
+            <a:br>
+              <a:rPr lang="fr-CH" dirty="0" smtClean="0">
+                <a:latin typeface="Frutiger LT Std 55 Roman" charset="0"/>
+                <a:ea typeface="Frutiger LT Std 55 Roman" charset="0"/>
+                <a:cs typeface="Frutiger LT Std 55 Roman" charset="0"/>
+              </a:rPr>
+            </a:br>
+            <a:r>
+              <a:rPr lang="fr-CH" dirty="0" smtClean="0">
+                <a:latin typeface="Frutiger LT Std 55 Roman" charset="0"/>
+                <a:ea typeface="Frutiger LT Std 55 Roman" charset="0"/>
+                <a:cs typeface="Frutiger LT Std 55 Roman" charset="0"/>
+              </a:rPr>
+              <a:t>URL </a:t>
+            </a:r>
+            <a:r>
+              <a:rPr lang="fr-CH" dirty="0" err="1">
+                <a:latin typeface="Frutiger LT Std 55 Roman" charset="0"/>
+                <a:ea typeface="Frutiger LT Std 55 Roman" charset="0"/>
+                <a:cs typeface="Frutiger LT Std 55 Roman" charset="0"/>
+              </a:rPr>
               <a:t>generated</a:t>
             </a:r>
             <a:r>
-              <a:rPr lang="fr-CH" dirty="0"/>
-              <a:t> (file has been </a:t>
-            </a:r>
-            <a:r>
-              <a:rPr lang="fr-CH" dirty="0" err="1"/>
+              <a:rPr lang="fr-CH" dirty="0">
+                <a:latin typeface="Frutiger LT Std 55 Roman" charset="0"/>
+                <a:ea typeface="Frutiger LT Std 55 Roman" charset="0"/>
+                <a:cs typeface="Frutiger LT Std 55 Roman" charset="0"/>
+              </a:rPr>
+              <a:t> </a:t>
+            </a:r>
+            <a:r>
+              <a:rPr lang="fr-CH" dirty="0" smtClean="0">
+                <a:latin typeface="Frutiger LT Std 55 Roman" charset="0"/>
+                <a:ea typeface="Frutiger LT Std 55 Roman" charset="0"/>
+                <a:cs typeface="Frutiger LT Std 55 Roman" charset="0"/>
+              </a:rPr>
+              <a:t>(</a:t>
+            </a:r>
+            <a:r>
+              <a:rPr lang="fr-CH" dirty="0">
+                <a:latin typeface="Frutiger LT Std 55 Roman" charset="0"/>
+                <a:ea typeface="Frutiger LT Std 55 Roman" charset="0"/>
+                <a:cs typeface="Frutiger LT Std 55 Roman" charset="0"/>
+              </a:rPr>
+              <a:t>file has been </a:t>
+            </a:r>
+            <a:r>
+              <a:rPr lang="fr-CH" dirty="0" err="1">
+                <a:latin typeface="Frutiger LT Std 55 Roman" charset="0"/>
+                <a:ea typeface="Frutiger LT Std 55 Roman" charset="0"/>
+                <a:cs typeface="Frutiger LT Std 55 Roman" charset="0"/>
+              </a:rPr>
               <a:t>uploaded</a:t>
             </a:r>
             <a:r>
-              <a:rPr lang="fr-CH" dirty="0"/>
-              <a:t> or not) and </a:t>
-            </a:r>
-            <a:r>
-              <a:rPr lang="fr-CH" dirty="0" err="1"/>
+              <a:rPr lang="fr-CH" dirty="0">
+                <a:latin typeface="Frutiger LT Std 55 Roman" charset="0"/>
+                <a:ea typeface="Frutiger LT Std 55 Roman" charset="0"/>
+                <a:cs typeface="Frutiger LT Std 55 Roman" charset="0"/>
+              </a:rPr>
+              <a:t> or not) </a:t>
+            </a:r>
+            <a:r>
+              <a:rPr lang="fr-CH" dirty="0" smtClean="0">
+                <a:latin typeface="Frutiger LT Std 55 Roman" charset="0"/>
+                <a:ea typeface="Frutiger LT Std 55 Roman" charset="0"/>
+                <a:cs typeface="Frutiger LT Std 55 Roman" charset="0"/>
+              </a:rPr>
+              <a:t/>
+            </a:r>
+            <a:br>
+              <a:rPr lang="fr-CH" dirty="0" smtClean="0">
+                <a:latin typeface="Frutiger LT Std 55 Roman" charset="0"/>
+                <a:ea typeface="Frutiger LT Std 55 Roman" charset="0"/>
+                <a:cs typeface="Frutiger LT Std 55 Roman" charset="0"/>
+              </a:rPr>
+            </a:br>
+            <a:r>
+              <a:rPr lang="fr-CH" dirty="0" smtClean="0">
+                <a:latin typeface="Frutiger LT Std 55 Roman" charset="0"/>
+                <a:ea typeface="Frutiger LT Std 55 Roman" charset="0"/>
+                <a:cs typeface="Frutiger LT Std 55 Roman" charset="0"/>
+              </a:rPr>
+              <a:t>and </a:t>
+            </a:r>
+            <a:r>
+              <a:rPr lang="fr-CH" dirty="0" err="1">
+                <a:latin typeface="Frutiger LT Std 55 Roman" charset="0"/>
+                <a:ea typeface="Frutiger LT Std 55 Roman" charset="0"/>
+                <a:cs typeface="Frutiger LT Std 55 Roman" charset="0"/>
+              </a:rPr>
               <a:t>download</a:t>
             </a:r>
             <a:r>
-              <a:rPr lang="fr-CH" dirty="0"/>
+              <a:rPr lang="fr-CH" dirty="0">
+                <a:latin typeface="Frutiger LT Std 55 Roman" charset="0"/>
+                <a:ea typeface="Frutiger LT Std 55 Roman" charset="0"/>
+                <a:cs typeface="Frutiger LT Std 55 Roman" charset="0"/>
+              </a:rPr>
               <a:t> the file</a:t>
             </a:r>
           </a:p>
@@ -6145,7 +7471,7 @@
 </p:sld>
 </file>
 
-<file path=ppt/slides/slide5.xml><?xml version="1.0" encoding="utf-8"?>
+<file path=ppt/slides/slide6.xml><?xml version="1.0" encoding="utf-8"?>
 <p:sld xmlns:a="http://schemas.openxmlformats.org/drawingml/2006/main" xmlns:r="http://schemas.openxmlformats.org/officeDocument/2006/relationships" xmlns:p="http://schemas.openxmlformats.org/presentationml/2006/main">
   <p:cSld>
     <p:spTree>
@@ -6178,10 +7504,10 @@
           <a:lstStyle/>
           <a:p>
             <a:r>
-              <a:rPr lang="fr-CH" dirty="0" smtClean="0"/>
+              <a:rPr lang="fr-CH" b="1" dirty="0" smtClean="0"/>
               <a:t>Amazon S3</a:t>
             </a:r>
-            <a:endParaRPr lang="fr-CH" dirty="0"/>
+            <a:endParaRPr lang="fr-CH" b="1" dirty="0"/>
           </a:p>
         </p:txBody>
       </p:sp>
@@ -6195,50 +7521,300 @@
             <p:ph idx="1"/>
           </p:nvPr>
         </p:nvSpPr>
-        <p:spPr/>
+        <p:spPr>
+          <a:xfrm>
+            <a:off x="5107172" y="1296115"/>
+            <a:ext cx="7315200" cy="6567130"/>
+          </a:xfrm>
+        </p:spPr>
         <p:txBody>
           <a:bodyPr/>
           <a:lstStyle/>
           <a:p>
             <a:r>
-              <a:rPr lang="fr-CH" dirty="0" err="1" smtClean="0"/>
+              <a:rPr lang="fr-CH" b="1" dirty="0" err="1" smtClean="0">
+                <a:latin typeface="Frutiger LT Std 55 Roman" charset="0"/>
+                <a:ea typeface="Frutiger LT Std 55 Roman" charset="0"/>
+                <a:cs typeface="Frutiger LT Std 55 Roman" charset="0"/>
+              </a:rPr>
               <a:t>Bucket</a:t>
             </a:r>
             <a:r>
-              <a:rPr lang="fr-CH" dirty="0" smtClean="0"/>
-              <a:t> : </a:t>
-            </a:r>
-            <a:r>
-              <a:rPr lang="en-US" dirty="0"/>
-              <a:t>A bucket is a container for objects stored in Amazon S3</a:t>
-            </a:r>
-            <a:endParaRPr lang="fr-CH" dirty="0" smtClean="0"/>
-          </a:p>
-          <a:p>
-            <a:r>
-              <a:rPr lang="fr-CH" dirty="0" smtClean="0"/>
-              <a:t>Object : </a:t>
-            </a:r>
-            <a:r>
-              <a:rPr lang="en-US" dirty="0"/>
-              <a:t>Objects are the fundamental entities stored in Amazon </a:t>
-            </a:r>
-            <a:r>
-              <a:rPr lang="en-US" dirty="0" smtClean="0"/>
+              <a:rPr lang="fr-CH" b="1" dirty="0" smtClean="0">
+                <a:latin typeface="Frutiger LT Std 55 Roman" charset="0"/>
+                <a:ea typeface="Frutiger LT Std 55 Roman" charset="0"/>
+                <a:cs typeface="Frutiger LT Std 55 Roman" charset="0"/>
+              </a:rPr>
+              <a:t/>
+            </a:r>
+            <a:br>
+              <a:rPr lang="fr-CH" b="1" dirty="0" smtClean="0">
+                <a:latin typeface="Frutiger LT Std 55 Roman" charset="0"/>
+                <a:ea typeface="Frutiger LT Std 55 Roman" charset="0"/>
+                <a:cs typeface="Frutiger LT Std 55 Roman" charset="0"/>
+              </a:rPr>
+            </a:br>
+            <a:r>
+              <a:rPr lang="fr-CH" b="1" dirty="0" smtClean="0">
+                <a:latin typeface="Frutiger LT Std 55 Roman" charset="0"/>
+                <a:ea typeface="Frutiger LT Std 55 Roman" charset="0"/>
+                <a:cs typeface="Frutiger LT Std 55 Roman" charset="0"/>
+              </a:rPr>
+              <a:t>  </a:t>
+            </a:r>
+            <a:r>
+              <a:rPr lang="en-US" dirty="0" smtClean="0">
+                <a:latin typeface="Frutiger LT Std 55 Roman" charset="0"/>
+                <a:ea typeface="Frutiger LT Std 55 Roman" charset="0"/>
+                <a:cs typeface="Frutiger LT Std 55 Roman" charset="0"/>
+              </a:rPr>
+              <a:t>A </a:t>
+            </a:r>
+            <a:r>
+              <a:rPr lang="en-US" dirty="0">
+                <a:latin typeface="Frutiger LT Std 55 Roman" charset="0"/>
+                <a:ea typeface="Frutiger LT Std 55 Roman" charset="0"/>
+                <a:cs typeface="Frutiger LT Std 55 Roman" charset="0"/>
+              </a:rPr>
+              <a:t>bucket is a container for objects stored </a:t>
+            </a:r>
+            <a:r>
+              <a:rPr lang="en-US" dirty="0" smtClean="0">
+                <a:latin typeface="Frutiger LT Std 55 Roman" charset="0"/>
+                <a:ea typeface="Frutiger LT Std 55 Roman" charset="0"/>
+                <a:cs typeface="Frutiger LT Std 55 Roman" charset="0"/>
+              </a:rPr>
+              <a:t/>
+            </a:r>
+            <a:br>
+              <a:rPr lang="en-US" dirty="0" smtClean="0">
+                <a:latin typeface="Frutiger LT Std 55 Roman" charset="0"/>
+                <a:ea typeface="Frutiger LT Std 55 Roman" charset="0"/>
+                <a:cs typeface="Frutiger LT Std 55 Roman" charset="0"/>
+              </a:rPr>
+            </a:br>
+            <a:r>
+              <a:rPr lang="en-US" dirty="0" smtClean="0">
+                <a:latin typeface="Frutiger LT Std 55 Roman" charset="0"/>
+                <a:ea typeface="Frutiger LT Std 55 Roman" charset="0"/>
+                <a:cs typeface="Frutiger LT Std 55 Roman" charset="0"/>
+              </a:rPr>
+              <a:t>  in </a:t>
+            </a:r>
+            <a:r>
+              <a:rPr lang="en-US" dirty="0">
+                <a:latin typeface="Frutiger LT Std 55 Roman" charset="0"/>
+                <a:ea typeface="Frutiger LT Std 55 Roman" charset="0"/>
+                <a:cs typeface="Frutiger LT Std 55 Roman" charset="0"/>
+              </a:rPr>
+              <a:t>Amazon </a:t>
+            </a:r>
+            <a:r>
+              <a:rPr lang="en-US" dirty="0" smtClean="0">
+                <a:latin typeface="Frutiger LT Std 55 Roman" charset="0"/>
+                <a:ea typeface="Frutiger LT Std 55 Roman" charset="0"/>
+                <a:cs typeface="Frutiger LT Std 55 Roman" charset="0"/>
+              </a:rPr>
               <a:t>S3</a:t>
             </a:r>
-          </a:p>
-          <a:p>
-            <a:r>
-              <a:rPr lang="fr-CH" dirty="0" smtClean="0"/>
-              <a:t>Key: </a:t>
-            </a:r>
-            <a:r>
-              <a:rPr lang="en-US" dirty="0"/>
-              <a:t>A key is the unique identifier for an object within a </a:t>
-            </a:r>
-            <a:r>
-              <a:rPr lang="en-US" dirty="0" smtClean="0"/>
+            <a:br>
+              <a:rPr lang="en-US" dirty="0" smtClean="0">
+                <a:latin typeface="Frutiger LT Std 55 Roman" charset="0"/>
+                <a:ea typeface="Frutiger LT Std 55 Roman" charset="0"/>
+                <a:cs typeface="Frutiger LT Std 55 Roman" charset="0"/>
+              </a:rPr>
+            </a:br>
+            <a:endParaRPr lang="fr-CH" dirty="0" smtClean="0">
+              <a:latin typeface="Frutiger LT Std 55 Roman" charset="0"/>
+              <a:ea typeface="Frutiger LT Std 55 Roman" charset="0"/>
+              <a:cs typeface="Frutiger LT Std 55 Roman" charset="0"/>
+            </a:endParaRPr>
+          </a:p>
+          <a:p>
+            <a:r>
+              <a:rPr lang="fr-CH" b="1" dirty="0" smtClean="0">
+                <a:latin typeface="Frutiger LT Std 55 Roman" charset="0"/>
+                <a:ea typeface="Frutiger LT Std 55 Roman" charset="0"/>
+                <a:cs typeface="Frutiger LT Std 55 Roman" charset="0"/>
+              </a:rPr>
+              <a:t>Object</a:t>
+            </a:r>
+            <a:r>
+              <a:rPr lang="fr-CH" dirty="0" smtClean="0">
+                <a:latin typeface="Frutiger LT Std 55 Roman" charset="0"/>
+                <a:ea typeface="Frutiger LT Std 55 Roman" charset="0"/>
+                <a:cs typeface="Frutiger LT Std 55 Roman" charset="0"/>
+              </a:rPr>
+              <a:t/>
+            </a:r>
+            <a:br>
+              <a:rPr lang="fr-CH" dirty="0" smtClean="0">
+                <a:latin typeface="Frutiger LT Std 55 Roman" charset="0"/>
+                <a:ea typeface="Frutiger LT Std 55 Roman" charset="0"/>
+                <a:cs typeface="Frutiger LT Std 55 Roman" charset="0"/>
+              </a:rPr>
+            </a:br>
+            <a:r>
+              <a:rPr lang="fr-CH" dirty="0" smtClean="0">
+                <a:latin typeface="Frutiger LT Std 55 Roman" charset="0"/>
+                <a:ea typeface="Frutiger LT Std 55 Roman" charset="0"/>
+                <a:cs typeface="Frutiger LT Std 55 Roman" charset="0"/>
+              </a:rPr>
+              <a:t>  </a:t>
+            </a:r>
+            <a:r>
+              <a:rPr lang="en-US" dirty="0" smtClean="0">
+                <a:latin typeface="Frutiger LT Std 55 Roman" charset="0"/>
+                <a:ea typeface="Frutiger LT Std 55 Roman" charset="0"/>
+                <a:cs typeface="Frutiger LT Std 55 Roman" charset="0"/>
+              </a:rPr>
+              <a:t>Objects </a:t>
+            </a:r>
+            <a:r>
+              <a:rPr lang="en-US" dirty="0">
+                <a:latin typeface="Frutiger LT Std 55 Roman" charset="0"/>
+                <a:ea typeface="Frutiger LT Std 55 Roman" charset="0"/>
+                <a:cs typeface="Frutiger LT Std 55 Roman" charset="0"/>
+              </a:rPr>
+              <a:t>are the fundamental entities </a:t>
+            </a:r>
+            <a:r>
+              <a:rPr lang="en-US" dirty="0" smtClean="0">
+                <a:latin typeface="Frutiger LT Std 55 Roman" charset="0"/>
+                <a:ea typeface="Frutiger LT Std 55 Roman" charset="0"/>
+                <a:cs typeface="Frutiger LT Std 55 Roman" charset="0"/>
+              </a:rPr>
+              <a:t>stored</a:t>
+            </a:r>
+            <a:br>
+              <a:rPr lang="en-US" dirty="0" smtClean="0">
+                <a:latin typeface="Frutiger LT Std 55 Roman" charset="0"/>
+                <a:ea typeface="Frutiger LT Std 55 Roman" charset="0"/>
+                <a:cs typeface="Frutiger LT Std 55 Roman" charset="0"/>
+              </a:rPr>
+            </a:br>
+            <a:r>
+              <a:rPr lang="en-US" dirty="0" smtClean="0">
+                <a:latin typeface="Frutiger LT Std 55 Roman" charset="0"/>
+                <a:ea typeface="Frutiger LT Std 55 Roman" charset="0"/>
+                <a:cs typeface="Frutiger LT Std 55 Roman" charset="0"/>
+              </a:rPr>
+              <a:t>  </a:t>
+            </a:r>
+            <a:r>
+              <a:rPr lang="en-US" dirty="0">
+                <a:latin typeface="Frutiger LT Std 55 Roman" charset="0"/>
+                <a:ea typeface="Frutiger LT Std 55 Roman" charset="0"/>
+                <a:cs typeface="Frutiger LT Std 55 Roman" charset="0"/>
+              </a:rPr>
+              <a:t>in Amazon </a:t>
+            </a:r>
+            <a:r>
+              <a:rPr lang="en-US" dirty="0" smtClean="0">
+                <a:latin typeface="Frutiger LT Std 55 Roman" charset="0"/>
+                <a:ea typeface="Frutiger LT Std 55 Roman" charset="0"/>
+                <a:cs typeface="Frutiger LT Std 55 Roman" charset="0"/>
+              </a:rPr>
+              <a:t>S3</a:t>
+            </a:r>
+            <a:br>
+              <a:rPr lang="en-US" dirty="0" smtClean="0">
+                <a:latin typeface="Frutiger LT Std 55 Roman" charset="0"/>
+                <a:ea typeface="Frutiger LT Std 55 Roman" charset="0"/>
+                <a:cs typeface="Frutiger LT Std 55 Roman" charset="0"/>
+              </a:rPr>
+            </a:br>
+            <a:endParaRPr lang="en-US" dirty="0" smtClean="0">
+              <a:latin typeface="Frutiger LT Std 55 Roman" charset="0"/>
+              <a:ea typeface="Frutiger LT Std 55 Roman" charset="0"/>
+              <a:cs typeface="Frutiger LT Std 55 Roman" charset="0"/>
+            </a:endParaRPr>
+          </a:p>
+          <a:p>
+            <a:r>
+              <a:rPr lang="fr-CH" b="1" dirty="0" smtClean="0">
+                <a:latin typeface="Frutiger LT Std 55 Roman" charset="0"/>
+                <a:ea typeface="Frutiger LT Std 55 Roman" charset="0"/>
+                <a:cs typeface="Frutiger LT Std 55 Roman" charset="0"/>
+              </a:rPr>
+              <a:t>Key</a:t>
+            </a:r>
+            <a:r>
+              <a:rPr lang="fr-CH" dirty="0">
+                <a:latin typeface="Frutiger LT Std 55 Roman" charset="0"/>
+                <a:ea typeface="Frutiger LT Std 55 Roman" charset="0"/>
+                <a:cs typeface="Frutiger LT Std 55 Roman" charset="0"/>
+              </a:rPr>
+              <a:t/>
+            </a:r>
+            <a:br>
+              <a:rPr lang="fr-CH" dirty="0">
+                <a:latin typeface="Frutiger LT Std 55 Roman" charset="0"/>
+                <a:ea typeface="Frutiger LT Std 55 Roman" charset="0"/>
+                <a:cs typeface="Frutiger LT Std 55 Roman" charset="0"/>
+              </a:rPr>
+            </a:br>
+            <a:r>
+              <a:rPr lang="fr-CH" dirty="0" smtClean="0">
+                <a:latin typeface="Frutiger LT Std 55 Roman" charset="0"/>
+                <a:ea typeface="Frutiger LT Std 55 Roman" charset="0"/>
+                <a:cs typeface="Frutiger LT Std 55 Roman" charset="0"/>
+              </a:rPr>
+              <a:t>  </a:t>
+            </a:r>
+            <a:r>
+              <a:rPr lang="en-US" dirty="0" smtClean="0">
+                <a:latin typeface="Frutiger LT Std 55 Roman" charset="0"/>
+                <a:ea typeface="Frutiger LT Std 55 Roman" charset="0"/>
+                <a:cs typeface="Frutiger LT Std 55 Roman" charset="0"/>
+              </a:rPr>
+              <a:t>A </a:t>
+            </a:r>
+            <a:r>
+              <a:rPr lang="en-US" dirty="0">
+                <a:latin typeface="Frutiger LT Std 55 Roman" charset="0"/>
+                <a:ea typeface="Frutiger LT Std 55 Roman" charset="0"/>
+                <a:cs typeface="Frutiger LT Std 55 Roman" charset="0"/>
+              </a:rPr>
+              <a:t>key is the unique identifier for an object </a:t>
+            </a:r>
+            <a:r>
+              <a:rPr lang="en-US" dirty="0" smtClean="0">
+                <a:latin typeface="Frutiger LT Std 55 Roman" charset="0"/>
+                <a:ea typeface="Frutiger LT Std 55 Roman" charset="0"/>
+                <a:cs typeface="Frutiger LT Std 55 Roman" charset="0"/>
+              </a:rPr>
+              <a:t/>
+            </a:r>
+            <a:br>
+              <a:rPr lang="en-US" dirty="0" smtClean="0">
+                <a:latin typeface="Frutiger LT Std 55 Roman" charset="0"/>
+                <a:ea typeface="Frutiger LT Std 55 Roman" charset="0"/>
+                <a:cs typeface="Frutiger LT Std 55 Roman" charset="0"/>
+              </a:rPr>
+            </a:br>
+            <a:r>
+              <a:rPr lang="en-US" dirty="0" smtClean="0">
+                <a:latin typeface="Frutiger LT Std 55 Roman" charset="0"/>
+                <a:ea typeface="Frutiger LT Std 55 Roman" charset="0"/>
+                <a:cs typeface="Frutiger LT Std 55 Roman" charset="0"/>
+              </a:rPr>
+              <a:t>  within </a:t>
+            </a:r>
+            <a:r>
+              <a:rPr lang="en-US" dirty="0">
+                <a:latin typeface="Frutiger LT Std 55 Roman" charset="0"/>
+                <a:ea typeface="Frutiger LT Std 55 Roman" charset="0"/>
+                <a:cs typeface="Frutiger LT Std 55 Roman" charset="0"/>
+              </a:rPr>
+              <a:t>a </a:t>
+            </a:r>
+            <a:r>
+              <a:rPr lang="en-US" dirty="0" smtClean="0">
+                <a:latin typeface="Frutiger LT Std 55 Roman" charset="0"/>
+                <a:ea typeface="Frutiger LT Std 55 Roman" charset="0"/>
+                <a:cs typeface="Frutiger LT Std 55 Roman" charset="0"/>
+              </a:rPr>
               <a:t>bucket</a:t>
             </a:r>
           </a:p>
@@ -6329,7 +7905,7 @@
             <a:fld id="{4FAB73BC-B049-4115-A692-8D63A059BFB8}" type="slidenum">
               <a:rPr lang="en-US" smtClean="0"/>
               <a:pPr/>
-              <a:t>5</a:t>
+              <a:t>6</a:t>
             </a:fld>
             <a:endParaRPr lang="en-US" dirty="0"/>
           </a:p>
@@ -6407,7 +7983,7 @@
       </p:pic>
       <p:pic>
         <p:nvPicPr>
-          <p:cNvPr id="10" name="Picture 9"/>
+          <p:cNvPr id="18" name="Picture 17"/>
           <p:cNvPicPr>
             <a:picLocks noChangeAspect="1"/>
           </p:cNvPicPr>
@@ -6427,8 +8003,8 @@
         </p:blipFill>
         <p:spPr>
           <a:xfrm>
-            <a:off x="3869268" y="2709466"/>
-            <a:ext cx="3115262" cy="3115262"/>
+            <a:off x="3948780" y="1232791"/>
+            <a:ext cx="906500" cy="906500"/>
           </a:xfrm>
           <a:prstGeom prst="rect">
             <a:avLst/>
@@ -6437,7 +8013,7 @@
       </p:pic>
       <p:pic>
         <p:nvPicPr>
-          <p:cNvPr id="11" name="Picture 10"/>
+          <p:cNvPr id="19" name="Picture 18"/>
           <p:cNvPicPr>
             <a:picLocks noChangeAspect="1"/>
           </p:cNvPicPr>
@@ -6451,8 +8027,8 @@
         </p:blipFill>
         <p:spPr>
           <a:xfrm>
-            <a:off x="7187808" y="3125587"/>
-            <a:ext cx="826367" cy="987005"/>
+            <a:off x="4063839" y="2577276"/>
+            <a:ext cx="700141" cy="836242"/>
           </a:xfrm>
           <a:prstGeom prst="rect">
             <a:avLst/>
@@ -6461,31 +8037,7 @@
       </p:pic>
       <p:pic>
         <p:nvPicPr>
-          <p:cNvPr id="12" name="Picture 11"/>
-          <p:cNvPicPr>
-            <a:picLocks noChangeAspect="1"/>
-          </p:cNvPicPr>
-          <p:nvPr/>
-        </p:nvPicPr>
-        <p:blipFill>
-          <a:blip r:embed="rId5"/>
-          <a:stretch>
-            <a:fillRect/>
-          </a:stretch>
-        </p:blipFill>
-        <p:spPr>
-          <a:xfrm>
-            <a:off x="7187809" y="4386970"/>
-            <a:ext cx="826367" cy="987005"/>
-          </a:xfrm>
-          <a:prstGeom prst="rect">
-            <a:avLst/>
-          </a:prstGeom>
-        </p:spPr>
-      </p:pic>
-      <p:pic>
-        <p:nvPicPr>
-          <p:cNvPr id="14" name="Picture 13"/>
+          <p:cNvPr id="20" name="Picture 19"/>
           <p:cNvPicPr>
             <a:picLocks noChangeAspect="1"/>
           </p:cNvPicPr>
@@ -6499,449 +8051,8 @@
         </p:blipFill>
         <p:spPr>
           <a:xfrm rot="5400000">
-            <a:off x="8563324" y="3195239"/>
+            <a:off x="4151833" y="3823970"/>
             <a:ext cx="376594" cy="847700"/>
-          </a:xfrm>
-          <a:prstGeom prst="rect">
-            <a:avLst/>
-          </a:prstGeom>
-        </p:spPr>
-      </p:pic>
-      <p:pic>
-        <p:nvPicPr>
-          <p:cNvPr id="15" name="Picture 14"/>
-          <p:cNvPicPr>
-            <a:picLocks noChangeAspect="1"/>
-          </p:cNvPicPr>
-          <p:nvPr/>
-        </p:nvPicPr>
-        <p:blipFill>
-          <a:blip r:embed="rId6"/>
-          <a:stretch>
-            <a:fillRect/>
-          </a:stretch>
-        </p:blipFill>
-        <p:spPr>
-          <a:xfrm rot="5400000">
-            <a:off x="8563324" y="4454915"/>
-            <a:ext cx="376594" cy="847700"/>
-          </a:xfrm>
-          <a:prstGeom prst="rect">
-            <a:avLst/>
-          </a:prstGeom>
-        </p:spPr>
-      </p:pic>
-      <p:sp>
-        <p:nvSpPr>
-          <p:cNvPr id="16" name="TextBox 15"/>
-          <p:cNvSpPr txBox="1"/>
-          <p:nvPr/>
-        </p:nvSpPr>
-        <p:spPr>
-          <a:xfrm>
-            <a:off x="8287310" y="3897765"/>
-            <a:ext cx="1493475" cy="369332"/>
-          </a:xfrm>
-          <a:prstGeom prst="rect">
-            <a:avLst/>
-          </a:prstGeom>
-          <a:noFill/>
-        </p:spPr>
-        <p:txBody>
-          <a:bodyPr wrap="square" rtlCol="0">
-            <a:spAutoFit/>
-          </a:bodyPr>
-          <a:lstStyle/>
-          <a:p>
-            <a:r>
-              <a:rPr lang="fr-CH" dirty="0" smtClean="0"/>
-              <a:t>Key : file1.txt</a:t>
-            </a:r>
-            <a:endParaRPr lang="fr-CH" dirty="0"/>
-          </a:p>
-        </p:txBody>
-      </p:sp>
-      <p:sp>
-        <p:nvSpPr>
-          <p:cNvPr id="17" name="TextBox 16"/>
-          <p:cNvSpPr txBox="1"/>
-          <p:nvPr/>
-        </p:nvSpPr>
-        <p:spPr>
-          <a:xfrm>
-            <a:off x="8327771" y="5121101"/>
-            <a:ext cx="1493475" cy="369332"/>
-          </a:xfrm>
-          <a:prstGeom prst="rect">
-            <a:avLst/>
-          </a:prstGeom>
-          <a:noFill/>
-        </p:spPr>
-        <p:txBody>
-          <a:bodyPr wrap="square" rtlCol="0">
-            <a:spAutoFit/>
-          </a:bodyPr>
-          <a:lstStyle/>
-          <a:p>
-            <a:r>
-              <a:rPr lang="fr-CH" dirty="0" smtClean="0"/>
-              <a:t>Key : file2.txt</a:t>
-            </a:r>
-            <a:endParaRPr lang="fr-CH" dirty="0"/>
-          </a:p>
-        </p:txBody>
-      </p:sp>
-    </p:spTree>
-    <p:extLst>
-      <p:ext uri="{BB962C8B-B14F-4D97-AF65-F5344CB8AC3E}">
-        <p14:creationId xmlns:p14="http://schemas.microsoft.com/office/powerpoint/2010/main" val="3989297272"/>
-      </p:ext>
-    </p:extLst>
-  </p:cSld>
-  <p:clrMapOvr>
-    <a:masterClrMapping/>
-  </p:clrMapOvr>
-  <p:timing>
-    <p:tnLst>
-      <p:par>
-        <p:cTn id="1" dur="indefinite" restart="never" nodeType="tmRoot"/>
-      </p:par>
-    </p:tnLst>
-  </p:timing>
-</p:sld>
-</file>
-
-<file path=ppt/slides/slide6.xml><?xml version="1.0" encoding="utf-8"?>
-<p:sld xmlns:a="http://schemas.openxmlformats.org/drawingml/2006/main" xmlns:r="http://schemas.openxmlformats.org/officeDocument/2006/relationships" xmlns:p="http://schemas.openxmlformats.org/presentationml/2006/main">
-  <p:cSld>
-    <p:spTree>
-      <p:nvGrpSpPr>
-        <p:cNvPr id="1" name=""/>
-        <p:cNvGrpSpPr/>
-        <p:nvPr/>
-      </p:nvGrpSpPr>
-      <p:grpSpPr>
-        <a:xfrm>
-          <a:off x="0" y="0"/>
-          <a:ext cx="0" cy="0"/>
-          <a:chOff x="0" y="0"/>
-          <a:chExt cx="0" cy="0"/>
-        </a:xfrm>
-      </p:grpSpPr>
-      <p:sp>
-        <p:nvSpPr>
-          <p:cNvPr id="2" name="Title 1"/>
-          <p:cNvSpPr>
-            <a:spLocks noGrp="1"/>
-          </p:cNvSpPr>
-          <p:nvPr>
-            <p:ph type="title"/>
-          </p:nvPr>
-        </p:nvSpPr>
-        <p:spPr/>
-        <p:txBody>
-          <a:bodyPr/>
-          <a:lstStyle/>
-          <a:p>
-            <a:r>
-              <a:rPr lang="fr-CH" dirty="0" err="1" smtClean="0"/>
-              <a:t>Technology</a:t>
-            </a:r>
-            <a:endParaRPr lang="fr-CH" dirty="0"/>
-          </a:p>
-        </p:txBody>
-      </p:sp>
-      <p:pic>
-        <p:nvPicPr>
-          <p:cNvPr id="9" name="Content Placeholder 8"/>
-          <p:cNvPicPr>
-            <a:picLocks noGrp="1" noChangeAspect="1"/>
-          </p:cNvPicPr>
-          <p:nvPr>
-            <p:ph idx="1"/>
-          </p:nvPr>
-        </p:nvPicPr>
-        <p:blipFill>
-          <a:blip r:embed="rId2">
-            <a:extLst>
-              <a:ext uri="{28A0092B-C50C-407E-A947-70E740481C1C}">
-                <a14:useLocalDpi xmlns:a14="http://schemas.microsoft.com/office/drawing/2010/main" val="0"/>
-              </a:ext>
-            </a:extLst>
-          </a:blip>
-          <a:stretch>
-            <a:fillRect/>
-          </a:stretch>
-        </p:blipFill>
-        <p:spPr>
-          <a:xfrm>
-            <a:off x="9031669" y="1377300"/>
-            <a:ext cx="2000250" cy="2000250"/>
-          </a:xfrm>
-          <a:prstGeom prst="rect">
-            <a:avLst/>
-          </a:prstGeom>
-          <a:ln>
-            <a:noFill/>
-          </a:ln>
-          <a:effectLst>
-            <a:softEdge rad="112500"/>
-          </a:effectLst>
-        </p:spPr>
-      </p:pic>
-      <p:sp>
-        <p:nvSpPr>
-          <p:cNvPr id="4" name="Date Placeholder 3"/>
-          <p:cNvSpPr>
-            <a:spLocks noGrp="1"/>
-          </p:cNvSpPr>
-          <p:nvPr>
-            <p:ph type="dt" sz="half" idx="10"/>
-          </p:nvPr>
-        </p:nvSpPr>
-        <p:spPr/>
-        <p:txBody>
-          <a:bodyPr/>
-          <a:lstStyle/>
-          <a:p>
-            <a:fld id="{567179FF-B5CF-4733-8008-E8A373DC24D9}" type="datetime2">
-              <a:rPr lang="en-US" smtClean="0"/>
-              <a:t>Saturday, December 5, 2015</a:t>
-            </a:fld>
-            <a:endParaRPr lang="en-US" dirty="0"/>
-          </a:p>
-        </p:txBody>
-      </p:sp>
-      <p:sp>
-        <p:nvSpPr>
-          <p:cNvPr id="5" name="Footer Placeholder 4"/>
-          <p:cNvSpPr>
-            <a:spLocks noGrp="1"/>
-          </p:cNvSpPr>
-          <p:nvPr>
-            <p:ph type="ftr" sz="quarter" idx="11"/>
-          </p:nvPr>
-        </p:nvSpPr>
-        <p:spPr/>
-        <p:txBody>
-          <a:bodyPr/>
-          <a:lstStyle/>
-          <a:p>
-            <a:r>
-              <a:rPr lang="en-US" smtClean="0"/>
-              <a:t>Development of a file sharing by invitation service based on AWS S3</a:t>
-            </a:r>
-            <a:endParaRPr lang="en-US" dirty="0"/>
-          </a:p>
-        </p:txBody>
-      </p:sp>
-      <p:sp>
-        <p:nvSpPr>
-          <p:cNvPr id="6" name="Slide Number Placeholder 5"/>
-          <p:cNvSpPr>
-            <a:spLocks noGrp="1"/>
-          </p:cNvSpPr>
-          <p:nvPr>
-            <p:ph type="sldNum" sz="quarter" idx="12"/>
-          </p:nvPr>
-        </p:nvSpPr>
-        <p:spPr/>
-        <p:txBody>
-          <a:bodyPr/>
-          <a:lstStyle/>
-          <a:p>
-            <a:fld id="{4FAB73BC-B049-4115-A692-8D63A059BFB8}" type="slidenum">
-              <a:rPr lang="en-US" smtClean="0"/>
-              <a:pPr/>
-              <a:t>6</a:t>
-            </a:fld>
-            <a:endParaRPr lang="en-US" dirty="0"/>
-          </a:p>
-        </p:txBody>
-      </p:sp>
-      <p:pic>
-        <p:nvPicPr>
-          <p:cNvPr id="7" name="Picture 6"/>
-          <p:cNvPicPr/>
-          <p:nvPr/>
-        </p:nvPicPr>
-        <p:blipFill rotWithShape="1">
-          <a:blip r:embed="rId3">
-            <a:extLst>
-              <a:ext uri="{28A0092B-C50C-407E-A947-70E740481C1C}">
-                <a14:useLocalDpi xmlns:a14="http://schemas.microsoft.com/office/drawing/2010/main" val="0"/>
-              </a:ext>
-            </a:extLst>
-          </a:blip>
-          <a:srcRect t="35423" b="36238"/>
-          <a:stretch/>
-        </p:blipFill>
-        <p:spPr bwMode="auto">
-          <a:xfrm>
-            <a:off x="8385048" y="65214"/>
-            <a:ext cx="3721735" cy="655955"/>
-          </a:xfrm>
-          <a:prstGeom prst="rect">
-            <a:avLst/>
-          </a:prstGeom>
-          <a:ln>
-            <a:noFill/>
-          </a:ln>
-          <a:extLst>
-            <a:ext uri="{53640926-AAD7-44D8-BBD7-CCE9431645EC}">
-              <a14:shadowObscured xmlns:a14="http://schemas.microsoft.com/office/drawing/2010/main"/>
-            </a:ext>
-          </a:extLst>
-        </p:spPr>
-      </p:pic>
-      <p:pic>
-        <p:nvPicPr>
-          <p:cNvPr id="8" name="Image 1"/>
-          <p:cNvPicPr>
-            <a:picLocks noChangeAspect="1"/>
-          </p:cNvPicPr>
-          <p:nvPr/>
-        </p:nvPicPr>
-        <p:blipFill>
-          <a:blip r:embed="rId4">
-            <a:extLst>
-              <a:ext uri="{28A0092B-C50C-407E-A947-70E740481C1C}">
-                <a14:useLocalDpi xmlns:a14="http://schemas.microsoft.com/office/drawing/2010/main" val="0"/>
-              </a:ext>
-            </a:extLst>
-          </a:blip>
-          <a:srcRect/>
-          <a:stretch>
-            <a:fillRect/>
-          </a:stretch>
-        </p:blipFill>
-        <p:spPr bwMode="auto">
-          <a:xfrm>
-            <a:off x="2187787" y="43371"/>
-            <a:ext cx="1260987" cy="648000"/>
-          </a:xfrm>
-          <a:prstGeom prst="rect">
-            <a:avLst/>
-          </a:prstGeom>
-          <a:noFill/>
-          <a:ln>
-            <a:noFill/>
-          </a:ln>
-        </p:spPr>
-      </p:pic>
-      <p:pic>
-        <p:nvPicPr>
-          <p:cNvPr id="10" name="Picture 9"/>
-          <p:cNvPicPr>
-            <a:picLocks noChangeAspect="1"/>
-          </p:cNvPicPr>
-          <p:nvPr/>
-        </p:nvPicPr>
-        <p:blipFill>
-          <a:blip r:embed="rId5">
-            <a:extLst>
-              <a:ext uri="{28A0092B-C50C-407E-A947-70E740481C1C}">
-                <a14:useLocalDpi xmlns:a14="http://schemas.microsoft.com/office/drawing/2010/main" val="0"/>
-              </a:ext>
-            </a:extLst>
-          </a:blip>
-          <a:stretch>
-            <a:fillRect/>
-          </a:stretch>
-        </p:blipFill>
-        <p:spPr>
-          <a:xfrm>
-            <a:off x="4335241" y="1398049"/>
-            <a:ext cx="3118104" cy="1309360"/>
-          </a:xfrm>
-          <a:prstGeom prst="rect">
-            <a:avLst/>
-          </a:prstGeom>
-        </p:spPr>
-      </p:pic>
-      <p:pic>
-        <p:nvPicPr>
-          <p:cNvPr id="11" name="Picture 10"/>
-          <p:cNvPicPr>
-            <a:picLocks noChangeAspect="1"/>
-          </p:cNvPicPr>
-          <p:nvPr/>
-        </p:nvPicPr>
-        <p:blipFill rotWithShape="1">
-          <a:blip r:embed="rId6">
-            <a:extLst>
-              <a:ext uri="{28A0092B-C50C-407E-A947-70E740481C1C}">
-                <a14:useLocalDpi xmlns:a14="http://schemas.microsoft.com/office/drawing/2010/main" val="0"/>
-              </a:ext>
-            </a:extLst>
-          </a:blip>
-          <a:srcRect l="32267" t="29514" r="29299" b="29475"/>
-          <a:stretch/>
-        </p:blipFill>
-        <p:spPr>
-          <a:xfrm>
-            <a:off x="4201668" y="3299650"/>
-            <a:ext cx="1591056" cy="1901952"/>
-          </a:xfrm>
-          <a:prstGeom prst="rect">
-            <a:avLst/>
-          </a:prstGeom>
-        </p:spPr>
-      </p:pic>
-      <p:pic>
-        <p:nvPicPr>
-          <p:cNvPr id="12" name="Picture 11"/>
-          <p:cNvPicPr>
-            <a:picLocks noChangeAspect="1"/>
-          </p:cNvPicPr>
-          <p:nvPr/>
-        </p:nvPicPr>
-        <p:blipFill>
-          <a:blip r:embed="rId7">
-            <a:extLst>
-              <a:ext uri="{28A0092B-C50C-407E-A947-70E740481C1C}">
-                <a14:useLocalDpi xmlns:a14="http://schemas.microsoft.com/office/drawing/2010/main" val="0"/>
-              </a:ext>
-            </a:extLst>
-          </a:blip>
-          <a:stretch>
-            <a:fillRect/>
-          </a:stretch>
-        </p:blipFill>
-        <p:spPr>
-          <a:xfrm>
-            <a:off x="6177059" y="3357784"/>
-            <a:ext cx="1723358" cy="1842484"/>
-          </a:xfrm>
-          <a:prstGeom prst="rect">
-            <a:avLst/>
-          </a:prstGeom>
-        </p:spPr>
-      </p:pic>
-      <p:pic>
-        <p:nvPicPr>
-          <p:cNvPr id="13" name="Picture 12"/>
-          <p:cNvPicPr>
-            <a:picLocks noChangeAspect="1"/>
-          </p:cNvPicPr>
-          <p:nvPr/>
-        </p:nvPicPr>
-        <p:blipFill>
-          <a:blip r:embed="rId8">
-            <a:extLst>
-              <a:ext uri="{28A0092B-C50C-407E-A947-70E740481C1C}">
-                <a14:useLocalDpi xmlns:a14="http://schemas.microsoft.com/office/drawing/2010/main" val="0"/>
-              </a:ext>
-            </a:extLst>
-          </a:blip>
-          <a:stretch>
-            <a:fillRect/>
-          </a:stretch>
-        </p:blipFill>
-        <p:spPr>
-          <a:xfrm>
-            <a:off x="8497000" y="3702054"/>
-            <a:ext cx="2769231" cy="1384615"/>
           </a:xfrm>
           <a:prstGeom prst="rect">
             <a:avLst/>
@@ -6951,7 +8062,7 @@
     </p:spTree>
     <p:extLst>
       <p:ext uri="{BB962C8B-B14F-4D97-AF65-F5344CB8AC3E}">
-        <p14:creationId xmlns:p14="http://schemas.microsoft.com/office/powerpoint/2010/main" val="959878397"/>
+        <p14:creationId xmlns:p14="http://schemas.microsoft.com/office/powerpoint/2010/main" val="3989297272"/>
       </p:ext>
     </p:extLst>
   </p:cSld>
@@ -7001,10 +8112,10 @@
           <a:lstStyle/>
           <a:p>
             <a:r>
-              <a:rPr lang="fr-CH" dirty="0" smtClean="0"/>
-              <a:t>Concept</a:t>
-            </a:r>
-            <a:endParaRPr lang="fr-CH" dirty="0"/>
+              <a:rPr lang="fr-CH" b="1" dirty="0" smtClean="0"/>
+              <a:t>Technologies</a:t>
+            </a:r>
+            <a:endParaRPr lang="fr-CH" b="1" dirty="0"/>
           </a:p>
         </p:txBody>
       </p:sp>
@@ -7137,6 +8248,415 @@
         <p:spPr bwMode="auto">
           <a:xfrm>
             <a:off x="2187787" y="43371"/>
+            <a:ext cx="1260987" cy="648000"/>
+          </a:xfrm>
+          <a:prstGeom prst="rect">
+            <a:avLst/>
+          </a:prstGeom>
+          <a:noFill/>
+          <a:ln>
+            <a:noFill/>
+          </a:ln>
+        </p:spPr>
+      </p:pic>
+      <p:pic>
+        <p:nvPicPr>
+          <p:cNvPr id="11" name="Picture 10"/>
+          <p:cNvPicPr>
+            <a:picLocks noChangeAspect="1"/>
+          </p:cNvPicPr>
+          <p:nvPr/>
+        </p:nvPicPr>
+        <p:blipFill rotWithShape="1">
+          <a:blip r:embed="rId4">
+            <a:extLst>
+              <a:ext uri="{28A0092B-C50C-407E-A947-70E740481C1C}">
+                <a14:useLocalDpi xmlns:a14="http://schemas.microsoft.com/office/drawing/2010/main" val="0"/>
+              </a:ext>
+            </a:extLst>
+          </a:blip>
+          <a:srcRect l="32267" t="29514" r="29299" b="29475"/>
+          <a:stretch/>
+        </p:blipFill>
+        <p:spPr>
+          <a:xfrm>
+            <a:off x="8176113" y="3978706"/>
+            <a:ext cx="1219680" cy="1458008"/>
+          </a:xfrm>
+          <a:prstGeom prst="rect">
+            <a:avLst/>
+          </a:prstGeom>
+        </p:spPr>
+      </p:pic>
+      <p:pic>
+        <p:nvPicPr>
+          <p:cNvPr id="12" name="Picture 11"/>
+          <p:cNvPicPr>
+            <a:picLocks noChangeAspect="1"/>
+          </p:cNvPicPr>
+          <p:nvPr/>
+        </p:nvPicPr>
+        <p:blipFill>
+          <a:blip r:embed="rId5">
+            <a:extLst>
+              <a:ext uri="{28A0092B-C50C-407E-A947-70E740481C1C}">
+                <a14:useLocalDpi xmlns:a14="http://schemas.microsoft.com/office/drawing/2010/main" val="0"/>
+              </a:ext>
+            </a:extLst>
+          </a:blip>
+          <a:stretch>
+            <a:fillRect/>
+          </a:stretch>
+        </p:blipFill>
+        <p:spPr>
+          <a:xfrm>
+            <a:off x="9875944" y="4012996"/>
+            <a:ext cx="1321101" cy="1412421"/>
+          </a:xfrm>
+          <a:prstGeom prst="rect">
+            <a:avLst/>
+          </a:prstGeom>
+        </p:spPr>
+      </p:pic>
+      <p:pic>
+        <p:nvPicPr>
+          <p:cNvPr id="13" name="Picture 12"/>
+          <p:cNvPicPr>
+            <a:picLocks noChangeAspect="1"/>
+          </p:cNvPicPr>
+          <p:nvPr/>
+        </p:nvPicPr>
+        <p:blipFill>
+          <a:blip r:embed="rId6">
+            <a:extLst>
+              <a:ext uri="{28A0092B-C50C-407E-A947-70E740481C1C}">
+                <a14:useLocalDpi xmlns:a14="http://schemas.microsoft.com/office/drawing/2010/main" val="0"/>
+              </a:ext>
+            </a:extLst>
+          </a:blip>
+          <a:stretch>
+            <a:fillRect/>
+          </a:stretch>
+        </p:blipFill>
+        <p:spPr>
+          <a:xfrm>
+            <a:off x="7822908" y="2464964"/>
+            <a:ext cx="2261998" cy="1130999"/>
+          </a:xfrm>
+          <a:prstGeom prst="rect">
+            <a:avLst/>
+          </a:prstGeom>
+        </p:spPr>
+      </p:pic>
+      <p:pic>
+        <p:nvPicPr>
+          <p:cNvPr id="14" name="Picture 13"/>
+          <p:cNvPicPr>
+            <a:picLocks noChangeAspect="1"/>
+          </p:cNvPicPr>
+          <p:nvPr/>
+        </p:nvPicPr>
+        <p:blipFill>
+          <a:blip r:embed="rId7">
+            <a:extLst>
+              <a:ext uri="{28A0092B-C50C-407E-A947-70E740481C1C}">
+                <a14:useLocalDpi xmlns:a14="http://schemas.microsoft.com/office/drawing/2010/main" val="0"/>
+              </a:ext>
+            </a:extLst>
+          </a:blip>
+          <a:stretch>
+            <a:fillRect/>
+          </a:stretch>
+        </p:blipFill>
+        <p:spPr>
+          <a:xfrm>
+            <a:off x="7160298" y="1500058"/>
+            <a:ext cx="1629138" cy="567483"/>
+          </a:xfrm>
+          <a:prstGeom prst="rect">
+            <a:avLst/>
+          </a:prstGeom>
+        </p:spPr>
+      </p:pic>
+      <p:pic>
+        <p:nvPicPr>
+          <p:cNvPr id="15" name="Picture 14"/>
+          <p:cNvPicPr>
+            <a:picLocks noChangeAspect="1"/>
+          </p:cNvPicPr>
+          <p:nvPr/>
+        </p:nvPicPr>
+        <p:blipFill>
+          <a:blip r:embed="rId8">
+            <a:extLst>
+              <a:ext uri="{28A0092B-C50C-407E-A947-70E740481C1C}">
+                <a14:useLocalDpi xmlns:a14="http://schemas.microsoft.com/office/drawing/2010/main" val="0"/>
+              </a:ext>
+            </a:extLst>
+          </a:blip>
+          <a:stretch>
+            <a:fillRect/>
+          </a:stretch>
+        </p:blipFill>
+        <p:spPr>
+          <a:xfrm>
+            <a:off x="3869268" y="1217756"/>
+            <a:ext cx="2609938" cy="1132085"/>
+          </a:xfrm>
+          <a:prstGeom prst="rect">
+            <a:avLst/>
+          </a:prstGeom>
+        </p:spPr>
+      </p:pic>
+      <p:pic>
+        <p:nvPicPr>
+          <p:cNvPr id="16" name="Picture 15"/>
+          <p:cNvPicPr>
+            <a:picLocks noChangeAspect="1"/>
+          </p:cNvPicPr>
+          <p:nvPr/>
+        </p:nvPicPr>
+        <p:blipFill>
+          <a:blip r:embed="rId9">
+            <a:extLst>
+              <a:ext uri="{28A0092B-C50C-407E-A947-70E740481C1C}">
+                <a14:useLocalDpi xmlns:a14="http://schemas.microsoft.com/office/drawing/2010/main" val="0"/>
+              </a:ext>
+            </a:extLst>
+          </a:blip>
+          <a:stretch>
+            <a:fillRect/>
+          </a:stretch>
+        </p:blipFill>
+        <p:spPr>
+          <a:xfrm>
+            <a:off x="5916720" y="2523497"/>
+            <a:ext cx="913442" cy="913442"/>
+          </a:xfrm>
+          <a:prstGeom prst="rect">
+            <a:avLst/>
+          </a:prstGeom>
+        </p:spPr>
+      </p:pic>
+      <p:pic>
+        <p:nvPicPr>
+          <p:cNvPr id="17" name="Picture 16"/>
+          <p:cNvPicPr>
+            <a:picLocks noChangeAspect="1"/>
+          </p:cNvPicPr>
+          <p:nvPr/>
+        </p:nvPicPr>
+        <p:blipFill>
+          <a:blip r:embed="rId10">
+            <a:extLst>
+              <a:ext uri="{28A0092B-C50C-407E-A947-70E740481C1C}">
+                <a14:useLocalDpi xmlns:a14="http://schemas.microsoft.com/office/drawing/2010/main" val="0"/>
+              </a:ext>
+            </a:extLst>
+          </a:blip>
+          <a:stretch>
+            <a:fillRect/>
+          </a:stretch>
+        </p:blipFill>
+        <p:spPr>
+          <a:xfrm>
+            <a:off x="4389834" y="3993387"/>
+            <a:ext cx="2925522" cy="1170209"/>
+          </a:xfrm>
+          <a:prstGeom prst="rect">
+            <a:avLst/>
+          </a:prstGeom>
+        </p:spPr>
+      </p:pic>
+    </p:spTree>
+    <p:extLst>
+      <p:ext uri="{BB962C8B-B14F-4D97-AF65-F5344CB8AC3E}">
+        <p14:creationId xmlns:p14="http://schemas.microsoft.com/office/powerpoint/2010/main" val="959878397"/>
+      </p:ext>
+    </p:extLst>
+  </p:cSld>
+  <p:clrMapOvr>
+    <a:masterClrMapping/>
+  </p:clrMapOvr>
+  <p:timing>
+    <p:tnLst>
+      <p:par>
+        <p:cTn id="1" dur="indefinite" restart="never" nodeType="tmRoot"/>
+      </p:par>
+    </p:tnLst>
+  </p:timing>
+</p:sld>
+</file>
+
+<file path=ppt/slides/slide8.xml><?xml version="1.0" encoding="utf-8"?>
+<p:sld xmlns:a="http://schemas.openxmlformats.org/drawingml/2006/main" xmlns:r="http://schemas.openxmlformats.org/officeDocument/2006/relationships" xmlns:p="http://schemas.openxmlformats.org/presentationml/2006/main" showMasterSp="0">
+  <p:cSld>
+    <p:spTree>
+      <p:nvGrpSpPr>
+        <p:cNvPr id="1" name=""/>
+        <p:cNvGrpSpPr/>
+        <p:nvPr/>
+      </p:nvGrpSpPr>
+      <p:grpSpPr>
+        <a:xfrm>
+          <a:off x="0" y="0"/>
+          <a:ext cx="0" cy="0"/>
+          <a:chOff x="0" y="0"/>
+          <a:chExt cx="0" cy="0"/>
+        </a:xfrm>
+      </p:grpSpPr>
+      <p:sp>
+        <p:nvSpPr>
+          <p:cNvPr id="2" name="Title 1"/>
+          <p:cNvSpPr>
+            <a:spLocks noGrp="1"/>
+          </p:cNvSpPr>
+          <p:nvPr>
+            <p:ph type="title"/>
+          </p:nvPr>
+        </p:nvSpPr>
+        <p:spPr/>
+        <p:txBody>
+          <a:bodyPr/>
+          <a:lstStyle/>
+          <a:p>
+            <a:r>
+              <a:rPr lang="fr-CH" b="1" dirty="0" smtClean="0"/>
+              <a:t>Concept</a:t>
+            </a:r>
+            <a:endParaRPr lang="fr-CH" b="1" dirty="0"/>
+          </a:p>
+        </p:txBody>
+      </p:sp>
+      <p:sp>
+        <p:nvSpPr>
+          <p:cNvPr id="4" name="Date Placeholder 3"/>
+          <p:cNvSpPr>
+            <a:spLocks noGrp="1"/>
+          </p:cNvSpPr>
+          <p:nvPr>
+            <p:ph type="dt" sz="half" idx="10"/>
+          </p:nvPr>
+        </p:nvSpPr>
+        <p:spPr/>
+        <p:txBody>
+          <a:bodyPr/>
+          <a:lstStyle/>
+          <a:p>
+            <a:fld id="{567179FF-B5CF-4733-8008-E8A373DC24D9}" type="datetime2">
+              <a:rPr lang="en-US" smtClean="0"/>
+              <a:t>Saturday, December 5, 2015</a:t>
+            </a:fld>
+            <a:endParaRPr lang="en-US" dirty="0"/>
+          </a:p>
+        </p:txBody>
+      </p:sp>
+      <p:sp>
+        <p:nvSpPr>
+          <p:cNvPr id="5" name="Footer Placeholder 4"/>
+          <p:cNvSpPr>
+            <a:spLocks noGrp="1"/>
+          </p:cNvSpPr>
+          <p:nvPr>
+            <p:ph type="ftr" sz="quarter" idx="11"/>
+          </p:nvPr>
+        </p:nvSpPr>
+        <p:spPr/>
+        <p:txBody>
+          <a:bodyPr/>
+          <a:lstStyle/>
+          <a:p>
+            <a:r>
+              <a:rPr lang="en-US" smtClean="0"/>
+              <a:t>Development of a file sharing by invitation service based on AWS S3</a:t>
+            </a:r>
+            <a:endParaRPr lang="en-US" dirty="0"/>
+          </a:p>
+        </p:txBody>
+      </p:sp>
+      <p:sp>
+        <p:nvSpPr>
+          <p:cNvPr id="6" name="Slide Number Placeholder 5"/>
+          <p:cNvSpPr>
+            <a:spLocks noGrp="1"/>
+          </p:cNvSpPr>
+          <p:nvPr>
+            <p:ph type="sldNum" sz="quarter" idx="12"/>
+          </p:nvPr>
+        </p:nvSpPr>
+        <p:spPr/>
+        <p:txBody>
+          <a:bodyPr/>
+          <a:lstStyle/>
+          <a:p>
+            <a:fld id="{4FAB73BC-B049-4115-A692-8D63A059BFB8}" type="slidenum">
+              <a:rPr lang="en-US" smtClean="0"/>
+              <a:pPr/>
+              <a:t>8</a:t>
+            </a:fld>
+            <a:endParaRPr lang="en-US" dirty="0"/>
+          </a:p>
+        </p:txBody>
+      </p:sp>
+      <p:pic>
+        <p:nvPicPr>
+          <p:cNvPr id="7" name="Picture 6"/>
+          <p:cNvPicPr/>
+          <p:nvPr/>
+        </p:nvPicPr>
+        <p:blipFill rotWithShape="1">
+          <a:blip r:embed="rId2">
+            <a:extLst>
+              <a:ext uri="{28A0092B-C50C-407E-A947-70E740481C1C}">
+                <a14:useLocalDpi xmlns:a14="http://schemas.microsoft.com/office/drawing/2010/main" val="0"/>
+              </a:ext>
+            </a:extLst>
+          </a:blip>
+          <a:srcRect t="35423" b="36238"/>
+          <a:stretch/>
+        </p:blipFill>
+        <p:spPr bwMode="auto">
+          <a:xfrm>
+            <a:off x="8385048" y="65214"/>
+            <a:ext cx="3721735" cy="655955"/>
+          </a:xfrm>
+          <a:prstGeom prst="rect">
+            <a:avLst/>
+          </a:prstGeom>
+          <a:ln>
+            <a:noFill/>
+          </a:ln>
+          <a:extLst>
+            <a:ext uri="{53640926-AAD7-44D8-BBD7-CCE9431645EC}">
+              <a14:shadowObscured xmlns:a14="http://schemas.microsoft.com/office/drawing/2010/main"/>
+            </a:ext>
+          </a:extLst>
+        </p:spPr>
+      </p:pic>
+      <p:pic>
+        <p:nvPicPr>
+          <p:cNvPr id="8" name="Image 1"/>
+          <p:cNvPicPr>
+            <a:picLocks noChangeAspect="1"/>
+          </p:cNvPicPr>
+          <p:nvPr/>
+        </p:nvPicPr>
+        <p:blipFill>
+          <a:blip r:embed="rId3">
+            <a:extLst>
+              <a:ext uri="{28A0092B-C50C-407E-A947-70E740481C1C}">
+                <a14:useLocalDpi xmlns:a14="http://schemas.microsoft.com/office/drawing/2010/main" val="0"/>
+              </a:ext>
+            </a:extLst>
+          </a:blip>
+          <a:srcRect/>
+          <a:stretch>
+            <a:fillRect/>
+          </a:stretch>
+        </p:blipFill>
+        <p:spPr bwMode="auto">
+          <a:xfrm>
+            <a:off x="252919" y="268657"/>
             <a:ext cx="1260987" cy="648000"/>
           </a:xfrm>
           <a:prstGeom prst="rect">
@@ -8706,7 +10226,7 @@
 </p:sld>
 </file>
 
-<file path=ppt/slides/slide8.xml><?xml version="1.0" encoding="utf-8"?>
+<file path=ppt/slides/slide9.xml><?xml version="1.0" encoding="utf-8"?>
 <p:sld xmlns:a="http://schemas.openxmlformats.org/drawingml/2006/main" xmlns:r="http://schemas.openxmlformats.org/officeDocument/2006/relationships" xmlns:p="http://schemas.openxmlformats.org/presentationml/2006/main">
   <p:cSld>
     <p:spTree>
@@ -8739,10 +10259,10 @@
           <a:lstStyle/>
           <a:p>
             <a:r>
-              <a:rPr lang="fr-CH" dirty="0" smtClean="0"/>
+              <a:rPr lang="fr-CH" b="1" dirty="0" smtClean="0"/>
               <a:t>Keys</a:t>
             </a:r>
-            <a:endParaRPr lang="fr-CH" dirty="0"/>
+            <a:endParaRPr lang="fr-CH" b="1" dirty="0"/>
           </a:p>
         </p:txBody>
       </p:sp>
@@ -8765,147 +10285,361 @@
           </a:p>
           <a:p>
             <a:r>
-              <a:rPr lang="fr-CH" dirty="0" smtClean="0"/>
+              <a:rPr lang="fr-CH" dirty="0" smtClean="0">
+                <a:latin typeface="Frutiger LT Std 55 Roman" charset="0"/>
+                <a:ea typeface="Frutiger LT Std 55 Roman" charset="0"/>
+                <a:cs typeface="Frutiger LT Std 55 Roman" charset="0"/>
+              </a:rPr>
               <a:t>Change the CORS </a:t>
             </a:r>
             <a:r>
-              <a:rPr lang="fr-CH" dirty="0" err="1" smtClean="0"/>
+              <a:rPr lang="fr-CH" dirty="0" err="1" smtClean="0">
+                <a:latin typeface="Frutiger LT Std 55 Roman" charset="0"/>
+                <a:ea typeface="Frutiger LT Std 55 Roman" charset="0"/>
+                <a:cs typeface="Frutiger LT Std 55 Roman" charset="0"/>
+              </a:rPr>
               <a:t>parameters</a:t>
             </a:r>
             <a:r>
-              <a:rPr lang="fr-CH" dirty="0" smtClean="0"/>
+              <a:rPr lang="fr-CH" dirty="0" smtClean="0">
+                <a:latin typeface="Frutiger LT Std 55 Roman" charset="0"/>
+                <a:ea typeface="Frutiger LT Std 55 Roman" charset="0"/>
+                <a:cs typeface="Frutiger LT Std 55 Roman" charset="0"/>
+              </a:rPr>
               <a:t> of the </a:t>
             </a:r>
             <a:r>
-              <a:rPr lang="fr-CH" dirty="0" err="1" smtClean="0"/>
+              <a:rPr lang="fr-CH" dirty="0" err="1" smtClean="0">
+                <a:latin typeface="Frutiger LT Std 55 Roman" charset="0"/>
+                <a:ea typeface="Frutiger LT Std 55 Roman" charset="0"/>
+                <a:cs typeface="Frutiger LT Std 55 Roman" charset="0"/>
+              </a:rPr>
               <a:t>bucket</a:t>
             </a:r>
             <a:r>
-              <a:rPr lang="fr-CH" dirty="0" smtClean="0"/>
+              <a:rPr lang="fr-CH" dirty="0" smtClean="0">
+                <a:latin typeface="Frutiger LT Std 55 Roman" charset="0"/>
+                <a:ea typeface="Frutiger LT Std 55 Roman" charset="0"/>
+                <a:cs typeface="Frutiger LT Std 55 Roman" charset="0"/>
+              </a:rPr>
+              <a:t> </a:t>
+            </a:r>
+            <a:r>
+              <a:rPr lang="fr-CH" dirty="0" smtClean="0">
+                <a:latin typeface="Frutiger LT Std 55 Roman" charset="0"/>
+                <a:ea typeface="Frutiger LT Std 55 Roman" charset="0"/>
+                <a:cs typeface="Frutiger LT Std 55 Roman" charset="0"/>
+              </a:rPr>
+              <a:t/>
+            </a:r>
+            <a:br>
+              <a:rPr lang="fr-CH" dirty="0" smtClean="0">
+                <a:latin typeface="Frutiger LT Std 55 Roman" charset="0"/>
+                <a:ea typeface="Frutiger LT Std 55 Roman" charset="0"/>
+                <a:cs typeface="Frutiger LT Std 55 Roman" charset="0"/>
+              </a:rPr>
+            </a:br>
+            <a:r>
+              <a:rPr lang="fr-CH" dirty="0" smtClean="0">
+                <a:latin typeface="Frutiger LT Std 55 Roman" charset="0"/>
+                <a:ea typeface="Frutiger LT Std 55 Roman" charset="0"/>
+                <a:cs typeface="Frutiger LT Std 55 Roman" charset="0"/>
+              </a:rPr>
+              <a:t>to </a:t>
+            </a:r>
+            <a:r>
+              <a:rPr lang="fr-CH" dirty="0" err="1" smtClean="0">
+                <a:latin typeface="Frutiger LT Std 55 Roman" charset="0"/>
+                <a:ea typeface="Frutiger LT Std 55 Roman" charset="0"/>
+                <a:cs typeface="Frutiger LT Std 55 Roman" charset="0"/>
+              </a:rPr>
+              <a:t>allow</a:t>
+            </a:r>
+            <a:r>
+              <a:rPr lang="fr-CH" dirty="0" smtClean="0">
+                <a:latin typeface="Frutiger LT Std 55 Roman" charset="0"/>
+                <a:ea typeface="Frutiger LT Std 55 Roman" charset="0"/>
+                <a:cs typeface="Frutiger LT Std 55 Roman" charset="0"/>
+              </a:rPr>
+              <a:t> </a:t>
+            </a:r>
+            <a:r>
+              <a:rPr lang="fr-CH" dirty="0" err="1" smtClean="0">
+                <a:latin typeface="Frutiger LT Std 55 Roman" charset="0"/>
+                <a:ea typeface="Frutiger LT Std 55 Roman" charset="0"/>
+                <a:cs typeface="Frutiger LT Std 55 Roman" charset="0"/>
+              </a:rPr>
+              <a:t>upload</a:t>
+            </a:r>
+            <a:endParaRPr lang="fr-CH" dirty="0" smtClean="0">
+              <a:latin typeface="Frutiger LT Std 55 Roman" charset="0"/>
+              <a:ea typeface="Frutiger LT Std 55 Roman" charset="0"/>
+              <a:cs typeface="Frutiger LT Std 55 Roman" charset="0"/>
+            </a:endParaRPr>
+          </a:p>
+          <a:p>
+            <a:r>
+              <a:rPr lang="fr-CH" dirty="0" err="1" smtClean="0">
+                <a:latin typeface="Frutiger LT Std 55 Roman" charset="0"/>
+                <a:ea typeface="Frutiger LT Std 55 Roman" charset="0"/>
+                <a:cs typeface="Frutiger LT Std 55 Roman" charset="0"/>
+              </a:rPr>
+              <a:t>Generate</a:t>
+            </a:r>
+            <a:r>
+              <a:rPr lang="fr-CH" dirty="0" smtClean="0">
+                <a:latin typeface="Frutiger LT Std 55 Roman" charset="0"/>
+                <a:ea typeface="Frutiger LT Std 55 Roman" charset="0"/>
+                <a:cs typeface="Frutiger LT Std 55 Roman" charset="0"/>
+              </a:rPr>
+              <a:t> </a:t>
+            </a:r>
+            <a:r>
+              <a:rPr lang="fr-CH" dirty="0" err="1" smtClean="0">
+                <a:latin typeface="Frutiger LT Std 55 Roman" charset="0"/>
+                <a:ea typeface="Frutiger LT Std 55 Roman" charset="0"/>
+                <a:cs typeface="Frutiger LT Std 55 Roman" charset="0"/>
+              </a:rPr>
+              <a:t>valid</a:t>
+            </a:r>
+            <a:r>
+              <a:rPr lang="fr-CH" dirty="0" smtClean="0">
+                <a:latin typeface="Frutiger LT Std 55 Roman" charset="0"/>
+                <a:ea typeface="Frutiger LT Std 55 Roman" charset="0"/>
+                <a:cs typeface="Frutiger LT Std 55 Roman" charset="0"/>
+              </a:rPr>
+              <a:t> PUT </a:t>
+            </a:r>
+            <a:r>
+              <a:rPr lang="fr-CH" dirty="0" err="1" smtClean="0">
+                <a:latin typeface="Frutiger LT Std 55 Roman" charset="0"/>
+                <a:ea typeface="Frutiger LT Std 55 Roman" charset="0"/>
+                <a:cs typeface="Frutiger LT Std 55 Roman" charset="0"/>
+              </a:rPr>
+              <a:t>presigned</a:t>
+            </a:r>
+            <a:r>
+              <a:rPr lang="fr-CH" dirty="0" smtClean="0">
+                <a:latin typeface="Frutiger LT Std 55 Roman" charset="0"/>
+                <a:ea typeface="Frutiger LT Std 55 Roman" charset="0"/>
+                <a:cs typeface="Frutiger LT Std 55 Roman" charset="0"/>
+              </a:rPr>
+              <a:t> URL </a:t>
+            </a:r>
+            <a:r>
+              <a:rPr lang="fr-CH" dirty="0" smtClean="0">
+                <a:latin typeface="Frutiger LT Std 55 Roman" charset="0"/>
+                <a:ea typeface="Frutiger LT Std 55 Roman" charset="0"/>
+                <a:cs typeface="Frutiger LT Std 55 Roman" charset="0"/>
+              </a:rPr>
+              <a:t>to </a:t>
+            </a:r>
+            <a:r>
+              <a:rPr lang="fr-CH" dirty="0" err="1" smtClean="0">
+                <a:latin typeface="Frutiger LT Std 55 Roman" charset="0"/>
+                <a:ea typeface="Frutiger LT Std 55 Roman" charset="0"/>
+                <a:cs typeface="Frutiger LT Std 55 Roman" charset="0"/>
+              </a:rPr>
+              <a:t>upload</a:t>
+            </a:r>
+            <a:endParaRPr lang="fr-CH" dirty="0">
+              <a:latin typeface="Frutiger LT Std 55 Roman" charset="0"/>
+              <a:ea typeface="Frutiger LT Std 55 Roman" charset="0"/>
+              <a:cs typeface="Frutiger LT Std 55 Roman" charset="0"/>
+            </a:endParaRPr>
+          </a:p>
+          <a:p>
+            <a:r>
+              <a:rPr lang="fr-CH" dirty="0" err="1" smtClean="0">
+                <a:latin typeface="Frutiger LT Std 55 Roman" charset="0"/>
+                <a:ea typeface="Frutiger LT Std 55 Roman" charset="0"/>
+                <a:cs typeface="Frutiger LT Std 55 Roman" charset="0"/>
+              </a:rPr>
+              <a:t>Generate</a:t>
+            </a:r>
+            <a:r>
+              <a:rPr lang="fr-CH" dirty="0" smtClean="0">
+                <a:latin typeface="Frutiger LT Std 55 Roman" charset="0"/>
+                <a:ea typeface="Frutiger LT Std 55 Roman" charset="0"/>
+                <a:cs typeface="Frutiger LT Std 55 Roman" charset="0"/>
+              </a:rPr>
+              <a:t> </a:t>
+            </a:r>
+            <a:r>
+              <a:rPr lang="fr-CH" dirty="0" err="1" smtClean="0">
+                <a:latin typeface="Frutiger LT Std 55 Roman" charset="0"/>
+                <a:ea typeface="Frutiger LT Std 55 Roman" charset="0"/>
+                <a:cs typeface="Frutiger LT Std 55 Roman" charset="0"/>
+              </a:rPr>
+              <a:t>valid</a:t>
+            </a:r>
+            <a:r>
+              <a:rPr lang="fr-CH" dirty="0" smtClean="0">
+                <a:latin typeface="Frutiger LT Std 55 Roman" charset="0"/>
+                <a:ea typeface="Frutiger LT Std 55 Roman" charset="0"/>
+                <a:cs typeface="Frutiger LT Std 55 Roman" charset="0"/>
+              </a:rPr>
+              <a:t> GET </a:t>
+            </a:r>
+            <a:r>
+              <a:rPr lang="fr-CH" dirty="0" err="1" smtClean="0">
+                <a:latin typeface="Frutiger LT Std 55 Roman" charset="0"/>
+                <a:ea typeface="Frutiger LT Std 55 Roman" charset="0"/>
+                <a:cs typeface="Frutiger LT Std 55 Roman" charset="0"/>
+              </a:rPr>
+              <a:t>presigned</a:t>
+            </a:r>
+            <a:r>
+              <a:rPr lang="fr-CH" dirty="0" smtClean="0">
+                <a:latin typeface="Frutiger LT Std 55 Roman" charset="0"/>
+                <a:ea typeface="Frutiger LT Std 55 Roman" charset="0"/>
+                <a:cs typeface="Frutiger LT Std 55 Roman" charset="0"/>
+              </a:rPr>
+              <a:t> </a:t>
+            </a:r>
+            <a:r>
+              <a:rPr lang="fr-CH" dirty="0" smtClean="0">
+                <a:latin typeface="Frutiger LT Std 55 Roman" charset="0"/>
+                <a:ea typeface="Frutiger LT Std 55 Roman" charset="0"/>
+                <a:cs typeface="Frutiger LT Std 55 Roman" charset="0"/>
+              </a:rPr>
+              <a:t>URL to </a:t>
+            </a:r>
+            <a:r>
+              <a:rPr lang="fr-CH" dirty="0" err="1" smtClean="0">
+                <a:latin typeface="Frutiger LT Std 55 Roman" charset="0"/>
+                <a:ea typeface="Frutiger LT Std 55 Roman" charset="0"/>
+                <a:cs typeface="Frutiger LT Std 55 Roman" charset="0"/>
+              </a:rPr>
+              <a:t>download</a:t>
+            </a:r>
+            <a:r>
+              <a:rPr lang="fr-CH" dirty="0" smtClean="0">
+                <a:latin typeface="Frutiger LT Std 55 Roman" charset="0"/>
+                <a:ea typeface="Frutiger LT Std 55 Roman" charset="0"/>
+                <a:cs typeface="Frutiger LT Std 55 Roman" charset="0"/>
+              </a:rPr>
+              <a:t> </a:t>
+            </a:r>
+          </a:p>
+          <a:p>
+            <a:r>
+              <a:rPr lang="fr-CH" dirty="0" smtClean="0">
+                <a:latin typeface="Frutiger LT Std 55 Roman" charset="0"/>
+                <a:ea typeface="Frutiger LT Std 55 Roman" charset="0"/>
+                <a:cs typeface="Frutiger LT Std 55 Roman" charset="0"/>
+              </a:rPr>
+              <a:t>Use </a:t>
+            </a:r>
+            <a:r>
+              <a:rPr lang="fr-CH" dirty="0" err="1" smtClean="0">
+                <a:latin typeface="Frutiger LT Std 55 Roman" charset="0"/>
+                <a:ea typeface="Frutiger LT Std 55 Roman" charset="0"/>
+                <a:cs typeface="Frutiger LT Std 55 Roman" charset="0"/>
+              </a:rPr>
+              <a:t>ajax</a:t>
+            </a:r>
+            <a:r>
+              <a:rPr lang="fr-CH" dirty="0" smtClean="0">
+                <a:latin typeface="Frutiger LT Std 55 Roman" charset="0"/>
+                <a:ea typeface="Frutiger LT Std 55 Roman" charset="0"/>
+                <a:cs typeface="Frutiger LT Std 55 Roman" charset="0"/>
+              </a:rPr>
               <a:t> to </a:t>
             </a:r>
             <a:r>
-              <a:rPr lang="fr-CH" dirty="0" err="1" smtClean="0"/>
-              <a:t>allow</a:t>
-            </a:r>
-            <a:r>
-              <a:rPr lang="fr-CH" dirty="0" smtClean="0"/>
+              <a:rPr lang="fr-CH" dirty="0" err="1" smtClean="0">
+                <a:latin typeface="Frutiger LT Std 55 Roman" charset="0"/>
+                <a:ea typeface="Frutiger LT Std 55 Roman" charset="0"/>
+                <a:cs typeface="Frutiger LT Std 55 Roman" charset="0"/>
+              </a:rPr>
+              <a:t>generate</a:t>
+            </a:r>
+            <a:r>
+              <a:rPr lang="fr-CH" dirty="0" smtClean="0">
+                <a:latin typeface="Frutiger LT Std 55 Roman" charset="0"/>
+                <a:ea typeface="Frutiger LT Std 55 Roman" charset="0"/>
+                <a:cs typeface="Frutiger LT Std 55 Roman" charset="0"/>
+              </a:rPr>
+              <a:t> a </a:t>
+            </a:r>
+            <a:r>
+              <a:rPr lang="fr-CH" dirty="0" err="1" smtClean="0">
+                <a:latin typeface="Frutiger LT Std 55 Roman" charset="0"/>
+                <a:ea typeface="Frutiger LT Std 55 Roman" charset="0"/>
+                <a:cs typeface="Frutiger LT Std 55 Roman" charset="0"/>
+              </a:rPr>
+              <a:t>valid</a:t>
+            </a:r>
+            <a:r>
+              <a:rPr lang="fr-CH" dirty="0" smtClean="0">
+                <a:latin typeface="Frutiger LT Std 55 Roman" charset="0"/>
+                <a:ea typeface="Frutiger LT Std 55 Roman" charset="0"/>
+                <a:cs typeface="Frutiger LT Std 55 Roman" charset="0"/>
+              </a:rPr>
               <a:t> </a:t>
             </a:r>
             <a:r>
-              <a:rPr lang="fr-CH" dirty="0" err="1" smtClean="0"/>
-              <a:t>upload</a:t>
-            </a:r>
-            <a:endParaRPr lang="fr-CH" dirty="0" smtClean="0"/>
-          </a:p>
-          <a:p>
-            <a:r>
-              <a:rPr lang="fr-CH" dirty="0" err="1" smtClean="0"/>
-              <a:t>Generate</a:t>
-            </a:r>
-            <a:r>
-              <a:rPr lang="fr-CH" dirty="0" smtClean="0"/>
+              <a:rPr lang="fr-CH" dirty="0" err="1" smtClean="0">
+                <a:latin typeface="Frutiger LT Std 55 Roman" charset="0"/>
+                <a:ea typeface="Frutiger LT Std 55 Roman" charset="0"/>
+                <a:cs typeface="Frutiger LT Std 55 Roman" charset="0"/>
+              </a:rPr>
+              <a:t>request</a:t>
+            </a:r>
+            <a:r>
+              <a:rPr lang="fr-CH" dirty="0" smtClean="0">
+                <a:latin typeface="Frutiger LT Std 55 Roman" charset="0"/>
+                <a:ea typeface="Frutiger LT Std 55 Roman" charset="0"/>
+                <a:cs typeface="Frutiger LT Std 55 Roman" charset="0"/>
+              </a:rPr>
               <a:t> </a:t>
             </a:r>
             <a:r>
-              <a:rPr lang="fr-CH" dirty="0" err="1" smtClean="0"/>
-              <a:t>valid</a:t>
-            </a:r>
-            <a:r>
-              <a:rPr lang="fr-CH" dirty="0" smtClean="0"/>
-              <a:t> PUT </a:t>
-            </a:r>
-            <a:r>
-              <a:rPr lang="fr-CH" dirty="0" err="1" smtClean="0"/>
+              <a:rPr lang="fr-CH" dirty="0" smtClean="0">
+                <a:latin typeface="Frutiger LT Std 55 Roman" charset="0"/>
+                <a:ea typeface="Frutiger LT Std 55 Roman" charset="0"/>
+                <a:cs typeface="Frutiger LT Std 55 Roman" charset="0"/>
+              </a:rPr>
+              <a:t/>
+            </a:r>
+            <a:br>
+              <a:rPr lang="fr-CH" dirty="0" smtClean="0">
+                <a:latin typeface="Frutiger LT Std 55 Roman" charset="0"/>
+                <a:ea typeface="Frutiger LT Std 55 Roman" charset="0"/>
+                <a:cs typeface="Frutiger LT Std 55 Roman" charset="0"/>
+              </a:rPr>
+            </a:br>
+            <a:r>
+              <a:rPr lang="fr-CH" dirty="0" smtClean="0">
+                <a:latin typeface="Frutiger LT Std 55 Roman" charset="0"/>
+                <a:ea typeface="Frutiger LT Std 55 Roman" charset="0"/>
+                <a:cs typeface="Frutiger LT Std 55 Roman" charset="0"/>
+              </a:rPr>
+              <a:t>to </a:t>
+            </a:r>
+            <a:r>
+              <a:rPr lang="fr-CH" dirty="0" smtClean="0">
+                <a:latin typeface="Frutiger LT Std 55 Roman" charset="0"/>
+                <a:ea typeface="Frutiger LT Std 55 Roman" charset="0"/>
+                <a:cs typeface="Frutiger LT Std 55 Roman" charset="0"/>
+              </a:rPr>
+              <a:t>the </a:t>
+            </a:r>
+            <a:r>
+              <a:rPr lang="fr-CH" dirty="0" err="1" smtClean="0">
+                <a:latin typeface="Frutiger LT Std 55 Roman" charset="0"/>
+                <a:ea typeface="Frutiger LT Std 55 Roman" charset="0"/>
+                <a:cs typeface="Frutiger LT Std 55 Roman" charset="0"/>
+              </a:rPr>
               <a:t>presigned</a:t>
             </a:r>
             <a:r>
-              <a:rPr lang="fr-CH" dirty="0" smtClean="0"/>
-              <a:t> URL to </a:t>
-            </a:r>
-            <a:r>
-              <a:rPr lang="fr-CH" dirty="0" err="1" smtClean="0"/>
-              <a:t>upload</a:t>
-            </a:r>
-            <a:endParaRPr lang="fr-CH" dirty="0"/>
-          </a:p>
-          <a:p>
-            <a:r>
-              <a:rPr lang="fr-CH" dirty="0" err="1" smtClean="0"/>
-              <a:t>Generate</a:t>
-            </a:r>
-            <a:r>
-              <a:rPr lang="fr-CH" dirty="0" smtClean="0"/>
-              <a:t> </a:t>
-            </a:r>
-            <a:r>
-              <a:rPr lang="fr-CH" dirty="0" err="1" smtClean="0"/>
-              <a:t>valid</a:t>
-            </a:r>
-            <a:r>
-              <a:rPr lang="fr-CH" dirty="0" smtClean="0"/>
-              <a:t> GET </a:t>
-            </a:r>
-            <a:r>
-              <a:rPr lang="fr-CH" dirty="0" err="1" smtClean="0"/>
-              <a:t>presignded</a:t>
-            </a:r>
-            <a:r>
-              <a:rPr lang="fr-CH" dirty="0" smtClean="0"/>
-              <a:t> URL to </a:t>
-            </a:r>
-            <a:r>
-              <a:rPr lang="fr-CH" dirty="0" err="1" smtClean="0"/>
-              <a:t>download</a:t>
-            </a:r>
-            <a:r>
-              <a:rPr lang="fr-CH" dirty="0" smtClean="0"/>
-              <a:t> </a:t>
-            </a:r>
-          </a:p>
-          <a:p>
-            <a:r>
-              <a:rPr lang="fr-CH" dirty="0" smtClean="0"/>
-              <a:t>Use </a:t>
-            </a:r>
-            <a:r>
-              <a:rPr lang="fr-CH" dirty="0" err="1" smtClean="0"/>
-              <a:t>ajax</a:t>
-            </a:r>
-            <a:r>
-              <a:rPr lang="fr-CH" dirty="0" smtClean="0"/>
-              <a:t> to </a:t>
-            </a:r>
-            <a:r>
-              <a:rPr lang="fr-CH" dirty="0" err="1" smtClean="0"/>
-              <a:t>generate</a:t>
-            </a:r>
-            <a:r>
-              <a:rPr lang="fr-CH" dirty="0" smtClean="0"/>
-              <a:t> a </a:t>
-            </a:r>
-            <a:r>
-              <a:rPr lang="fr-CH" dirty="0" err="1" smtClean="0"/>
-              <a:t>valid</a:t>
-            </a:r>
-            <a:r>
-              <a:rPr lang="fr-CH" dirty="0" smtClean="0"/>
-              <a:t> </a:t>
-            </a:r>
-            <a:r>
-              <a:rPr lang="fr-CH" dirty="0" err="1" smtClean="0"/>
-              <a:t>request</a:t>
-            </a:r>
-            <a:r>
-              <a:rPr lang="fr-CH" dirty="0" smtClean="0"/>
-              <a:t> to the </a:t>
-            </a:r>
-            <a:r>
-              <a:rPr lang="fr-CH" dirty="0" err="1" smtClean="0"/>
-              <a:t>presigned</a:t>
-            </a:r>
-            <a:r>
-              <a:rPr lang="fr-CH" dirty="0" smtClean="0"/>
+              <a:rPr lang="fr-CH" dirty="0" smtClean="0">
+                <a:latin typeface="Frutiger LT Std 55 Roman" charset="0"/>
+                <a:ea typeface="Frutiger LT Std 55 Roman" charset="0"/>
+                <a:cs typeface="Frutiger LT Std 55 Roman" charset="0"/>
+              </a:rPr>
               <a:t> URL</a:t>
             </a:r>
           </a:p>
@@ -8981,7 +10715,7 @@
             <a:fld id="{4FAB73BC-B049-4115-A692-8D63A059BFB8}" type="slidenum">
               <a:rPr lang="en-US" smtClean="0"/>
               <a:pPr/>
-              <a:t>8</a:t>
+              <a:t>9</a:t>
             </a:fld>
             <a:endParaRPr lang="en-US" dirty="0"/>
           </a:p>
@@ -9061,301 +10795,6 @@
     <p:extLst>
       <p:ext uri="{BB962C8B-B14F-4D97-AF65-F5344CB8AC3E}">
         <p14:creationId xmlns:p14="http://schemas.microsoft.com/office/powerpoint/2010/main" val="4080299777"/>
-      </p:ext>
-    </p:extLst>
-  </p:cSld>
-  <p:clrMapOvr>
-    <a:masterClrMapping/>
-  </p:clrMapOvr>
-  <p:timing>
-    <p:tnLst>
-      <p:par>
-        <p:cTn id="1" dur="indefinite" restart="never" nodeType="tmRoot"/>
-      </p:par>
-    </p:tnLst>
-  </p:timing>
-</p:sld>
-</file>
-
-<file path=ppt/slides/slide9.xml><?xml version="1.0" encoding="utf-8"?>
-<p:sld xmlns:a="http://schemas.openxmlformats.org/drawingml/2006/main" xmlns:r="http://schemas.openxmlformats.org/officeDocument/2006/relationships" xmlns:p="http://schemas.openxmlformats.org/presentationml/2006/main">
-  <p:cSld>
-    <p:spTree>
-      <p:nvGrpSpPr>
-        <p:cNvPr id="1" name=""/>
-        <p:cNvGrpSpPr/>
-        <p:nvPr/>
-      </p:nvGrpSpPr>
-      <p:grpSpPr>
-        <a:xfrm>
-          <a:off x="0" y="0"/>
-          <a:ext cx="0" cy="0"/>
-          <a:chOff x="0" y="0"/>
-          <a:chExt cx="0" cy="0"/>
-        </a:xfrm>
-      </p:grpSpPr>
-      <p:sp>
-        <p:nvSpPr>
-          <p:cNvPr id="2" name="Title 1"/>
-          <p:cNvSpPr>
-            <a:spLocks noGrp="1"/>
-          </p:cNvSpPr>
-          <p:nvPr>
-            <p:ph type="title"/>
-          </p:nvPr>
-        </p:nvSpPr>
-        <p:spPr/>
-        <p:txBody>
-          <a:bodyPr/>
-          <a:lstStyle/>
-          <a:p>
-            <a:r>
-              <a:rPr lang="fr-CH" dirty="0" err="1" smtClean="0"/>
-              <a:t>Presigned</a:t>
-            </a:r>
-            <a:r>
-              <a:rPr lang="fr-CH" dirty="0" smtClean="0"/>
-              <a:t> URL</a:t>
-            </a:r>
-            <a:endParaRPr lang="fr-CH" dirty="0"/>
-          </a:p>
-        </p:txBody>
-      </p:sp>
-      <p:sp>
-        <p:nvSpPr>
-          <p:cNvPr id="4" name="Date Placeholder 3"/>
-          <p:cNvSpPr>
-            <a:spLocks noGrp="1"/>
-          </p:cNvSpPr>
-          <p:nvPr>
-            <p:ph type="dt" sz="half" idx="10"/>
-          </p:nvPr>
-        </p:nvSpPr>
-        <p:spPr/>
-        <p:txBody>
-          <a:bodyPr/>
-          <a:lstStyle/>
-          <a:p>
-            <a:fld id="{567179FF-B5CF-4733-8008-E8A373DC24D9}" type="datetime2">
-              <a:rPr lang="en-US" smtClean="0"/>
-              <a:t>Saturday, December 5, 2015</a:t>
-            </a:fld>
-            <a:endParaRPr lang="en-US" dirty="0"/>
-          </a:p>
-        </p:txBody>
-      </p:sp>
-      <p:sp>
-        <p:nvSpPr>
-          <p:cNvPr id="5" name="Footer Placeholder 4"/>
-          <p:cNvSpPr>
-            <a:spLocks noGrp="1"/>
-          </p:cNvSpPr>
-          <p:nvPr>
-            <p:ph type="ftr" sz="quarter" idx="11"/>
-          </p:nvPr>
-        </p:nvSpPr>
-        <p:spPr/>
-        <p:txBody>
-          <a:bodyPr/>
-          <a:lstStyle/>
-          <a:p>
-            <a:r>
-              <a:rPr lang="en-US" smtClean="0"/>
-              <a:t>Development of a file sharing by invitation service based on AWS S3</a:t>
-            </a:r>
-            <a:endParaRPr lang="en-US" dirty="0"/>
-          </a:p>
-        </p:txBody>
-      </p:sp>
-      <p:sp>
-        <p:nvSpPr>
-          <p:cNvPr id="6" name="Slide Number Placeholder 5"/>
-          <p:cNvSpPr>
-            <a:spLocks noGrp="1"/>
-          </p:cNvSpPr>
-          <p:nvPr>
-            <p:ph type="sldNum" sz="quarter" idx="12"/>
-          </p:nvPr>
-        </p:nvSpPr>
-        <p:spPr/>
-        <p:txBody>
-          <a:bodyPr/>
-          <a:lstStyle/>
-          <a:p>
-            <a:fld id="{4FAB73BC-B049-4115-A692-8D63A059BFB8}" type="slidenum">
-              <a:rPr lang="en-US" smtClean="0"/>
-              <a:pPr/>
-              <a:t>9</a:t>
-            </a:fld>
-            <a:endParaRPr lang="en-US" dirty="0"/>
-          </a:p>
-        </p:txBody>
-      </p:sp>
-      <p:sp>
-        <p:nvSpPr>
-          <p:cNvPr id="8" name="Content Placeholder 7"/>
-          <p:cNvSpPr>
-            <a:spLocks noGrp="1"/>
-          </p:cNvSpPr>
-          <p:nvPr>
-            <p:ph idx="1"/>
-          </p:nvPr>
-        </p:nvSpPr>
-        <p:spPr/>
-        <p:txBody>
-          <a:bodyPr/>
-          <a:lstStyle/>
-          <a:p>
-            <a:r>
-              <a:rPr lang="fr-CH" dirty="0" err="1" smtClean="0"/>
-              <a:t>Parameters</a:t>
-            </a:r>
-            <a:r>
-              <a:rPr lang="fr-CH" dirty="0" smtClean="0"/>
-              <a:t> </a:t>
-            </a:r>
-            <a:r>
-              <a:rPr lang="fr-CH" dirty="0" smtClean="0"/>
-              <a:t>:</a:t>
-            </a:r>
-          </a:p>
-          <a:p>
-            <a:endParaRPr lang="fr-CH" dirty="0"/>
-          </a:p>
-          <a:p>
-            <a:endParaRPr lang="fr-CH" dirty="0" smtClean="0"/>
-          </a:p>
-          <a:p>
-            <a:endParaRPr lang="fr-CH" dirty="0"/>
-          </a:p>
-          <a:p>
-            <a:endParaRPr lang="fr-CH" dirty="0" smtClean="0"/>
-          </a:p>
-          <a:p>
-            <a:endParaRPr lang="fr-CH" dirty="0"/>
-          </a:p>
-          <a:p>
-            <a:endParaRPr lang="fr-CH" dirty="0" smtClean="0"/>
-          </a:p>
-          <a:p>
-            <a:endParaRPr lang="fr-CH" dirty="0"/>
-          </a:p>
-          <a:p>
-            <a:endParaRPr lang="fr-CH" dirty="0"/>
-          </a:p>
-        </p:txBody>
-      </p:sp>
-      <p:pic>
-        <p:nvPicPr>
-          <p:cNvPr id="10" name="Content Placeholder 6"/>
-          <p:cNvPicPr>
-            <a:picLocks noChangeAspect="1"/>
-          </p:cNvPicPr>
-          <p:nvPr/>
-        </p:nvPicPr>
-        <p:blipFill>
-          <a:blip r:embed="rId2"/>
-          <a:stretch>
-            <a:fillRect/>
-          </a:stretch>
-        </p:blipFill>
-        <p:spPr>
-          <a:xfrm>
-            <a:off x="4065143" y="2105470"/>
-            <a:ext cx="4124325" cy="1838325"/>
-          </a:xfrm>
-          <a:prstGeom prst="roundRect">
-            <a:avLst>
-              <a:gd name="adj" fmla="val 8594"/>
-            </a:avLst>
-          </a:prstGeom>
-          <a:solidFill>
-            <a:srgbClr val="FFFFFF">
-              <a:shade val="85000"/>
-            </a:srgbClr>
-          </a:solidFill>
-          <a:ln>
-            <a:noFill/>
-          </a:ln>
-          <a:effectLst>
-            <a:reflection blurRad="12700" stA="38000" endPos="28000" dist="5000" dir="5400000" sy="-100000" algn="bl" rotWithShape="0"/>
-          </a:effectLst>
-        </p:spPr>
-      </p:pic>
-      <p:pic>
-        <p:nvPicPr>
-          <p:cNvPr id="11" name="Picture 10"/>
-          <p:cNvPicPr/>
-          <p:nvPr/>
-        </p:nvPicPr>
-        <p:blipFill rotWithShape="1">
-          <a:blip r:embed="rId3">
-            <a:extLst>
-              <a:ext uri="{28A0092B-C50C-407E-A947-70E740481C1C}">
-                <a14:useLocalDpi xmlns:a14="http://schemas.microsoft.com/office/drawing/2010/main" val="0"/>
-              </a:ext>
-            </a:extLst>
-          </a:blip>
-          <a:srcRect t="35423" b="36238"/>
-          <a:stretch/>
-        </p:blipFill>
-        <p:spPr bwMode="auto">
-          <a:xfrm>
-            <a:off x="8385048" y="65214"/>
-            <a:ext cx="3721735" cy="655955"/>
-          </a:xfrm>
-          <a:prstGeom prst="rect">
-            <a:avLst/>
-          </a:prstGeom>
-          <a:ln>
-            <a:noFill/>
-          </a:ln>
-          <a:extLst>
-            <a:ext uri="{53640926-AAD7-44D8-BBD7-CCE9431645EC}">
-              <a14:shadowObscured xmlns:a14="http://schemas.microsoft.com/office/drawing/2010/main"/>
-            </a:ext>
-          </a:extLst>
-        </p:spPr>
-      </p:pic>
-      <p:pic>
-        <p:nvPicPr>
-          <p:cNvPr id="12" name="Image 1"/>
-          <p:cNvPicPr>
-            <a:picLocks noChangeAspect="1"/>
-          </p:cNvPicPr>
-          <p:nvPr/>
-        </p:nvPicPr>
-        <p:blipFill>
-          <a:blip r:embed="rId4">
-            <a:extLst>
-              <a:ext uri="{28A0092B-C50C-407E-A947-70E740481C1C}">
-                <a14:useLocalDpi xmlns:a14="http://schemas.microsoft.com/office/drawing/2010/main" val="0"/>
-              </a:ext>
-            </a:extLst>
-          </a:blip>
-          <a:srcRect/>
-          <a:stretch>
-            <a:fillRect/>
-          </a:stretch>
-        </p:blipFill>
-        <p:spPr bwMode="auto">
-          <a:xfrm>
-            <a:off x="2187787" y="43371"/>
-            <a:ext cx="1260987" cy="648000"/>
-          </a:xfrm>
-          <a:prstGeom prst="rect">
-            <a:avLst/>
-          </a:prstGeom>
-          <a:noFill/>
-          <a:ln>
-            <a:noFill/>
-          </a:ln>
-        </p:spPr>
-      </p:pic>
-    </p:spTree>
-    <p:extLst>
-      <p:ext uri="{BB962C8B-B14F-4D97-AF65-F5344CB8AC3E}">
-        <p14:creationId xmlns:p14="http://schemas.microsoft.com/office/powerpoint/2010/main" val="143658703"/>
       </p:ext>
     </p:extLst>
   </p:cSld>
